--- a/文档/PPT.pptx
+++ b/文档/PPT.pptx
@@ -31,18 +31,16 @@
     <p:sldId id="326" r:id="rId24"/>
     <p:sldId id="327" r:id="rId25"/>
     <p:sldId id="328" r:id="rId26"/>
-    <p:sldId id="329" r:id="rId27"/>
-    <p:sldId id="288" r:id="rId28"/>
-    <p:sldId id="289" r:id="rId29"/>
-    <p:sldId id="322" r:id="rId30"/>
-    <p:sldId id="260" r:id="rId31"/>
-    <p:sldId id="261" r:id="rId32"/>
-    <p:sldId id="323" r:id="rId33"/>
-    <p:sldId id="290" r:id="rId34"/>
-    <p:sldId id="264" r:id="rId35"/>
-    <p:sldId id="324" r:id="rId36"/>
-    <p:sldId id="266" r:id="rId37"/>
-    <p:sldId id="302" r:id="rId38"/>
+    <p:sldId id="288" r:id="rId27"/>
+    <p:sldId id="289" r:id="rId28"/>
+    <p:sldId id="260" r:id="rId29"/>
+    <p:sldId id="261" r:id="rId30"/>
+    <p:sldId id="323" r:id="rId31"/>
+    <p:sldId id="290" r:id="rId32"/>
+    <p:sldId id="264" r:id="rId33"/>
+    <p:sldId id="324" r:id="rId34"/>
+    <p:sldId id="266" r:id="rId35"/>
+    <p:sldId id="302" r:id="rId36"/>
   </p:sldIdLst>
   <p:sldSz cx="17555845" cy="9875520"/>
   <p:notesSz cx="9875520" cy="17555845"/>
@@ -2289,162 +2287,6 @@
 </p:notes>
 </file>
 
-<file path=ppt/notesSlides/notesSlide33.xml><?xml version="1.0" encoding="utf-8"?>
-<p:notes xmlns:a="http://schemas.openxmlformats.org/drawingml/2006/main" xmlns:r="http://schemas.openxmlformats.org/officeDocument/2006/relationships" xmlns:p="http://schemas.openxmlformats.org/presentationml/2006/main">
-  <p:cSld>
-    <p:spTree>
-      <p:nvGrpSpPr>
-        <p:cNvPr id="1" name=""/>
-        <p:cNvGrpSpPr/>
-        <p:nvPr/>
-      </p:nvGrpSpPr>
-      <p:grpSpPr>
-        <a:xfrm>
-          <a:off x="0" y="0"/>
-          <a:ext cx="0" cy="0"/>
-          <a:chOff x="0" y="0"/>
-          <a:chExt cx="0" cy="0"/>
-        </a:xfrm>
-      </p:grpSpPr>
-      <p:sp>
-        <p:nvSpPr>
-          <p:cNvPr id="2" name="Slide Image Placeholder 1"/>
-          <p:cNvSpPr>
-            <a:spLocks noGrp="1" noRot="1" noChangeAspect="1"/>
-          </p:cNvSpPr>
-          <p:nvPr>
-            <p:ph type="sldImg"/>
-          </p:nvPr>
-        </p:nvSpPr>
-        <p:spPr/>
-      </p:sp>
-      <p:sp>
-        <p:nvSpPr>
-          <p:cNvPr id="3" name="Notes Placeholder 2"/>
-          <p:cNvSpPr>
-            <a:spLocks noGrp="1"/>
-          </p:cNvSpPr>
-          <p:nvPr>
-            <p:ph type="body" idx="1"/>
-          </p:nvPr>
-        </p:nvSpPr>
-        <p:spPr/>
-        <p:txBody>
-          <a:bodyPr/>
-          <a:lstStyle/>
-          <a:p>
-            <a:endParaRPr lang="en-US" dirty="0"/>
-          </a:p>
-        </p:txBody>
-      </p:sp>
-      <p:sp>
-        <p:nvSpPr>
-          <p:cNvPr id="4" name="Slide Number Placeholder 3"/>
-          <p:cNvSpPr>
-            <a:spLocks noGrp="1"/>
-          </p:cNvSpPr>
-          <p:nvPr>
-            <p:ph type="sldNum" sz="quarter" idx="10"/>
-          </p:nvPr>
-        </p:nvSpPr>
-        <p:spPr/>
-        <p:txBody>
-          <a:bodyPr/>
-          <a:lstStyle/>
-          <a:p>
-            <a:fld id="{F7021451-1387-4CA6-816F-3879F97B5CBC}" type="slidenum">
-              <a:rPr lang="en-US"/>
-            </a:fld>
-            <a:endParaRPr lang="en-US"/>
-          </a:p>
-        </p:txBody>
-      </p:sp>
-    </p:spTree>
-  </p:cSld>
-  <p:clrMapOvr>
-    <a:masterClrMapping/>
-  </p:clrMapOvr>
-</p:notes>
-</file>
-
-<file path=ppt/notesSlides/notesSlide34.xml><?xml version="1.0" encoding="utf-8"?>
-<p:notes xmlns:a="http://schemas.openxmlformats.org/drawingml/2006/main" xmlns:r="http://schemas.openxmlformats.org/officeDocument/2006/relationships" xmlns:p="http://schemas.openxmlformats.org/presentationml/2006/main">
-  <p:cSld>
-    <p:spTree>
-      <p:nvGrpSpPr>
-        <p:cNvPr id="1" name=""/>
-        <p:cNvGrpSpPr/>
-        <p:nvPr/>
-      </p:nvGrpSpPr>
-      <p:grpSpPr>
-        <a:xfrm>
-          <a:off x="0" y="0"/>
-          <a:ext cx="0" cy="0"/>
-          <a:chOff x="0" y="0"/>
-          <a:chExt cx="0" cy="0"/>
-        </a:xfrm>
-      </p:grpSpPr>
-      <p:sp>
-        <p:nvSpPr>
-          <p:cNvPr id="2" name="Slide Image Placeholder 1"/>
-          <p:cNvSpPr>
-            <a:spLocks noGrp="1" noRot="1" noChangeAspect="1"/>
-          </p:cNvSpPr>
-          <p:nvPr>
-            <p:ph type="sldImg"/>
-          </p:nvPr>
-        </p:nvSpPr>
-        <p:spPr/>
-      </p:sp>
-      <p:sp>
-        <p:nvSpPr>
-          <p:cNvPr id="3" name="Notes Placeholder 2"/>
-          <p:cNvSpPr>
-            <a:spLocks noGrp="1"/>
-          </p:cNvSpPr>
-          <p:nvPr>
-            <p:ph type="body" idx="1"/>
-          </p:nvPr>
-        </p:nvSpPr>
-        <p:spPr/>
-        <p:txBody>
-          <a:bodyPr/>
-          <a:lstStyle/>
-          <a:p>
-            <a:endParaRPr lang="en-US" dirty="0"/>
-          </a:p>
-        </p:txBody>
-      </p:sp>
-      <p:sp>
-        <p:nvSpPr>
-          <p:cNvPr id="4" name="Slide Number Placeholder 3"/>
-          <p:cNvSpPr>
-            <a:spLocks noGrp="1"/>
-          </p:cNvSpPr>
-          <p:nvPr>
-            <p:ph type="sldNum" sz="quarter" idx="10"/>
-          </p:nvPr>
-        </p:nvSpPr>
-        <p:spPr/>
-        <p:txBody>
-          <a:bodyPr/>
-          <a:lstStyle/>
-          <a:p>
-            <a:fld id="{F7021451-1387-4CA6-816F-3879F97B5CBC}" type="slidenum">
-              <a:rPr lang="en-US"/>
-            </a:fld>
-            <a:endParaRPr lang="en-US"/>
-          </a:p>
-        </p:txBody>
-      </p:sp>
-    </p:spTree>
-  </p:cSld>
-  <p:clrMapOvr>
-    <a:masterClrMapping/>
-  </p:clrMapOvr>
-</p:notes>
-</file>
-
 <file path=ppt/notesSlides/notesSlide4.xml><?xml version="1.0" encoding="utf-8"?>
 <p:notes xmlns:a="http://schemas.openxmlformats.org/drawingml/2006/main" xmlns:r="http://schemas.openxmlformats.org/officeDocument/2006/relationships" xmlns:p="http://schemas.openxmlformats.org/presentationml/2006/main">
   <p:cSld>
@@ -6546,7 +6388,7 @@
       </p:sp>
       <p:pic>
         <p:nvPicPr>
-          <p:cNvPr id="7" name="图片 6" descr="0层数据流图"/>
+          <p:cNvPr id="6" name="图片 5"/>
           <p:cNvPicPr>
             <a:picLocks noChangeAspect="1"/>
           </p:cNvPicPr>
@@ -6560,8 +6402,8 @@
         </p:blipFill>
         <p:spPr>
           <a:xfrm>
-            <a:off x="4052570" y="0"/>
-            <a:ext cx="11668760" cy="9609455"/>
+            <a:off x="4020185" y="167005"/>
+            <a:ext cx="11384280" cy="9540875"/>
           </a:xfrm>
           <a:prstGeom prst="rect">
             <a:avLst/>
@@ -17912,7 +17754,7 @@
         <p:spPr>
           <a:xfrm>
             <a:off x="7423160" y="1637645"/>
-            <a:ext cx="2450789" cy="523220"/>
+            <a:ext cx="2450789" cy="521970"/>
           </a:xfrm>
           <a:prstGeom prst="rect">
             <a:avLst/>
@@ -17939,7 +17781,15 @@
                 <a:ea typeface="微软雅黑" panose="020B0503020204020204" pitchFamily="34" charset="-122"/>
                 <a:cs typeface="微软雅黑" panose="020B0503020204020204" pitchFamily="34" charset="-122"/>
               </a:rPr>
-              <a:t>、评论属性</a:t>
+              <a:t>、</a:t>
+            </a:r>
+            <a:r>
+              <a:rPr lang="zh-CN" altLang="en-US" sz="2800" b="1" dirty="0">
+                <a:latin typeface="微软雅黑" panose="020B0503020204020204" pitchFamily="34" charset="-122"/>
+                <a:ea typeface="微软雅黑" panose="020B0503020204020204" pitchFamily="34" charset="-122"/>
+                <a:cs typeface="微软雅黑" panose="020B0503020204020204" pitchFamily="34" charset="-122"/>
+              </a:rPr>
+              <a:t>聚类结果</a:t>
             </a:r>
             <a:endParaRPr lang="zh-CN" altLang="en-US" sz="2800" b="1" dirty="0">
               <a:latin typeface="微软雅黑" panose="020B0503020204020204" pitchFamily="34" charset="-122"/>
@@ -18480,7 +18330,7 @@
       </p:graphicFrame>
       <p:graphicFrame>
         <p:nvGraphicFramePr>
-          <p:cNvPr id="29" name="表格 28"/>
+          <p:cNvPr id="13" name="表格 12"/>
           <p:cNvGraphicFramePr>
             <a:graphicFrameLocks noGrp="1"/>
           </p:cNvGraphicFramePr>
@@ -18491,8 +18341,8 @@
           </p:nvPr>
         </p:nvGraphicFramePr>
         <p:xfrm>
-          <a:off x="7934709" y="2317356"/>
-          <a:ext cx="9007091" cy="2577474"/>
+          <a:off x="8021320" y="2279015"/>
+          <a:ext cx="7804785" cy="2875280"/>
         </p:xfrm>
         <a:graphic>
           <a:graphicData uri="http://schemas.openxmlformats.org/drawingml/2006/table">
@@ -18501,14 +18351,13 @@
                 <a:tableStyleId>{5C22544A-7EE6-4342-B048-85BDC9FD1C3A}</a:tableStyleId>
               </a:tblPr>
               <a:tblGrid>
-                <a:gridCol w="3141700"/>
-                <a:gridCol w="5865391"/>
+                <a:gridCol w="1614805"/>
+                <a:gridCol w="6189980"/>
               </a:tblGrid>
-              <a:tr h="429579">
+              <a:tr h="365760">
                 <a:tc>
                   <a:txBody>
                     <a:bodyPr/>
-                    <a:lstStyle/>
                     <a:p>
                       <a:pPr algn="ctr"/>
                       <a:r>
@@ -18551,11 +18400,10 @@
                 <a:tc>
                   <a:txBody>
                     <a:bodyPr/>
-                    <a:lstStyle/>
                     <a:p>
                       <a:pPr algn="ctr"/>
                       <a:r>
-                        <a:rPr lang="zh-CN" sz="2400" b="1" kern="100">
+                        <a:rPr lang="zh-CN" sz="2400" b="1" kern="100" dirty="0">
                           <a:solidFill>
                             <a:schemeClr val="tx1">
                               <a:lumMod val="65000"/>
@@ -18567,9 +18415,9 @@
                           <a:ea typeface="微软雅黑" panose="020B0503020204020204" pitchFamily="34" charset="-122"/>
                           <a:cs typeface="黑体" panose="02010609060101010101" pitchFamily="49" charset="-122"/>
                         </a:rPr>
-                        <a:t>评论属性</a:t>
+                        <a:t>聚类结果</a:t>
                       </a:r>
-                      <a:endParaRPr lang="zh-CN" sz="2400" b="1" kern="100">
+                      <a:endParaRPr lang="zh-CN" sz="2400" b="1" kern="100" dirty="0">
                         <a:solidFill>
                           <a:schemeClr val="tx1">
                             <a:lumMod val="65000"/>
@@ -18592,11 +18440,10 @@
                   </a:tcPr>
                 </a:tc>
               </a:tr>
-              <a:tr h="429579">
+              <a:tr h="660400">
                 <a:tc>
                   <a:txBody>
                     <a:bodyPr/>
-                    <a:lstStyle/>
                     <a:p>
                       <a:pPr algn="ctr"/>
                       <a:r>
@@ -18639,11 +18486,10 @@
                 <a:tc>
                   <a:txBody>
                     <a:bodyPr/>
-                    <a:lstStyle/>
                     <a:p>
                       <a:pPr algn="ctr"/>
                       <a:r>
-                        <a:rPr lang="zh-CN" sz="2400" b="1" kern="100">
+                        <a:rPr lang="zh-CN" sz="2400" b="1" kern="100" dirty="0">
                           <a:solidFill>
                             <a:schemeClr val="tx1">
                               <a:lumMod val="65000"/>
@@ -18655,9 +18501,9 @@
                           <a:ea typeface="微软雅黑" panose="020B0503020204020204" pitchFamily="34" charset="-122"/>
                           <a:cs typeface="黑体" panose="02010609060101010101" pitchFamily="49" charset="-122"/>
                         </a:rPr>
-                        <a:t>评论原始文本及抽取得到的实体属性</a:t>
+                        <a:t>对情感分析结果进行聚类后的输出</a:t>
                       </a:r>
-                      <a:endParaRPr lang="zh-CN" sz="2400" b="1" kern="100">
+                      <a:endParaRPr lang="zh-CN" sz="2400" b="1" kern="100" dirty="0">
                         <a:solidFill>
                           <a:schemeClr val="tx1">
                             <a:lumMod val="65000"/>
@@ -18680,11 +18526,10 @@
                   </a:tcPr>
                 </a:tc>
               </a:tr>
-              <a:tr h="429579">
+              <a:tr h="731520">
                 <a:tc>
                   <a:txBody>
                     <a:bodyPr/>
-                    <a:lstStyle/>
                     <a:p>
                       <a:pPr algn="ctr"/>
                       <a:r>
@@ -18727,7 +18572,1017 @@
                 <a:tc>
                   <a:txBody>
                     <a:bodyPr/>
-                    <a:lstStyle/>
+                    <a:p>
+                      <a:pPr algn="ctr"/>
+                      <a:r>
+                        <a:rPr lang="zh-CN" sz="2400" b="1" kern="100" dirty="0">
+                          <a:solidFill>
+                            <a:schemeClr val="tx1">
+                              <a:lumMod val="65000"/>
+                              <a:lumOff val="35000"/>
+                            </a:schemeClr>
+                          </a:solidFill>
+                          <a:effectLst/>
+                          <a:latin typeface="微软雅黑" panose="020B0503020204020204" pitchFamily="34" charset="-122"/>
+                          <a:ea typeface="微软雅黑" panose="020B0503020204020204" pitchFamily="34" charset="-122"/>
+                          <a:cs typeface="黑体" panose="02010609060101010101" pitchFamily="49" charset="-122"/>
+                        </a:rPr>
+                        <a:t>商品</a:t>
+                      </a:r>
+                      <a:r>
+                        <a:rPr lang="en-US" sz="2400" b="1" kern="100" dirty="0">
+                          <a:solidFill>
+                            <a:schemeClr val="tx1">
+                              <a:lumMod val="65000"/>
+                              <a:lumOff val="35000"/>
+                            </a:schemeClr>
+                          </a:solidFill>
+                          <a:effectLst/>
+                          <a:latin typeface="微软雅黑" panose="020B0503020204020204" pitchFamily="34" charset="-122"/>
+                          <a:ea typeface="微软雅黑" panose="020B0503020204020204" pitchFamily="34" charset="-122"/>
+                          <a:cs typeface="黑体" panose="02010609060101010101" pitchFamily="49" charset="-122"/>
+                        </a:rPr>
+                        <a:t>ID</a:t>
+                      </a:r>
+                      <a:r>
+                        <a:rPr lang="zh-CN" sz="2400" b="1" kern="100" dirty="0">
+                          <a:solidFill>
+                            <a:schemeClr val="tx1">
+                              <a:lumMod val="65000"/>
+                              <a:lumOff val="35000"/>
+                            </a:schemeClr>
+                          </a:solidFill>
+                          <a:effectLst/>
+                          <a:latin typeface="微软雅黑" panose="020B0503020204020204" pitchFamily="34" charset="-122"/>
+                          <a:ea typeface="微软雅黑" panose="020B0503020204020204" pitchFamily="34" charset="-122"/>
+                          <a:cs typeface="黑体" panose="02010609060101010101" pitchFamily="49" charset="-122"/>
+                        </a:rPr>
+                        <a:t>集、每个商品各属性、每个属性总体情感</a:t>
+                      </a:r>
+                      <a:endParaRPr lang="zh-CN" sz="2400" b="1" kern="100" dirty="0">
+                        <a:solidFill>
+                          <a:schemeClr val="tx1">
+                            <a:lumMod val="65000"/>
+                            <a:lumOff val="35000"/>
+                          </a:schemeClr>
+                        </a:solidFill>
+                        <a:effectLst/>
+                        <a:latin typeface="微软雅黑" panose="020B0503020204020204" pitchFamily="34" charset="-122"/>
+                        <a:ea typeface="微软雅黑" panose="020B0503020204020204" pitchFamily="34" charset="-122"/>
+                        <a:cs typeface="Times New Roman" panose="02020603050405020304" pitchFamily="18" charset="0"/>
+                      </a:endParaRPr>
+                    </a:p>
+                  </a:txBody>
+                  <a:tcPr marL="68580" marR="68580" marT="0" marB="0" anchor="ctr">
+                    <a:solidFill>
+                      <a:schemeClr val="bg2">
+                        <a:lumMod val="90000"/>
+                      </a:schemeClr>
+                    </a:solidFill>
+                  </a:tcPr>
+                </a:tc>
+              </a:tr>
+              <a:tr h="365760">
+                <a:tc>
+                  <a:txBody>
+                    <a:bodyPr/>
+                    <a:p>
+                      <a:pPr algn="ctr"/>
+                      <a:r>
+                        <a:rPr lang="zh-CN" sz="2400" b="1" kern="100">
+                          <a:solidFill>
+                            <a:schemeClr val="tx1">
+                              <a:lumMod val="65000"/>
+                              <a:lumOff val="35000"/>
+                            </a:schemeClr>
+                          </a:solidFill>
+                          <a:effectLst/>
+                          <a:latin typeface="微软雅黑" panose="020B0503020204020204" pitchFamily="34" charset="-122"/>
+                          <a:ea typeface="微软雅黑" panose="020B0503020204020204" pitchFamily="34" charset="-122"/>
+                          <a:cs typeface="黑体" panose="02010609060101010101" pitchFamily="49" charset="-122"/>
+                        </a:rPr>
+                        <a:t>类型</a:t>
+                      </a:r>
+                      <a:endParaRPr lang="zh-CN" sz="2400" b="1" kern="100">
+                        <a:solidFill>
+                          <a:schemeClr val="tx1">
+                            <a:lumMod val="65000"/>
+                            <a:lumOff val="35000"/>
+                          </a:schemeClr>
+                        </a:solidFill>
+                        <a:effectLst/>
+                        <a:latin typeface="微软雅黑" panose="020B0503020204020204" pitchFamily="34" charset="-122"/>
+                        <a:ea typeface="微软雅黑" panose="020B0503020204020204" pitchFamily="34" charset="-122"/>
+                        <a:cs typeface="Times New Roman" panose="02020603050405020304" pitchFamily="18" charset="0"/>
+                      </a:endParaRPr>
+                    </a:p>
+                  </a:txBody>
+                  <a:tcPr marL="68580" marR="68580" marT="0" marB="0" anchor="ctr">
+                    <a:solidFill>
+                      <a:schemeClr val="bg2">
+                        <a:lumMod val="90000"/>
+                      </a:schemeClr>
+                    </a:solidFill>
+                  </a:tcPr>
+                </a:tc>
+                <a:tc>
+                  <a:txBody>
+                    <a:bodyPr/>
+                    <a:p>
+                      <a:pPr algn="ctr"/>
+                      <a:r>
+                        <a:rPr lang="en-US" sz="2400" b="1" kern="100">
+                          <a:solidFill>
+                            <a:schemeClr val="tx1">
+                              <a:lumMod val="65000"/>
+                              <a:lumOff val="35000"/>
+                            </a:schemeClr>
+                          </a:solidFill>
+                          <a:effectLst/>
+                          <a:latin typeface="微软雅黑" panose="020B0503020204020204" pitchFamily="34" charset="-122"/>
+                          <a:ea typeface="微软雅黑" panose="020B0503020204020204" pitchFamily="34" charset="-122"/>
+                          <a:cs typeface="黑体" panose="02010609060101010101" pitchFamily="49" charset="-122"/>
+                        </a:rPr>
+                        <a:t>[(int</a:t>
+                      </a:r>
+                      <a:r>
+                        <a:rPr lang="zh-CN" sz="2400" b="1" kern="100">
+                          <a:solidFill>
+                            <a:schemeClr val="tx1">
+                              <a:lumMod val="65000"/>
+                              <a:lumOff val="35000"/>
+                            </a:schemeClr>
+                          </a:solidFill>
+                          <a:effectLst/>
+                          <a:latin typeface="微软雅黑" panose="020B0503020204020204" pitchFamily="34" charset="-122"/>
+                          <a:ea typeface="微软雅黑" panose="020B0503020204020204" pitchFamily="34" charset="-122"/>
+                          <a:cs typeface="黑体" panose="02010609060101010101" pitchFamily="49" charset="-122"/>
+                        </a:rPr>
+                        <a:t>，</a:t>
+                      </a:r>
+                      <a:r>
+                        <a:rPr lang="en-US" sz="2400" b="1" kern="100">
+                          <a:solidFill>
+                            <a:schemeClr val="tx1">
+                              <a:lumMod val="65000"/>
+                              <a:lumOff val="35000"/>
+                            </a:schemeClr>
+                          </a:solidFill>
+                          <a:effectLst/>
+                          <a:latin typeface="微软雅黑" panose="020B0503020204020204" pitchFamily="34" charset="-122"/>
+                          <a:ea typeface="微软雅黑" panose="020B0503020204020204" pitchFamily="34" charset="-122"/>
+                          <a:cs typeface="黑体" panose="02010609060101010101" pitchFamily="49" charset="-122"/>
+                        </a:rPr>
+                        <a:t>[(varchar</a:t>
+                      </a:r>
+                      <a:r>
+                        <a:rPr lang="zh-CN" sz="2400" b="1" kern="100">
+                          <a:solidFill>
+                            <a:schemeClr val="tx1">
+                              <a:lumMod val="65000"/>
+                              <a:lumOff val="35000"/>
+                            </a:schemeClr>
+                          </a:solidFill>
+                          <a:effectLst/>
+                          <a:latin typeface="微软雅黑" panose="020B0503020204020204" pitchFamily="34" charset="-122"/>
+                          <a:ea typeface="微软雅黑" panose="020B0503020204020204" pitchFamily="34" charset="-122"/>
+                          <a:cs typeface="黑体" panose="02010609060101010101" pitchFamily="49" charset="-122"/>
+                        </a:rPr>
+                        <a:t>，</a:t>
+                      </a:r>
+                      <a:r>
+                        <a:rPr lang="en-US" sz="2400" b="1" kern="100">
+                          <a:solidFill>
+                            <a:schemeClr val="tx1">
+                              <a:lumMod val="65000"/>
+                              <a:lumOff val="35000"/>
+                            </a:schemeClr>
+                          </a:solidFill>
+                          <a:effectLst/>
+                          <a:latin typeface="微软雅黑" panose="020B0503020204020204" pitchFamily="34" charset="-122"/>
+                          <a:ea typeface="微软雅黑" panose="020B0503020204020204" pitchFamily="34" charset="-122"/>
+                          <a:cs typeface="黑体" panose="02010609060101010101" pitchFamily="49" charset="-122"/>
+                        </a:rPr>
+                        <a:t>double)])]</a:t>
+                      </a:r>
+                      <a:endParaRPr lang="zh-CN" sz="2400" b="1" kern="100">
+                        <a:solidFill>
+                          <a:schemeClr val="tx1">
+                            <a:lumMod val="65000"/>
+                            <a:lumOff val="35000"/>
+                          </a:schemeClr>
+                        </a:solidFill>
+                        <a:effectLst/>
+                        <a:latin typeface="微软雅黑" panose="020B0503020204020204" pitchFamily="34" charset="-122"/>
+                        <a:ea typeface="微软雅黑" panose="020B0503020204020204" pitchFamily="34" charset="-122"/>
+                        <a:cs typeface="Times New Roman" panose="02020603050405020304" pitchFamily="18" charset="0"/>
+                      </a:endParaRPr>
+                    </a:p>
+                  </a:txBody>
+                  <a:tcPr marL="68580" marR="68580" marT="0" marB="0" anchor="ctr">
+                    <a:solidFill>
+                      <a:schemeClr val="bg2">
+                        <a:lumMod val="90000"/>
+                      </a:schemeClr>
+                    </a:solidFill>
+                  </a:tcPr>
+                </a:tc>
+              </a:tr>
+              <a:tr h="365760">
+                <a:tc>
+                  <a:txBody>
+                    <a:bodyPr/>
+                    <a:p>
+                      <a:pPr algn="ctr"/>
+                      <a:r>
+                        <a:rPr lang="zh-CN" sz="2400" b="1" kern="100">
+                          <a:solidFill>
+                            <a:schemeClr val="tx1">
+                              <a:lumMod val="65000"/>
+                              <a:lumOff val="35000"/>
+                            </a:schemeClr>
+                          </a:solidFill>
+                          <a:effectLst/>
+                          <a:latin typeface="微软雅黑" panose="020B0503020204020204" pitchFamily="34" charset="-122"/>
+                          <a:ea typeface="微软雅黑" panose="020B0503020204020204" pitchFamily="34" charset="-122"/>
+                          <a:cs typeface="黑体" panose="02010609060101010101" pitchFamily="49" charset="-122"/>
+                        </a:rPr>
+                        <a:t>来源</a:t>
+                      </a:r>
+                      <a:endParaRPr lang="zh-CN" sz="2400" b="1" kern="100">
+                        <a:solidFill>
+                          <a:schemeClr val="tx1">
+                            <a:lumMod val="65000"/>
+                            <a:lumOff val="35000"/>
+                          </a:schemeClr>
+                        </a:solidFill>
+                        <a:effectLst/>
+                        <a:latin typeface="微软雅黑" panose="020B0503020204020204" pitchFamily="34" charset="-122"/>
+                        <a:ea typeface="微软雅黑" panose="020B0503020204020204" pitchFamily="34" charset="-122"/>
+                        <a:cs typeface="Times New Roman" panose="02020603050405020304" pitchFamily="18" charset="0"/>
+                      </a:endParaRPr>
+                    </a:p>
+                  </a:txBody>
+                  <a:tcPr marL="68580" marR="68580" marT="0" marB="0" anchor="ctr">
+                    <a:solidFill>
+                      <a:schemeClr val="bg2">
+                        <a:lumMod val="90000"/>
+                      </a:schemeClr>
+                    </a:solidFill>
+                  </a:tcPr>
+                </a:tc>
+                <a:tc>
+                  <a:txBody>
+                    <a:bodyPr/>
+                    <a:p>
+                      <a:pPr algn="ctr"/>
+                      <a:r>
+                        <a:rPr lang="en-US" sz="2400" b="1" kern="100">
+                          <a:solidFill>
+                            <a:schemeClr val="tx1">
+                              <a:lumMod val="65000"/>
+                              <a:lumOff val="35000"/>
+                            </a:schemeClr>
+                          </a:solidFill>
+                          <a:effectLst/>
+                          <a:latin typeface="微软雅黑" panose="020B0503020204020204" pitchFamily="34" charset="-122"/>
+                          <a:ea typeface="微软雅黑" panose="020B0503020204020204" pitchFamily="34" charset="-122"/>
+                          <a:cs typeface="黑体" panose="02010609060101010101" pitchFamily="49" charset="-122"/>
+                        </a:rPr>
+                        <a:t>4.2</a:t>
+                      </a:r>
+                      <a:r>
+                        <a:rPr lang="zh-CN" sz="2400" b="1" kern="100">
+                          <a:solidFill>
+                            <a:schemeClr val="tx1">
+                              <a:lumMod val="65000"/>
+                              <a:lumOff val="35000"/>
+                            </a:schemeClr>
+                          </a:solidFill>
+                          <a:effectLst/>
+                          <a:latin typeface="微软雅黑" panose="020B0503020204020204" pitchFamily="34" charset="-122"/>
+                          <a:ea typeface="微软雅黑" panose="020B0503020204020204" pitchFamily="34" charset="-122"/>
+                          <a:cs typeface="黑体" panose="02010609060101010101" pitchFamily="49" charset="-122"/>
+                        </a:rPr>
+                        <a:t>属性级情感分类</a:t>
+                      </a:r>
+                      <a:endParaRPr lang="zh-CN" sz="2400" b="1" kern="100">
+                        <a:solidFill>
+                          <a:schemeClr val="tx1">
+                            <a:lumMod val="65000"/>
+                            <a:lumOff val="35000"/>
+                          </a:schemeClr>
+                        </a:solidFill>
+                        <a:effectLst/>
+                        <a:latin typeface="微软雅黑" panose="020B0503020204020204" pitchFamily="34" charset="-122"/>
+                        <a:ea typeface="微软雅黑" panose="020B0503020204020204" pitchFamily="34" charset="-122"/>
+                        <a:cs typeface="Times New Roman" panose="02020603050405020304" pitchFamily="18" charset="0"/>
+                      </a:endParaRPr>
+                    </a:p>
+                  </a:txBody>
+                  <a:tcPr marL="68580" marR="68580" marT="0" marB="0" anchor="ctr">
+                    <a:solidFill>
+                      <a:schemeClr val="bg2">
+                        <a:lumMod val="90000"/>
+                      </a:schemeClr>
+                    </a:solidFill>
+                  </a:tcPr>
+                </a:tc>
+              </a:tr>
+              <a:tr h="386080">
+                <a:tc>
+                  <a:txBody>
+                    <a:bodyPr/>
+                    <a:p>
+                      <a:pPr algn="ctr"/>
+                      <a:r>
+                        <a:rPr lang="zh-CN" sz="2400" b="1" kern="100">
+                          <a:solidFill>
+                            <a:schemeClr val="tx1">
+                              <a:lumMod val="65000"/>
+                              <a:lumOff val="35000"/>
+                            </a:schemeClr>
+                          </a:solidFill>
+                          <a:effectLst/>
+                          <a:latin typeface="微软雅黑" panose="020B0503020204020204" pitchFamily="34" charset="-122"/>
+                          <a:ea typeface="微软雅黑" panose="020B0503020204020204" pitchFamily="34" charset="-122"/>
+                          <a:cs typeface="黑体" panose="02010609060101010101" pitchFamily="49" charset="-122"/>
+                        </a:rPr>
+                        <a:t>去处</a:t>
+                      </a:r>
+                      <a:endParaRPr lang="zh-CN" sz="2400" b="1" kern="100">
+                        <a:solidFill>
+                          <a:schemeClr val="tx1">
+                            <a:lumMod val="65000"/>
+                            <a:lumOff val="35000"/>
+                          </a:schemeClr>
+                        </a:solidFill>
+                        <a:effectLst/>
+                        <a:latin typeface="微软雅黑" panose="020B0503020204020204" pitchFamily="34" charset="-122"/>
+                        <a:ea typeface="微软雅黑" panose="020B0503020204020204" pitchFamily="34" charset="-122"/>
+                        <a:cs typeface="Times New Roman" panose="02020603050405020304" pitchFamily="18" charset="0"/>
+                      </a:endParaRPr>
+                    </a:p>
+                  </a:txBody>
+                  <a:tcPr marL="68580" marR="68580" marT="0" marB="0" anchor="ctr">
+                    <a:solidFill>
+                      <a:schemeClr val="bg2">
+                        <a:lumMod val="90000"/>
+                      </a:schemeClr>
+                    </a:solidFill>
+                  </a:tcPr>
+                </a:tc>
+                <a:tc>
+                  <a:txBody>
+                    <a:bodyPr/>
+                    <a:p>
+                      <a:pPr algn="ctr"/>
+                      <a:r>
+                        <a:rPr lang="en-US" sz="2400" b="1" kern="100" dirty="0">
+                          <a:solidFill>
+                            <a:schemeClr val="tx1">
+                              <a:lumMod val="65000"/>
+                              <a:lumOff val="35000"/>
+                            </a:schemeClr>
+                          </a:solidFill>
+                          <a:effectLst/>
+                          <a:latin typeface="微软雅黑" panose="020B0503020204020204" pitchFamily="34" charset="-122"/>
+                          <a:ea typeface="微软雅黑" panose="020B0503020204020204" pitchFamily="34" charset="-122"/>
+                          <a:cs typeface="黑体" panose="02010609060101010101" pitchFamily="49" charset="-122"/>
+                        </a:rPr>
+                        <a:t>D3</a:t>
+                      </a:r>
+                      <a:r>
+                        <a:rPr lang="zh-CN" sz="2400" b="1" kern="100" dirty="0">
+                          <a:solidFill>
+                            <a:schemeClr val="tx1">
+                              <a:lumMod val="65000"/>
+                              <a:lumOff val="35000"/>
+                            </a:schemeClr>
+                          </a:solidFill>
+                          <a:effectLst/>
+                          <a:latin typeface="微软雅黑" panose="020B0503020204020204" pitchFamily="34" charset="-122"/>
+                          <a:ea typeface="微软雅黑" panose="020B0503020204020204" pitchFamily="34" charset="-122"/>
+                          <a:cs typeface="黑体" panose="02010609060101010101" pitchFamily="49" charset="-122"/>
+                        </a:rPr>
+                        <a:t>结论数据库</a:t>
+                      </a:r>
+                      <a:endParaRPr lang="zh-CN" sz="2400" b="1" kern="100" dirty="0">
+                        <a:solidFill>
+                          <a:schemeClr val="tx1">
+                            <a:lumMod val="65000"/>
+                            <a:lumOff val="35000"/>
+                          </a:schemeClr>
+                        </a:solidFill>
+                        <a:effectLst/>
+                        <a:latin typeface="微软雅黑" panose="020B0503020204020204" pitchFamily="34" charset="-122"/>
+                        <a:ea typeface="微软雅黑" panose="020B0503020204020204" pitchFamily="34" charset="-122"/>
+                        <a:cs typeface="Times New Roman" panose="02020603050405020304" pitchFamily="18" charset="0"/>
+                      </a:endParaRPr>
+                    </a:p>
+                  </a:txBody>
+                  <a:tcPr marL="68580" marR="68580" marT="0" marB="0" anchor="ctr">
+                    <a:solidFill>
+                      <a:schemeClr val="bg2">
+                        <a:lumMod val="90000"/>
+                      </a:schemeClr>
+                    </a:solidFill>
+                  </a:tcPr>
+                </a:tc>
+              </a:tr>
+            </a:tbl>
+          </a:graphicData>
+        </a:graphic>
+      </p:graphicFrame>
+    </p:spTree>
+  </p:cSld>
+  <p:clrMapOvr>
+    <a:masterClrMapping/>
+  </p:clrMapOvr>
+</p:sld>
+</file>
+
+<file path=ppt/slides/slide22.xml><?xml version="1.0" encoding="utf-8"?>
+<p:sld xmlns:a="http://schemas.openxmlformats.org/drawingml/2006/main" xmlns:r="http://schemas.openxmlformats.org/officeDocument/2006/relationships" xmlns:p="http://schemas.openxmlformats.org/presentationml/2006/main">
+  <p:cSld>
+    <p:bg>
+      <p:bgPr>
+        <a:solidFill>
+          <a:schemeClr val="bg1">
+            <a:lumMod val="95000"/>
+          </a:schemeClr>
+        </a:solidFill>
+        <a:effectLst/>
+      </p:bgPr>
+    </p:bg>
+    <p:spTree>
+      <p:nvGrpSpPr>
+        <p:cNvPr id="1" name=""/>
+        <p:cNvGrpSpPr/>
+        <p:nvPr/>
+      </p:nvGrpSpPr>
+      <p:grpSpPr>
+        <a:xfrm>
+          <a:off x="0" y="0"/>
+          <a:ext cx="0" cy="0"/>
+          <a:chOff x="0" y="0"/>
+          <a:chExt cx="0" cy="0"/>
+        </a:xfrm>
+      </p:grpSpPr>
+      <p:pic>
+        <p:nvPicPr>
+          <p:cNvPr id="14" name="Object 13" descr="preencoded.png"/>
+          <p:cNvPicPr>
+            <a:picLocks noChangeAspect="1"/>
+          </p:cNvPicPr>
+          <p:nvPr/>
+        </p:nvPicPr>
+        <p:blipFill>
+          <a:blip r:embed="rId1"/>
+          <a:stretch>
+            <a:fillRect/>
+          </a:stretch>
+        </p:blipFill>
+        <p:spPr>
+          <a:xfrm>
+            <a:off x="560070" y="-196850"/>
+            <a:ext cx="7072630" cy="1600835"/>
+          </a:xfrm>
+          <a:prstGeom prst="rect">
+            <a:avLst/>
+          </a:prstGeom>
+        </p:spPr>
+      </p:pic>
+      <p:pic>
+        <p:nvPicPr>
+          <p:cNvPr id="3" name="Object 2" descr="preencoded.png"/>
+          <p:cNvPicPr>
+            <a:picLocks noChangeAspect="1"/>
+          </p:cNvPicPr>
+          <p:nvPr/>
+        </p:nvPicPr>
+        <p:blipFill>
+          <a:blip r:embed="rId2"/>
+          <a:stretch>
+            <a:fillRect/>
+          </a:stretch>
+        </p:blipFill>
+        <p:spPr>
+          <a:xfrm>
+            <a:off x="-559898" y="398656"/>
+            <a:ext cx="1119795" cy="1119795"/>
+          </a:xfrm>
+          <a:prstGeom prst="rect">
+            <a:avLst/>
+          </a:prstGeom>
+        </p:spPr>
+      </p:pic>
+      <p:pic>
+        <p:nvPicPr>
+          <p:cNvPr id="4" name="Object 3" descr="preencoded.png"/>
+          <p:cNvPicPr>
+            <a:picLocks noChangeAspect="1"/>
+          </p:cNvPicPr>
+          <p:nvPr/>
+        </p:nvPicPr>
+        <p:blipFill>
+          <a:blip r:embed="rId3"/>
+          <a:stretch>
+            <a:fillRect/>
+          </a:stretch>
+        </p:blipFill>
+        <p:spPr>
+          <a:xfrm>
+            <a:off x="-490022" y="468532"/>
+            <a:ext cx="980044" cy="980044"/>
+          </a:xfrm>
+          <a:prstGeom prst="rect">
+            <a:avLst/>
+          </a:prstGeom>
+        </p:spPr>
+      </p:pic>
+      <p:pic>
+        <p:nvPicPr>
+          <p:cNvPr id="5" name="Object 4" descr="preencoded.png"/>
+          <p:cNvPicPr>
+            <a:picLocks noChangeAspect="1"/>
+          </p:cNvPicPr>
+          <p:nvPr/>
+        </p:nvPicPr>
+        <p:blipFill>
+          <a:blip r:embed="rId4"/>
+          <a:stretch>
+            <a:fillRect/>
+          </a:stretch>
+        </p:blipFill>
+        <p:spPr>
+          <a:xfrm>
+            <a:off x="-404919" y="-121139"/>
+            <a:ext cx="854505" cy="854505"/>
+          </a:xfrm>
+          <a:prstGeom prst="rect">
+            <a:avLst/>
+          </a:prstGeom>
+        </p:spPr>
+      </p:pic>
+      <p:sp>
+        <p:nvSpPr>
+          <p:cNvPr id="6" name="Object5"/>
+          <p:cNvSpPr/>
+          <p:nvPr/>
+        </p:nvSpPr>
+        <p:spPr>
+          <a:xfrm>
+            <a:off x="714375" y="-241300"/>
+            <a:ext cx="6958330" cy="1689735"/>
+          </a:xfrm>
+          <a:prstGeom prst="rect">
+            <a:avLst/>
+          </a:prstGeom>
+          <a:noFill/>
+        </p:spPr>
+        <p:txBody>
+          <a:bodyPr wrap="square" rtlCol="0" anchor="ctr"/>
+          <a:lstStyle/>
+          <a:p>
+            <a:r>
+              <a:rPr lang="zh-CN" altLang="en-US" sz="4800" b="1" dirty="0">
+                <a:solidFill>
+                  <a:schemeClr val="bg1"/>
+                </a:solidFill>
+                <a:latin typeface="微软雅黑" panose="020B0503020204020204" pitchFamily="34" charset="-122"/>
+                <a:ea typeface="微软雅黑" panose="020B0503020204020204" pitchFamily="34" charset="-122"/>
+                <a:cs typeface="微软雅黑" panose="020B0503020204020204" pitchFamily="34" charset="-122"/>
+              </a:rPr>
+              <a:t>数据字典</a:t>
+            </a:r>
+            <a:r>
+              <a:rPr lang="en-US" altLang="zh-CN" sz="4800" b="1" dirty="0">
+                <a:solidFill>
+                  <a:schemeClr val="bg1"/>
+                </a:solidFill>
+                <a:latin typeface="微软雅黑" panose="020B0503020204020204" pitchFamily="34" charset="-122"/>
+                <a:ea typeface="微软雅黑" panose="020B0503020204020204" pitchFamily="34" charset="-122"/>
+                <a:cs typeface="微软雅黑" panose="020B0503020204020204" pitchFamily="34" charset="-122"/>
+              </a:rPr>
+              <a:t>—</a:t>
+            </a:r>
+            <a:r>
+              <a:rPr lang="zh-CN" altLang="en-US" sz="4800" b="1" dirty="0">
+                <a:solidFill>
+                  <a:schemeClr val="bg1"/>
+                </a:solidFill>
+                <a:latin typeface="微软雅黑" panose="020B0503020204020204" pitchFamily="34" charset="-122"/>
+                <a:ea typeface="微软雅黑" panose="020B0503020204020204" pitchFamily="34" charset="-122"/>
+                <a:cs typeface="微软雅黑" panose="020B0503020204020204" pitchFamily="34" charset="-122"/>
+              </a:rPr>
+              <a:t>数据流条目</a:t>
+            </a:r>
+            <a:endParaRPr lang="zh-CN" altLang="en-US" sz="4800" b="1" dirty="0">
+              <a:solidFill>
+                <a:schemeClr val="bg1"/>
+              </a:solidFill>
+              <a:latin typeface="微软雅黑" panose="020B0503020204020204" pitchFamily="34" charset="-122"/>
+              <a:ea typeface="微软雅黑" panose="020B0503020204020204" pitchFamily="34" charset="-122"/>
+              <a:cs typeface="微软雅黑" panose="020B0503020204020204" pitchFamily="34" charset="-122"/>
+            </a:endParaRPr>
+          </a:p>
+        </p:txBody>
+      </p:sp>
+      <p:pic>
+        <p:nvPicPr>
+          <p:cNvPr id="8" name="Object 7" descr="preencoded.png"/>
+          <p:cNvPicPr>
+            <a:picLocks noChangeAspect="1"/>
+          </p:cNvPicPr>
+          <p:nvPr/>
+        </p:nvPicPr>
+        <p:blipFill>
+          <a:blip r:embed="rId5"/>
+          <a:stretch>
+            <a:fillRect/>
+          </a:stretch>
+        </p:blipFill>
+        <p:spPr>
+          <a:xfrm>
+            <a:off x="16190929" y="9315622"/>
+            <a:ext cx="1119795" cy="1119795"/>
+          </a:xfrm>
+          <a:prstGeom prst="rect">
+            <a:avLst/>
+          </a:prstGeom>
+        </p:spPr>
+      </p:pic>
+      <p:pic>
+        <p:nvPicPr>
+          <p:cNvPr id="9" name="Object 8" descr="preencoded.png"/>
+          <p:cNvPicPr>
+            <a:picLocks noChangeAspect="1"/>
+          </p:cNvPicPr>
+          <p:nvPr/>
+        </p:nvPicPr>
+        <p:blipFill>
+          <a:blip r:embed="rId3"/>
+          <a:stretch>
+            <a:fillRect/>
+          </a:stretch>
+        </p:blipFill>
+        <p:spPr>
+          <a:xfrm>
+            <a:off x="16260805" y="9385498"/>
+            <a:ext cx="980044" cy="980044"/>
+          </a:xfrm>
+          <a:prstGeom prst="rect">
+            <a:avLst/>
+          </a:prstGeom>
+        </p:spPr>
+      </p:pic>
+      <p:pic>
+        <p:nvPicPr>
+          <p:cNvPr id="10" name="Object 9" descr="preencoded.png"/>
+          <p:cNvPicPr>
+            <a:picLocks noChangeAspect="1"/>
+          </p:cNvPicPr>
+          <p:nvPr/>
+        </p:nvPicPr>
+        <p:blipFill>
+          <a:blip r:embed="rId4"/>
+          <a:stretch>
+            <a:fillRect/>
+          </a:stretch>
+        </p:blipFill>
+        <p:spPr>
+          <a:xfrm>
+            <a:off x="16323574" y="9448267"/>
+            <a:ext cx="854505" cy="854505"/>
+          </a:xfrm>
+          <a:prstGeom prst="rect">
+            <a:avLst/>
+          </a:prstGeom>
+        </p:spPr>
+      </p:pic>
+      <p:pic>
+        <p:nvPicPr>
+          <p:cNvPr id="19" name="Object 11" descr="preencoded.png"/>
+          <p:cNvPicPr>
+            <a:picLocks noChangeAspect="1"/>
+          </p:cNvPicPr>
+          <p:nvPr/>
+        </p:nvPicPr>
+        <p:blipFill>
+          <a:blip r:embed="rId6"/>
+          <a:stretch>
+            <a:fillRect/>
+          </a:stretch>
+        </p:blipFill>
+        <p:spPr>
+          <a:xfrm>
+            <a:off x="15330044" y="229367"/>
+            <a:ext cx="2226119" cy="1562735"/>
+          </a:xfrm>
+          <a:prstGeom prst="rect">
+            <a:avLst/>
+          </a:prstGeom>
+        </p:spPr>
+      </p:pic>
+      <p:sp>
+        <p:nvSpPr>
+          <p:cNvPr id="26" name="文本框 25"/>
+          <p:cNvSpPr txBox="1"/>
+          <p:nvPr/>
+        </p:nvSpPr>
+        <p:spPr>
+          <a:xfrm>
+            <a:off x="2305060" y="1934286"/>
+            <a:ext cx="2399030" cy="521970"/>
+          </a:xfrm>
+          <a:prstGeom prst="rect">
+            <a:avLst/>
+          </a:prstGeom>
+          <a:noFill/>
+        </p:spPr>
+        <p:txBody>
+          <a:bodyPr wrap="none" rtlCol="0">
+            <a:spAutoFit/>
+          </a:bodyPr>
+          <a:lstStyle/>
+          <a:p>
+            <a:r>
+              <a:rPr lang="en-US" altLang="zh-CN" sz="2800" b="1" dirty="0">
+                <a:latin typeface="微软雅黑" panose="020B0503020204020204" pitchFamily="34" charset="-122"/>
+                <a:ea typeface="微软雅黑" panose="020B0503020204020204" pitchFamily="34" charset="-122"/>
+                <a:cs typeface="微软雅黑" panose="020B0503020204020204" pitchFamily="34" charset="-122"/>
+              </a:rPr>
+              <a:t>13</a:t>
+            </a:r>
+            <a:r>
+              <a:rPr lang="zh-CN" altLang="en-US" sz="2800" b="1" dirty="0">
+                <a:latin typeface="微软雅黑" panose="020B0503020204020204" pitchFamily="34" charset="-122"/>
+                <a:ea typeface="微软雅黑" panose="020B0503020204020204" pitchFamily="34" charset="-122"/>
+                <a:cs typeface="微软雅黑" panose="020B0503020204020204" pitchFamily="34" charset="-122"/>
+              </a:rPr>
+              <a:t>、评论</a:t>
+            </a:r>
+            <a:r>
+              <a:rPr lang="zh-CN" altLang="en-US" sz="2800" b="1" dirty="0">
+                <a:latin typeface="微软雅黑" panose="020B0503020204020204" pitchFamily="34" charset="-122"/>
+                <a:ea typeface="微软雅黑" panose="020B0503020204020204" pitchFamily="34" charset="-122"/>
+                <a:cs typeface="微软雅黑" panose="020B0503020204020204" pitchFamily="34" charset="-122"/>
+              </a:rPr>
+              <a:t>属性</a:t>
+            </a:r>
+            <a:endParaRPr lang="zh-CN" altLang="en-US" sz="2800" b="1" dirty="0">
+              <a:latin typeface="微软雅黑" panose="020B0503020204020204" pitchFamily="34" charset="-122"/>
+              <a:ea typeface="微软雅黑" panose="020B0503020204020204" pitchFamily="34" charset="-122"/>
+              <a:cs typeface="微软雅黑" panose="020B0503020204020204" pitchFamily="34" charset="-122"/>
+            </a:endParaRPr>
+          </a:p>
+        </p:txBody>
+      </p:sp>
+      <p:graphicFrame>
+        <p:nvGraphicFramePr>
+          <p:cNvPr id="11" name="表格 10"/>
+          <p:cNvGraphicFramePr>
+            <a:graphicFrameLocks noGrp="1"/>
+          </p:cNvGraphicFramePr>
+          <p:nvPr>
+            <p:custDataLst>
+              <p:tags r:id="rId7"/>
+            </p:custDataLst>
+          </p:nvPr>
+        </p:nvGraphicFramePr>
+        <p:xfrm>
+          <a:off x="2965450" y="2987675"/>
+          <a:ext cx="12194540" cy="4743450"/>
+        </p:xfrm>
+        <a:graphic>
+          <a:graphicData uri="http://schemas.openxmlformats.org/drawingml/2006/table">
+            <a:tbl>
+              <a:tblPr>
+                <a:tableStyleId>{5C22544A-7EE6-4342-B048-85BDC9FD1C3A}</a:tableStyleId>
+              </a:tblPr>
+              <a:tblGrid>
+                <a:gridCol w="4253865"/>
+                <a:gridCol w="7940675"/>
+              </a:tblGrid>
+              <a:tr h="790575">
+                <a:tc>
+                  <a:txBody>
+                    <a:bodyPr/>
+                    <a:p>
+                      <a:pPr algn="ctr"/>
+                      <a:r>
+                        <a:rPr lang="zh-CN" sz="2400" b="1" kern="100">
+                          <a:solidFill>
+                            <a:schemeClr val="tx1">
+                              <a:lumMod val="65000"/>
+                              <a:lumOff val="35000"/>
+                            </a:schemeClr>
+                          </a:solidFill>
+                          <a:effectLst/>
+                          <a:latin typeface="微软雅黑" panose="020B0503020204020204" pitchFamily="34" charset="-122"/>
+                          <a:ea typeface="微软雅黑" panose="020B0503020204020204" pitchFamily="34" charset="-122"/>
+                          <a:cs typeface="黑体" panose="02010609060101010101" pitchFamily="49" charset="-122"/>
+                        </a:rPr>
+                        <a:t>名称</a:t>
+                      </a:r>
+                      <a:endParaRPr lang="zh-CN" sz="2400" b="1" kern="100">
+                        <a:solidFill>
+                          <a:schemeClr val="tx1">
+                            <a:lumMod val="65000"/>
+                            <a:lumOff val="35000"/>
+                          </a:schemeClr>
+                        </a:solidFill>
+                        <a:effectLst/>
+                        <a:latin typeface="微软雅黑" panose="020B0503020204020204" pitchFamily="34" charset="-122"/>
+                        <a:ea typeface="微软雅黑" panose="020B0503020204020204" pitchFamily="34" charset="-122"/>
+                        <a:cs typeface="Times New Roman" panose="02020603050405020304" pitchFamily="18" charset="0"/>
+                      </a:endParaRPr>
+                    </a:p>
+                  </a:txBody>
+                  <a:tcPr marL="68580" marR="68580" marT="0" marB="0" anchor="ctr">
+                    <a:solidFill>
+                      <a:schemeClr val="bg2">
+                        <a:lumMod val="90000"/>
+                      </a:schemeClr>
+                    </a:solidFill>
+                  </a:tcPr>
+                </a:tc>
+                <a:tc>
+                  <a:txBody>
+                    <a:bodyPr/>
+                    <a:p>
+                      <a:pPr algn="ctr"/>
+                      <a:r>
+                        <a:rPr lang="zh-CN" sz="2400" b="1" kern="100">
+                          <a:solidFill>
+                            <a:schemeClr val="tx1">
+                              <a:lumMod val="65000"/>
+                              <a:lumOff val="35000"/>
+                            </a:schemeClr>
+                          </a:solidFill>
+                          <a:effectLst/>
+                          <a:latin typeface="微软雅黑" panose="020B0503020204020204" pitchFamily="34" charset="-122"/>
+                          <a:ea typeface="微软雅黑" panose="020B0503020204020204" pitchFamily="34" charset="-122"/>
+                          <a:cs typeface="黑体" panose="02010609060101010101" pitchFamily="49" charset="-122"/>
+                        </a:rPr>
+                        <a:t>评论属性</a:t>
+                      </a:r>
+                      <a:endParaRPr lang="zh-CN" sz="2400" b="1" kern="100">
+                        <a:solidFill>
+                          <a:schemeClr val="tx1">
+                            <a:lumMod val="65000"/>
+                            <a:lumOff val="35000"/>
+                          </a:schemeClr>
+                        </a:solidFill>
+                        <a:effectLst/>
+                        <a:latin typeface="微软雅黑" panose="020B0503020204020204" pitchFamily="34" charset="-122"/>
+                        <a:ea typeface="微软雅黑" panose="020B0503020204020204" pitchFamily="34" charset="-122"/>
+                        <a:cs typeface="Times New Roman" panose="02020603050405020304" pitchFamily="18" charset="0"/>
+                      </a:endParaRPr>
+                    </a:p>
+                  </a:txBody>
+                  <a:tcPr marL="68580" marR="68580" marT="0" marB="0" anchor="ctr">
+                    <a:solidFill>
+                      <a:schemeClr val="bg2">
+                        <a:lumMod val="90000"/>
+                      </a:schemeClr>
+                    </a:solidFill>
+                  </a:tcPr>
+                </a:tc>
+              </a:tr>
+              <a:tr h="790575">
+                <a:tc>
+                  <a:txBody>
+                    <a:bodyPr/>
+                    <a:p>
+                      <a:pPr algn="ctr"/>
+                      <a:r>
+                        <a:rPr lang="zh-CN" sz="2400" b="1" kern="100">
+                          <a:solidFill>
+                            <a:schemeClr val="tx1">
+                              <a:lumMod val="65000"/>
+                              <a:lumOff val="35000"/>
+                            </a:schemeClr>
+                          </a:solidFill>
+                          <a:effectLst/>
+                          <a:latin typeface="微软雅黑" panose="020B0503020204020204" pitchFamily="34" charset="-122"/>
+                          <a:ea typeface="微软雅黑" panose="020B0503020204020204" pitchFamily="34" charset="-122"/>
+                          <a:cs typeface="黑体" panose="02010609060101010101" pitchFamily="49" charset="-122"/>
+                        </a:rPr>
+                        <a:t>简述</a:t>
+                      </a:r>
+                      <a:endParaRPr lang="zh-CN" sz="2400" b="1" kern="100">
+                        <a:solidFill>
+                          <a:schemeClr val="tx1">
+                            <a:lumMod val="65000"/>
+                            <a:lumOff val="35000"/>
+                          </a:schemeClr>
+                        </a:solidFill>
+                        <a:effectLst/>
+                        <a:latin typeface="微软雅黑" panose="020B0503020204020204" pitchFamily="34" charset="-122"/>
+                        <a:ea typeface="微软雅黑" panose="020B0503020204020204" pitchFamily="34" charset="-122"/>
+                        <a:cs typeface="Times New Roman" panose="02020603050405020304" pitchFamily="18" charset="0"/>
+                      </a:endParaRPr>
+                    </a:p>
+                  </a:txBody>
+                  <a:tcPr marL="68580" marR="68580" marT="0" marB="0" anchor="ctr">
+                    <a:solidFill>
+                      <a:schemeClr val="bg2">
+                        <a:lumMod val="90000"/>
+                      </a:schemeClr>
+                    </a:solidFill>
+                  </a:tcPr>
+                </a:tc>
+                <a:tc>
+                  <a:txBody>
+                    <a:bodyPr/>
+                    <a:p>
+                      <a:pPr algn="ctr"/>
+                      <a:r>
+                        <a:rPr lang="zh-CN" sz="2400" b="1" kern="100">
+                          <a:solidFill>
+                            <a:schemeClr val="tx1">
+                              <a:lumMod val="65000"/>
+                              <a:lumOff val="35000"/>
+                            </a:schemeClr>
+                          </a:solidFill>
+                          <a:effectLst/>
+                          <a:latin typeface="微软雅黑" panose="020B0503020204020204" pitchFamily="34" charset="-122"/>
+                          <a:ea typeface="微软雅黑" panose="020B0503020204020204" pitchFamily="34" charset="-122"/>
+                          <a:cs typeface="黑体" panose="02010609060101010101" pitchFamily="49" charset="-122"/>
+                        </a:rPr>
+                        <a:t>评论原始文本及抽取得到的实体属性</a:t>
+                      </a:r>
+                      <a:endParaRPr lang="zh-CN" sz="2400" b="1" kern="100">
+                        <a:solidFill>
+                          <a:schemeClr val="tx1">
+                            <a:lumMod val="65000"/>
+                            <a:lumOff val="35000"/>
+                          </a:schemeClr>
+                        </a:solidFill>
+                        <a:effectLst/>
+                        <a:latin typeface="微软雅黑" panose="020B0503020204020204" pitchFamily="34" charset="-122"/>
+                        <a:ea typeface="微软雅黑" panose="020B0503020204020204" pitchFamily="34" charset="-122"/>
+                        <a:cs typeface="Times New Roman" panose="02020603050405020304" pitchFamily="18" charset="0"/>
+                      </a:endParaRPr>
+                    </a:p>
+                  </a:txBody>
+                  <a:tcPr marL="68580" marR="68580" marT="0" marB="0" anchor="ctr">
+                    <a:solidFill>
+                      <a:schemeClr val="bg2">
+                        <a:lumMod val="90000"/>
+                      </a:schemeClr>
+                    </a:solidFill>
+                  </a:tcPr>
+                </a:tc>
+              </a:tr>
+              <a:tr h="790575">
+                <a:tc>
+                  <a:txBody>
+                    <a:bodyPr/>
+                    <a:p>
+                      <a:pPr algn="ctr"/>
+                      <a:r>
+                        <a:rPr lang="zh-CN" sz="2400" b="1" kern="100">
+                          <a:solidFill>
+                            <a:schemeClr val="tx1">
+                              <a:lumMod val="65000"/>
+                              <a:lumOff val="35000"/>
+                            </a:schemeClr>
+                          </a:solidFill>
+                          <a:effectLst/>
+                          <a:latin typeface="微软雅黑" panose="020B0503020204020204" pitchFamily="34" charset="-122"/>
+                          <a:ea typeface="微软雅黑" panose="020B0503020204020204" pitchFamily="34" charset="-122"/>
+                          <a:cs typeface="黑体" panose="02010609060101010101" pitchFamily="49" charset="-122"/>
+                        </a:rPr>
+                        <a:t>组成</a:t>
+                      </a:r>
+                      <a:endParaRPr lang="zh-CN" sz="2400" b="1" kern="100">
+                        <a:solidFill>
+                          <a:schemeClr val="tx1">
+                            <a:lumMod val="65000"/>
+                            <a:lumOff val="35000"/>
+                          </a:schemeClr>
+                        </a:solidFill>
+                        <a:effectLst/>
+                        <a:latin typeface="微软雅黑" panose="020B0503020204020204" pitchFamily="34" charset="-122"/>
+                        <a:ea typeface="微软雅黑" panose="020B0503020204020204" pitchFamily="34" charset="-122"/>
+                        <a:cs typeface="Times New Roman" panose="02020603050405020304" pitchFamily="18" charset="0"/>
+                      </a:endParaRPr>
+                    </a:p>
+                  </a:txBody>
+                  <a:tcPr marL="68580" marR="68580" marT="0" marB="0" anchor="ctr">
+                    <a:solidFill>
+                      <a:schemeClr val="bg2">
+                        <a:lumMod val="90000"/>
+                      </a:schemeClr>
+                    </a:solidFill>
+                  </a:tcPr>
+                </a:tc>
+                <a:tc>
+                  <a:txBody>
+                    <a:bodyPr/>
                     <a:p>
                       <a:pPr algn="ctr"/>
                       <a:r>
@@ -18798,11 +19653,10 @@
                   </a:tcPr>
                 </a:tc>
               </a:tr>
-              <a:tr h="429579">
+              <a:tr h="790575">
                 <a:tc>
                   <a:txBody>
                     <a:bodyPr/>
-                    <a:lstStyle/>
                     <a:p>
                       <a:pPr algn="ctr"/>
                       <a:r>
@@ -18845,7 +19699,6 @@
                 <a:tc>
                   <a:txBody>
                     <a:bodyPr/>
-                    <a:lstStyle/>
                     <a:p>
                       <a:pPr algn="ctr"/>
                       <a:r>
@@ -18946,11 +19799,10 @@
                   </a:tcPr>
                 </a:tc>
               </a:tr>
-              <a:tr h="429579">
+              <a:tr h="790575">
                 <a:tc>
                   <a:txBody>
                     <a:bodyPr/>
-                    <a:lstStyle/>
                     <a:p>
                       <a:pPr algn="ctr"/>
                       <a:r>
@@ -18993,7 +19845,6 @@
                 <a:tc>
                   <a:txBody>
                     <a:bodyPr/>
-                    <a:lstStyle/>
                     <a:p>
                       <a:pPr algn="ctr"/>
                       <a:r>
@@ -19049,11 +19900,10 @@
                   </a:tcPr>
                 </a:tc>
               </a:tr>
-              <a:tr h="429579">
+              <a:tr h="790575">
                 <a:tc>
                   <a:txBody>
                     <a:bodyPr/>
-                    <a:lstStyle/>
                     <a:p>
                       <a:pPr algn="ctr"/>
                       <a:r>
@@ -19096,7 +19946,6 @@
                 <a:tc>
                   <a:txBody>
                     <a:bodyPr/>
-                    <a:lstStyle/>
                     <a:p>
                       <a:pPr algn="ctr"/>
                       <a:r>
@@ -19164,1313 +20013,7 @@
 </p:sld>
 </file>
 
-<file path=ppt/slides/slide22.xml><?xml version="1.0" encoding="utf-8"?>
-<p:sld xmlns:a="http://schemas.openxmlformats.org/drawingml/2006/main" xmlns:r="http://schemas.openxmlformats.org/officeDocument/2006/relationships" xmlns:p="http://schemas.openxmlformats.org/presentationml/2006/main">
-  <p:cSld>
-    <p:bg>
-      <p:bgPr>
-        <a:solidFill>
-          <a:schemeClr val="bg1">
-            <a:lumMod val="95000"/>
-          </a:schemeClr>
-        </a:solidFill>
-        <a:effectLst/>
-      </p:bgPr>
-    </p:bg>
-    <p:spTree>
-      <p:nvGrpSpPr>
-        <p:cNvPr id="1" name=""/>
-        <p:cNvGrpSpPr/>
-        <p:nvPr/>
-      </p:nvGrpSpPr>
-      <p:grpSpPr>
-        <a:xfrm>
-          <a:off x="0" y="0"/>
-          <a:ext cx="0" cy="0"/>
-          <a:chOff x="0" y="0"/>
-          <a:chExt cx="0" cy="0"/>
-        </a:xfrm>
-      </p:grpSpPr>
-      <p:pic>
-        <p:nvPicPr>
-          <p:cNvPr id="14" name="Object 13" descr="preencoded.png"/>
-          <p:cNvPicPr>
-            <a:picLocks noChangeAspect="1"/>
-          </p:cNvPicPr>
-          <p:nvPr/>
-        </p:nvPicPr>
-        <p:blipFill>
-          <a:blip r:embed="rId1"/>
-          <a:stretch>
-            <a:fillRect/>
-          </a:stretch>
-        </p:blipFill>
-        <p:spPr>
-          <a:xfrm>
-            <a:off x="560070" y="-196850"/>
-            <a:ext cx="7072630" cy="1600835"/>
-          </a:xfrm>
-          <a:prstGeom prst="rect">
-            <a:avLst/>
-          </a:prstGeom>
-        </p:spPr>
-      </p:pic>
-      <p:pic>
-        <p:nvPicPr>
-          <p:cNvPr id="3" name="Object 2" descr="preencoded.png"/>
-          <p:cNvPicPr>
-            <a:picLocks noChangeAspect="1"/>
-          </p:cNvPicPr>
-          <p:nvPr/>
-        </p:nvPicPr>
-        <p:blipFill>
-          <a:blip r:embed="rId2"/>
-          <a:stretch>
-            <a:fillRect/>
-          </a:stretch>
-        </p:blipFill>
-        <p:spPr>
-          <a:xfrm>
-            <a:off x="-559898" y="398656"/>
-            <a:ext cx="1119795" cy="1119795"/>
-          </a:xfrm>
-          <a:prstGeom prst="rect">
-            <a:avLst/>
-          </a:prstGeom>
-        </p:spPr>
-      </p:pic>
-      <p:pic>
-        <p:nvPicPr>
-          <p:cNvPr id="4" name="Object 3" descr="preencoded.png"/>
-          <p:cNvPicPr>
-            <a:picLocks noChangeAspect="1"/>
-          </p:cNvPicPr>
-          <p:nvPr/>
-        </p:nvPicPr>
-        <p:blipFill>
-          <a:blip r:embed="rId3"/>
-          <a:stretch>
-            <a:fillRect/>
-          </a:stretch>
-        </p:blipFill>
-        <p:spPr>
-          <a:xfrm>
-            <a:off x="-490022" y="468532"/>
-            <a:ext cx="980044" cy="980044"/>
-          </a:xfrm>
-          <a:prstGeom prst="rect">
-            <a:avLst/>
-          </a:prstGeom>
-        </p:spPr>
-      </p:pic>
-      <p:pic>
-        <p:nvPicPr>
-          <p:cNvPr id="5" name="Object 4" descr="preencoded.png"/>
-          <p:cNvPicPr>
-            <a:picLocks noChangeAspect="1"/>
-          </p:cNvPicPr>
-          <p:nvPr/>
-        </p:nvPicPr>
-        <p:blipFill>
-          <a:blip r:embed="rId4"/>
-          <a:stretch>
-            <a:fillRect/>
-          </a:stretch>
-        </p:blipFill>
-        <p:spPr>
-          <a:xfrm>
-            <a:off x="-404919" y="-121139"/>
-            <a:ext cx="854505" cy="854505"/>
-          </a:xfrm>
-          <a:prstGeom prst="rect">
-            <a:avLst/>
-          </a:prstGeom>
-        </p:spPr>
-      </p:pic>
-      <p:sp>
-        <p:nvSpPr>
-          <p:cNvPr id="6" name="Object5"/>
-          <p:cNvSpPr/>
-          <p:nvPr/>
-        </p:nvSpPr>
-        <p:spPr>
-          <a:xfrm>
-            <a:off x="714375" y="-241300"/>
-            <a:ext cx="6958330" cy="1689735"/>
-          </a:xfrm>
-          <a:prstGeom prst="rect">
-            <a:avLst/>
-          </a:prstGeom>
-          <a:noFill/>
-        </p:spPr>
-        <p:txBody>
-          <a:bodyPr wrap="square" rtlCol="0" anchor="ctr"/>
-          <a:lstStyle/>
-          <a:p>
-            <a:r>
-              <a:rPr lang="zh-CN" altLang="en-US" sz="4800" b="1" dirty="0">
-                <a:solidFill>
-                  <a:schemeClr val="bg1"/>
-                </a:solidFill>
-                <a:latin typeface="微软雅黑" panose="020B0503020204020204" pitchFamily="34" charset="-122"/>
-                <a:ea typeface="微软雅黑" panose="020B0503020204020204" pitchFamily="34" charset="-122"/>
-                <a:cs typeface="微软雅黑" panose="020B0503020204020204" pitchFamily="34" charset="-122"/>
-              </a:rPr>
-              <a:t>数据字典</a:t>
-            </a:r>
-            <a:r>
-              <a:rPr lang="en-US" altLang="zh-CN" sz="4800" b="1" dirty="0">
-                <a:solidFill>
-                  <a:schemeClr val="bg1"/>
-                </a:solidFill>
-                <a:latin typeface="微软雅黑" panose="020B0503020204020204" pitchFamily="34" charset="-122"/>
-                <a:ea typeface="微软雅黑" panose="020B0503020204020204" pitchFamily="34" charset="-122"/>
-                <a:cs typeface="微软雅黑" panose="020B0503020204020204" pitchFamily="34" charset="-122"/>
-              </a:rPr>
-              <a:t>—</a:t>
-            </a:r>
-            <a:r>
-              <a:rPr lang="zh-CN" altLang="en-US" sz="4800" b="1" dirty="0">
-                <a:solidFill>
-                  <a:schemeClr val="bg1"/>
-                </a:solidFill>
-                <a:latin typeface="微软雅黑" panose="020B0503020204020204" pitchFamily="34" charset="-122"/>
-                <a:ea typeface="微软雅黑" panose="020B0503020204020204" pitchFamily="34" charset="-122"/>
-                <a:cs typeface="微软雅黑" panose="020B0503020204020204" pitchFamily="34" charset="-122"/>
-              </a:rPr>
-              <a:t>数据流条目</a:t>
-            </a:r>
-            <a:endParaRPr lang="zh-CN" altLang="en-US" sz="4800" b="1" dirty="0">
-              <a:solidFill>
-                <a:schemeClr val="bg1"/>
-              </a:solidFill>
-              <a:latin typeface="微软雅黑" panose="020B0503020204020204" pitchFamily="34" charset="-122"/>
-              <a:ea typeface="微软雅黑" panose="020B0503020204020204" pitchFamily="34" charset="-122"/>
-              <a:cs typeface="微软雅黑" panose="020B0503020204020204" pitchFamily="34" charset="-122"/>
-            </a:endParaRPr>
-          </a:p>
-        </p:txBody>
-      </p:sp>
-      <p:pic>
-        <p:nvPicPr>
-          <p:cNvPr id="8" name="Object 7" descr="preencoded.png"/>
-          <p:cNvPicPr>
-            <a:picLocks noChangeAspect="1"/>
-          </p:cNvPicPr>
-          <p:nvPr/>
-        </p:nvPicPr>
-        <p:blipFill>
-          <a:blip r:embed="rId5"/>
-          <a:stretch>
-            <a:fillRect/>
-          </a:stretch>
-        </p:blipFill>
-        <p:spPr>
-          <a:xfrm>
-            <a:off x="16190929" y="9315622"/>
-            <a:ext cx="1119795" cy="1119795"/>
-          </a:xfrm>
-          <a:prstGeom prst="rect">
-            <a:avLst/>
-          </a:prstGeom>
-        </p:spPr>
-      </p:pic>
-      <p:pic>
-        <p:nvPicPr>
-          <p:cNvPr id="9" name="Object 8" descr="preencoded.png"/>
-          <p:cNvPicPr>
-            <a:picLocks noChangeAspect="1"/>
-          </p:cNvPicPr>
-          <p:nvPr/>
-        </p:nvPicPr>
-        <p:blipFill>
-          <a:blip r:embed="rId3"/>
-          <a:stretch>
-            <a:fillRect/>
-          </a:stretch>
-        </p:blipFill>
-        <p:spPr>
-          <a:xfrm>
-            <a:off x="16260805" y="9385498"/>
-            <a:ext cx="980044" cy="980044"/>
-          </a:xfrm>
-          <a:prstGeom prst="rect">
-            <a:avLst/>
-          </a:prstGeom>
-        </p:spPr>
-      </p:pic>
-      <p:pic>
-        <p:nvPicPr>
-          <p:cNvPr id="10" name="Object 9" descr="preencoded.png"/>
-          <p:cNvPicPr>
-            <a:picLocks noChangeAspect="1"/>
-          </p:cNvPicPr>
-          <p:nvPr/>
-        </p:nvPicPr>
-        <p:blipFill>
-          <a:blip r:embed="rId4"/>
-          <a:stretch>
-            <a:fillRect/>
-          </a:stretch>
-        </p:blipFill>
-        <p:spPr>
-          <a:xfrm>
-            <a:off x="16323574" y="9448267"/>
-            <a:ext cx="854505" cy="854505"/>
-          </a:xfrm>
-          <a:prstGeom prst="rect">
-            <a:avLst/>
-          </a:prstGeom>
-        </p:spPr>
-      </p:pic>
-      <p:pic>
-        <p:nvPicPr>
-          <p:cNvPr id="19" name="Object 11" descr="preencoded.png"/>
-          <p:cNvPicPr>
-            <a:picLocks noChangeAspect="1"/>
-          </p:cNvPicPr>
-          <p:nvPr/>
-        </p:nvPicPr>
-        <p:blipFill>
-          <a:blip r:embed="rId6"/>
-          <a:stretch>
-            <a:fillRect/>
-          </a:stretch>
-        </p:blipFill>
-        <p:spPr>
-          <a:xfrm>
-            <a:off x="15330044" y="229367"/>
-            <a:ext cx="2226119" cy="1562735"/>
-          </a:xfrm>
-          <a:prstGeom prst="rect">
-            <a:avLst/>
-          </a:prstGeom>
-        </p:spPr>
-      </p:pic>
-      <p:graphicFrame>
-        <p:nvGraphicFramePr>
-          <p:cNvPr id="20" name="表格 19"/>
-          <p:cNvGraphicFramePr>
-            <a:graphicFrameLocks noGrp="1"/>
-          </p:cNvGraphicFramePr>
-          <p:nvPr>
-            <p:custDataLst>
-              <p:tags r:id="rId7"/>
-            </p:custDataLst>
-          </p:nvPr>
-        </p:nvGraphicFramePr>
-        <p:xfrm>
-          <a:off x="4096385" y="3249111"/>
-          <a:ext cx="9278372" cy="4320088"/>
-        </p:xfrm>
-        <a:graphic>
-          <a:graphicData uri="http://schemas.openxmlformats.org/drawingml/2006/table">
-            <a:tbl>
-              <a:tblPr>
-                <a:tableStyleId>{5C22544A-7EE6-4342-B048-85BDC9FD1C3A}</a:tableStyleId>
-              </a:tblPr>
-              <a:tblGrid>
-                <a:gridCol w="1919904"/>
-                <a:gridCol w="7358468"/>
-              </a:tblGrid>
-              <a:tr h="619306">
-                <a:tc>
-                  <a:txBody>
-                    <a:bodyPr/>
-                    <a:lstStyle/>
-                    <a:p>
-                      <a:pPr algn="ctr"/>
-                      <a:r>
-                        <a:rPr lang="zh-CN" sz="2400" b="1" kern="100">
-                          <a:solidFill>
-                            <a:schemeClr val="tx1">
-                              <a:lumMod val="65000"/>
-                              <a:lumOff val="35000"/>
-                            </a:schemeClr>
-                          </a:solidFill>
-                          <a:effectLst/>
-                          <a:latin typeface="微软雅黑" panose="020B0503020204020204" pitchFamily="34" charset="-122"/>
-                          <a:ea typeface="微软雅黑" panose="020B0503020204020204" pitchFamily="34" charset="-122"/>
-                          <a:cs typeface="黑体" panose="02010609060101010101" pitchFamily="49" charset="-122"/>
-                        </a:rPr>
-                        <a:t>名称</a:t>
-                      </a:r>
-                      <a:endParaRPr lang="zh-CN" sz="2400" b="1" kern="100">
-                        <a:solidFill>
-                          <a:schemeClr val="tx1">
-                            <a:lumMod val="65000"/>
-                            <a:lumOff val="35000"/>
-                          </a:schemeClr>
-                        </a:solidFill>
-                        <a:effectLst/>
-                        <a:latin typeface="微软雅黑" panose="020B0503020204020204" pitchFamily="34" charset="-122"/>
-                        <a:ea typeface="微软雅黑" panose="020B0503020204020204" pitchFamily="34" charset="-122"/>
-                        <a:cs typeface="Times New Roman" panose="02020603050405020304" pitchFamily="18" charset="0"/>
-                      </a:endParaRPr>
-                    </a:p>
-                  </a:txBody>
-                  <a:tcPr marL="68580" marR="68580" marT="0" marB="0" anchor="ctr">
-                    <a:solidFill>
-                      <a:schemeClr val="bg2">
-                        <a:lumMod val="90000"/>
-                      </a:schemeClr>
-                    </a:solidFill>
-                  </a:tcPr>
-                </a:tc>
-                <a:tc>
-                  <a:txBody>
-                    <a:bodyPr/>
-                    <a:lstStyle/>
-                    <a:p>
-                      <a:pPr algn="ctr"/>
-                      <a:r>
-                        <a:rPr lang="zh-CN" sz="2400" b="1" kern="100" dirty="0">
-                          <a:solidFill>
-                            <a:schemeClr val="tx1">
-                              <a:lumMod val="65000"/>
-                              <a:lumOff val="35000"/>
-                            </a:schemeClr>
-                          </a:solidFill>
-                          <a:effectLst/>
-                          <a:latin typeface="微软雅黑" panose="020B0503020204020204" pitchFamily="34" charset="-122"/>
-                          <a:ea typeface="微软雅黑" panose="020B0503020204020204" pitchFamily="34" charset="-122"/>
-                          <a:cs typeface="黑体" panose="02010609060101010101" pitchFamily="49" charset="-122"/>
-                        </a:rPr>
-                        <a:t>聚类结果</a:t>
-                      </a:r>
-                      <a:endParaRPr lang="zh-CN" sz="2400" b="1" kern="100" dirty="0">
-                        <a:solidFill>
-                          <a:schemeClr val="tx1">
-                            <a:lumMod val="65000"/>
-                            <a:lumOff val="35000"/>
-                          </a:schemeClr>
-                        </a:solidFill>
-                        <a:effectLst/>
-                        <a:latin typeface="微软雅黑" panose="020B0503020204020204" pitchFamily="34" charset="-122"/>
-                        <a:ea typeface="微软雅黑" panose="020B0503020204020204" pitchFamily="34" charset="-122"/>
-                        <a:cs typeface="Times New Roman" panose="02020603050405020304" pitchFamily="18" charset="0"/>
-                      </a:endParaRPr>
-                    </a:p>
-                  </a:txBody>
-                  <a:tcPr marL="68580" marR="68580" marT="0" marB="0" anchor="ctr">
-                    <a:solidFill>
-                      <a:schemeClr val="bg2">
-                        <a:lumMod val="90000"/>
-                      </a:schemeClr>
-                    </a:solidFill>
-                  </a:tcPr>
-                </a:tc>
-              </a:tr>
-              <a:tr h="1162273">
-                <a:tc>
-                  <a:txBody>
-                    <a:bodyPr/>
-                    <a:lstStyle/>
-                    <a:p>
-                      <a:pPr algn="ctr"/>
-                      <a:r>
-                        <a:rPr lang="zh-CN" sz="2400" b="1" kern="100">
-                          <a:solidFill>
-                            <a:schemeClr val="tx1">
-                              <a:lumMod val="65000"/>
-                              <a:lumOff val="35000"/>
-                            </a:schemeClr>
-                          </a:solidFill>
-                          <a:effectLst/>
-                          <a:latin typeface="微软雅黑" panose="020B0503020204020204" pitchFamily="34" charset="-122"/>
-                          <a:ea typeface="微软雅黑" panose="020B0503020204020204" pitchFamily="34" charset="-122"/>
-                          <a:cs typeface="黑体" panose="02010609060101010101" pitchFamily="49" charset="-122"/>
-                        </a:rPr>
-                        <a:t>简述</a:t>
-                      </a:r>
-                      <a:endParaRPr lang="zh-CN" sz="2400" b="1" kern="100">
-                        <a:solidFill>
-                          <a:schemeClr val="tx1">
-                            <a:lumMod val="65000"/>
-                            <a:lumOff val="35000"/>
-                          </a:schemeClr>
-                        </a:solidFill>
-                        <a:effectLst/>
-                        <a:latin typeface="微软雅黑" panose="020B0503020204020204" pitchFamily="34" charset="-122"/>
-                        <a:ea typeface="微软雅黑" panose="020B0503020204020204" pitchFamily="34" charset="-122"/>
-                        <a:cs typeface="Times New Roman" panose="02020603050405020304" pitchFamily="18" charset="0"/>
-                      </a:endParaRPr>
-                    </a:p>
-                  </a:txBody>
-                  <a:tcPr marL="68580" marR="68580" marT="0" marB="0" anchor="ctr">
-                    <a:solidFill>
-                      <a:schemeClr val="bg2">
-                        <a:lumMod val="90000"/>
-                      </a:schemeClr>
-                    </a:solidFill>
-                  </a:tcPr>
-                </a:tc>
-                <a:tc>
-                  <a:txBody>
-                    <a:bodyPr/>
-                    <a:lstStyle/>
-                    <a:p>
-                      <a:pPr algn="ctr"/>
-                      <a:r>
-                        <a:rPr lang="zh-CN" sz="2400" b="1" kern="100" dirty="0">
-                          <a:solidFill>
-                            <a:schemeClr val="tx1">
-                              <a:lumMod val="65000"/>
-                              <a:lumOff val="35000"/>
-                            </a:schemeClr>
-                          </a:solidFill>
-                          <a:effectLst/>
-                          <a:latin typeface="微软雅黑" panose="020B0503020204020204" pitchFamily="34" charset="-122"/>
-                          <a:ea typeface="微软雅黑" panose="020B0503020204020204" pitchFamily="34" charset="-122"/>
-                          <a:cs typeface="黑体" panose="02010609060101010101" pitchFamily="49" charset="-122"/>
-                        </a:rPr>
-                        <a:t>对情感分析结果进行聚类后的输出</a:t>
-                      </a:r>
-                      <a:endParaRPr lang="zh-CN" sz="2400" b="1" kern="100" dirty="0">
-                        <a:solidFill>
-                          <a:schemeClr val="tx1">
-                            <a:lumMod val="65000"/>
-                            <a:lumOff val="35000"/>
-                          </a:schemeClr>
-                        </a:solidFill>
-                        <a:effectLst/>
-                        <a:latin typeface="微软雅黑" panose="020B0503020204020204" pitchFamily="34" charset="-122"/>
-                        <a:ea typeface="微软雅黑" panose="020B0503020204020204" pitchFamily="34" charset="-122"/>
-                        <a:cs typeface="Times New Roman" panose="02020603050405020304" pitchFamily="18" charset="0"/>
-                      </a:endParaRPr>
-                    </a:p>
-                  </a:txBody>
-                  <a:tcPr marL="68580" marR="68580" marT="0" marB="0" anchor="ctr">
-                    <a:solidFill>
-                      <a:schemeClr val="bg2">
-                        <a:lumMod val="90000"/>
-                      </a:schemeClr>
-                    </a:solidFill>
-                  </a:tcPr>
-                </a:tc>
-              </a:tr>
-              <a:tr h="619306">
-                <a:tc>
-                  <a:txBody>
-                    <a:bodyPr/>
-                    <a:lstStyle/>
-                    <a:p>
-                      <a:pPr algn="ctr"/>
-                      <a:r>
-                        <a:rPr lang="zh-CN" sz="2400" b="1" kern="100">
-                          <a:solidFill>
-                            <a:schemeClr val="tx1">
-                              <a:lumMod val="65000"/>
-                              <a:lumOff val="35000"/>
-                            </a:schemeClr>
-                          </a:solidFill>
-                          <a:effectLst/>
-                          <a:latin typeface="微软雅黑" panose="020B0503020204020204" pitchFamily="34" charset="-122"/>
-                          <a:ea typeface="微软雅黑" panose="020B0503020204020204" pitchFamily="34" charset="-122"/>
-                          <a:cs typeface="黑体" panose="02010609060101010101" pitchFamily="49" charset="-122"/>
-                        </a:rPr>
-                        <a:t>组成</a:t>
-                      </a:r>
-                      <a:endParaRPr lang="zh-CN" sz="2400" b="1" kern="100">
-                        <a:solidFill>
-                          <a:schemeClr val="tx1">
-                            <a:lumMod val="65000"/>
-                            <a:lumOff val="35000"/>
-                          </a:schemeClr>
-                        </a:solidFill>
-                        <a:effectLst/>
-                        <a:latin typeface="微软雅黑" panose="020B0503020204020204" pitchFamily="34" charset="-122"/>
-                        <a:ea typeface="微软雅黑" panose="020B0503020204020204" pitchFamily="34" charset="-122"/>
-                        <a:cs typeface="Times New Roman" panose="02020603050405020304" pitchFamily="18" charset="0"/>
-                      </a:endParaRPr>
-                    </a:p>
-                  </a:txBody>
-                  <a:tcPr marL="68580" marR="68580" marT="0" marB="0" anchor="ctr">
-                    <a:solidFill>
-                      <a:schemeClr val="bg2">
-                        <a:lumMod val="90000"/>
-                      </a:schemeClr>
-                    </a:solidFill>
-                  </a:tcPr>
-                </a:tc>
-                <a:tc>
-                  <a:txBody>
-                    <a:bodyPr/>
-                    <a:lstStyle/>
-                    <a:p>
-                      <a:pPr algn="ctr"/>
-                      <a:r>
-                        <a:rPr lang="zh-CN" sz="2400" b="1" kern="100" dirty="0">
-                          <a:solidFill>
-                            <a:schemeClr val="tx1">
-                              <a:lumMod val="65000"/>
-                              <a:lumOff val="35000"/>
-                            </a:schemeClr>
-                          </a:solidFill>
-                          <a:effectLst/>
-                          <a:latin typeface="微软雅黑" panose="020B0503020204020204" pitchFamily="34" charset="-122"/>
-                          <a:ea typeface="微软雅黑" panose="020B0503020204020204" pitchFamily="34" charset="-122"/>
-                          <a:cs typeface="黑体" panose="02010609060101010101" pitchFamily="49" charset="-122"/>
-                        </a:rPr>
-                        <a:t>商品</a:t>
-                      </a:r>
-                      <a:r>
-                        <a:rPr lang="en-US" sz="2400" b="1" kern="100" dirty="0">
-                          <a:solidFill>
-                            <a:schemeClr val="tx1">
-                              <a:lumMod val="65000"/>
-                              <a:lumOff val="35000"/>
-                            </a:schemeClr>
-                          </a:solidFill>
-                          <a:effectLst/>
-                          <a:latin typeface="微软雅黑" panose="020B0503020204020204" pitchFamily="34" charset="-122"/>
-                          <a:ea typeface="微软雅黑" panose="020B0503020204020204" pitchFamily="34" charset="-122"/>
-                          <a:cs typeface="黑体" panose="02010609060101010101" pitchFamily="49" charset="-122"/>
-                        </a:rPr>
-                        <a:t>ID</a:t>
-                      </a:r>
-                      <a:r>
-                        <a:rPr lang="zh-CN" sz="2400" b="1" kern="100" dirty="0">
-                          <a:solidFill>
-                            <a:schemeClr val="tx1">
-                              <a:lumMod val="65000"/>
-                              <a:lumOff val="35000"/>
-                            </a:schemeClr>
-                          </a:solidFill>
-                          <a:effectLst/>
-                          <a:latin typeface="微软雅黑" panose="020B0503020204020204" pitchFamily="34" charset="-122"/>
-                          <a:ea typeface="微软雅黑" panose="020B0503020204020204" pitchFamily="34" charset="-122"/>
-                          <a:cs typeface="黑体" panose="02010609060101010101" pitchFamily="49" charset="-122"/>
-                        </a:rPr>
-                        <a:t>集、每个商品各属性、每个属性总体情感</a:t>
-                      </a:r>
-                      <a:endParaRPr lang="zh-CN" sz="2400" b="1" kern="100" dirty="0">
-                        <a:solidFill>
-                          <a:schemeClr val="tx1">
-                            <a:lumMod val="65000"/>
-                            <a:lumOff val="35000"/>
-                          </a:schemeClr>
-                        </a:solidFill>
-                        <a:effectLst/>
-                        <a:latin typeface="微软雅黑" panose="020B0503020204020204" pitchFamily="34" charset="-122"/>
-                        <a:ea typeface="微软雅黑" panose="020B0503020204020204" pitchFamily="34" charset="-122"/>
-                        <a:cs typeface="Times New Roman" panose="02020603050405020304" pitchFamily="18" charset="0"/>
-                      </a:endParaRPr>
-                    </a:p>
-                  </a:txBody>
-                  <a:tcPr marL="68580" marR="68580" marT="0" marB="0" anchor="ctr">
-                    <a:solidFill>
-                      <a:schemeClr val="bg2">
-                        <a:lumMod val="90000"/>
-                      </a:schemeClr>
-                    </a:solidFill>
-                  </a:tcPr>
-                </a:tc>
-              </a:tr>
-              <a:tr h="619306">
-                <a:tc>
-                  <a:txBody>
-                    <a:bodyPr/>
-                    <a:lstStyle/>
-                    <a:p>
-                      <a:pPr algn="ctr"/>
-                      <a:r>
-                        <a:rPr lang="zh-CN" sz="2400" b="1" kern="100">
-                          <a:solidFill>
-                            <a:schemeClr val="tx1">
-                              <a:lumMod val="65000"/>
-                              <a:lumOff val="35000"/>
-                            </a:schemeClr>
-                          </a:solidFill>
-                          <a:effectLst/>
-                          <a:latin typeface="微软雅黑" panose="020B0503020204020204" pitchFamily="34" charset="-122"/>
-                          <a:ea typeface="微软雅黑" panose="020B0503020204020204" pitchFamily="34" charset="-122"/>
-                          <a:cs typeface="黑体" panose="02010609060101010101" pitchFamily="49" charset="-122"/>
-                        </a:rPr>
-                        <a:t>类型</a:t>
-                      </a:r>
-                      <a:endParaRPr lang="zh-CN" sz="2400" b="1" kern="100">
-                        <a:solidFill>
-                          <a:schemeClr val="tx1">
-                            <a:lumMod val="65000"/>
-                            <a:lumOff val="35000"/>
-                          </a:schemeClr>
-                        </a:solidFill>
-                        <a:effectLst/>
-                        <a:latin typeface="微软雅黑" panose="020B0503020204020204" pitchFamily="34" charset="-122"/>
-                        <a:ea typeface="微软雅黑" panose="020B0503020204020204" pitchFamily="34" charset="-122"/>
-                        <a:cs typeface="Times New Roman" panose="02020603050405020304" pitchFamily="18" charset="0"/>
-                      </a:endParaRPr>
-                    </a:p>
-                  </a:txBody>
-                  <a:tcPr marL="68580" marR="68580" marT="0" marB="0" anchor="ctr">
-                    <a:solidFill>
-                      <a:schemeClr val="bg2">
-                        <a:lumMod val="90000"/>
-                      </a:schemeClr>
-                    </a:solidFill>
-                  </a:tcPr>
-                </a:tc>
-                <a:tc>
-                  <a:txBody>
-                    <a:bodyPr/>
-                    <a:lstStyle/>
-                    <a:p>
-                      <a:pPr algn="ctr"/>
-                      <a:r>
-                        <a:rPr lang="en-US" sz="2400" b="1" kern="100">
-                          <a:solidFill>
-                            <a:schemeClr val="tx1">
-                              <a:lumMod val="65000"/>
-                              <a:lumOff val="35000"/>
-                            </a:schemeClr>
-                          </a:solidFill>
-                          <a:effectLst/>
-                          <a:latin typeface="微软雅黑" panose="020B0503020204020204" pitchFamily="34" charset="-122"/>
-                          <a:ea typeface="微软雅黑" panose="020B0503020204020204" pitchFamily="34" charset="-122"/>
-                          <a:cs typeface="黑体" panose="02010609060101010101" pitchFamily="49" charset="-122"/>
-                        </a:rPr>
-                        <a:t>[(int</a:t>
-                      </a:r>
-                      <a:r>
-                        <a:rPr lang="zh-CN" sz="2400" b="1" kern="100">
-                          <a:solidFill>
-                            <a:schemeClr val="tx1">
-                              <a:lumMod val="65000"/>
-                              <a:lumOff val="35000"/>
-                            </a:schemeClr>
-                          </a:solidFill>
-                          <a:effectLst/>
-                          <a:latin typeface="微软雅黑" panose="020B0503020204020204" pitchFamily="34" charset="-122"/>
-                          <a:ea typeface="微软雅黑" panose="020B0503020204020204" pitchFamily="34" charset="-122"/>
-                          <a:cs typeface="黑体" panose="02010609060101010101" pitchFamily="49" charset="-122"/>
-                        </a:rPr>
-                        <a:t>，</a:t>
-                      </a:r>
-                      <a:r>
-                        <a:rPr lang="en-US" sz="2400" b="1" kern="100">
-                          <a:solidFill>
-                            <a:schemeClr val="tx1">
-                              <a:lumMod val="65000"/>
-                              <a:lumOff val="35000"/>
-                            </a:schemeClr>
-                          </a:solidFill>
-                          <a:effectLst/>
-                          <a:latin typeface="微软雅黑" panose="020B0503020204020204" pitchFamily="34" charset="-122"/>
-                          <a:ea typeface="微软雅黑" panose="020B0503020204020204" pitchFamily="34" charset="-122"/>
-                          <a:cs typeface="黑体" panose="02010609060101010101" pitchFamily="49" charset="-122"/>
-                        </a:rPr>
-                        <a:t>[(varchar</a:t>
-                      </a:r>
-                      <a:r>
-                        <a:rPr lang="zh-CN" sz="2400" b="1" kern="100">
-                          <a:solidFill>
-                            <a:schemeClr val="tx1">
-                              <a:lumMod val="65000"/>
-                              <a:lumOff val="35000"/>
-                            </a:schemeClr>
-                          </a:solidFill>
-                          <a:effectLst/>
-                          <a:latin typeface="微软雅黑" panose="020B0503020204020204" pitchFamily="34" charset="-122"/>
-                          <a:ea typeface="微软雅黑" panose="020B0503020204020204" pitchFamily="34" charset="-122"/>
-                          <a:cs typeface="黑体" panose="02010609060101010101" pitchFamily="49" charset="-122"/>
-                        </a:rPr>
-                        <a:t>，</a:t>
-                      </a:r>
-                      <a:r>
-                        <a:rPr lang="en-US" sz="2400" b="1" kern="100">
-                          <a:solidFill>
-                            <a:schemeClr val="tx1">
-                              <a:lumMod val="65000"/>
-                              <a:lumOff val="35000"/>
-                            </a:schemeClr>
-                          </a:solidFill>
-                          <a:effectLst/>
-                          <a:latin typeface="微软雅黑" panose="020B0503020204020204" pitchFamily="34" charset="-122"/>
-                          <a:ea typeface="微软雅黑" panose="020B0503020204020204" pitchFamily="34" charset="-122"/>
-                          <a:cs typeface="黑体" panose="02010609060101010101" pitchFamily="49" charset="-122"/>
-                        </a:rPr>
-                        <a:t>double)])]</a:t>
-                      </a:r>
-                      <a:endParaRPr lang="zh-CN" sz="2400" b="1" kern="100">
-                        <a:solidFill>
-                          <a:schemeClr val="tx1">
-                            <a:lumMod val="65000"/>
-                            <a:lumOff val="35000"/>
-                          </a:schemeClr>
-                        </a:solidFill>
-                        <a:effectLst/>
-                        <a:latin typeface="微软雅黑" panose="020B0503020204020204" pitchFamily="34" charset="-122"/>
-                        <a:ea typeface="微软雅黑" panose="020B0503020204020204" pitchFamily="34" charset="-122"/>
-                        <a:cs typeface="Times New Roman" panose="02020603050405020304" pitchFamily="18" charset="0"/>
-                      </a:endParaRPr>
-                    </a:p>
-                  </a:txBody>
-                  <a:tcPr marL="68580" marR="68580" marT="0" marB="0" anchor="ctr">
-                    <a:solidFill>
-                      <a:schemeClr val="bg2">
-                        <a:lumMod val="90000"/>
-                      </a:schemeClr>
-                    </a:solidFill>
-                  </a:tcPr>
-                </a:tc>
-              </a:tr>
-              <a:tr h="619306">
-                <a:tc>
-                  <a:txBody>
-                    <a:bodyPr/>
-                    <a:lstStyle/>
-                    <a:p>
-                      <a:pPr algn="ctr"/>
-                      <a:r>
-                        <a:rPr lang="zh-CN" sz="2400" b="1" kern="100">
-                          <a:solidFill>
-                            <a:schemeClr val="tx1">
-                              <a:lumMod val="65000"/>
-                              <a:lumOff val="35000"/>
-                            </a:schemeClr>
-                          </a:solidFill>
-                          <a:effectLst/>
-                          <a:latin typeface="微软雅黑" panose="020B0503020204020204" pitchFamily="34" charset="-122"/>
-                          <a:ea typeface="微软雅黑" panose="020B0503020204020204" pitchFamily="34" charset="-122"/>
-                          <a:cs typeface="黑体" panose="02010609060101010101" pitchFamily="49" charset="-122"/>
-                        </a:rPr>
-                        <a:t>来源</a:t>
-                      </a:r>
-                      <a:endParaRPr lang="zh-CN" sz="2400" b="1" kern="100">
-                        <a:solidFill>
-                          <a:schemeClr val="tx1">
-                            <a:lumMod val="65000"/>
-                            <a:lumOff val="35000"/>
-                          </a:schemeClr>
-                        </a:solidFill>
-                        <a:effectLst/>
-                        <a:latin typeface="微软雅黑" panose="020B0503020204020204" pitchFamily="34" charset="-122"/>
-                        <a:ea typeface="微软雅黑" panose="020B0503020204020204" pitchFamily="34" charset="-122"/>
-                        <a:cs typeface="Times New Roman" panose="02020603050405020304" pitchFamily="18" charset="0"/>
-                      </a:endParaRPr>
-                    </a:p>
-                  </a:txBody>
-                  <a:tcPr marL="68580" marR="68580" marT="0" marB="0" anchor="ctr">
-                    <a:solidFill>
-                      <a:schemeClr val="bg2">
-                        <a:lumMod val="90000"/>
-                      </a:schemeClr>
-                    </a:solidFill>
-                  </a:tcPr>
-                </a:tc>
-                <a:tc>
-                  <a:txBody>
-                    <a:bodyPr/>
-                    <a:lstStyle/>
-                    <a:p>
-                      <a:pPr algn="ctr"/>
-                      <a:r>
-                        <a:rPr lang="en-US" sz="2400" b="1" kern="100">
-                          <a:solidFill>
-                            <a:schemeClr val="tx1">
-                              <a:lumMod val="65000"/>
-                              <a:lumOff val="35000"/>
-                            </a:schemeClr>
-                          </a:solidFill>
-                          <a:effectLst/>
-                          <a:latin typeface="微软雅黑" panose="020B0503020204020204" pitchFamily="34" charset="-122"/>
-                          <a:ea typeface="微软雅黑" panose="020B0503020204020204" pitchFamily="34" charset="-122"/>
-                          <a:cs typeface="黑体" panose="02010609060101010101" pitchFamily="49" charset="-122"/>
-                        </a:rPr>
-                        <a:t>4.2</a:t>
-                      </a:r>
-                      <a:r>
-                        <a:rPr lang="zh-CN" sz="2400" b="1" kern="100">
-                          <a:solidFill>
-                            <a:schemeClr val="tx1">
-                              <a:lumMod val="65000"/>
-                              <a:lumOff val="35000"/>
-                            </a:schemeClr>
-                          </a:solidFill>
-                          <a:effectLst/>
-                          <a:latin typeface="微软雅黑" panose="020B0503020204020204" pitchFamily="34" charset="-122"/>
-                          <a:ea typeface="微软雅黑" panose="020B0503020204020204" pitchFamily="34" charset="-122"/>
-                          <a:cs typeface="黑体" panose="02010609060101010101" pitchFamily="49" charset="-122"/>
-                        </a:rPr>
-                        <a:t>属性级情感分类</a:t>
-                      </a:r>
-                      <a:endParaRPr lang="zh-CN" sz="2400" b="1" kern="100">
-                        <a:solidFill>
-                          <a:schemeClr val="tx1">
-                            <a:lumMod val="65000"/>
-                            <a:lumOff val="35000"/>
-                          </a:schemeClr>
-                        </a:solidFill>
-                        <a:effectLst/>
-                        <a:latin typeface="微软雅黑" panose="020B0503020204020204" pitchFamily="34" charset="-122"/>
-                        <a:ea typeface="微软雅黑" panose="020B0503020204020204" pitchFamily="34" charset="-122"/>
-                        <a:cs typeface="Times New Roman" panose="02020603050405020304" pitchFamily="18" charset="0"/>
-                      </a:endParaRPr>
-                    </a:p>
-                  </a:txBody>
-                  <a:tcPr marL="68580" marR="68580" marT="0" marB="0" anchor="ctr">
-                    <a:solidFill>
-                      <a:schemeClr val="bg2">
-                        <a:lumMod val="90000"/>
-                      </a:schemeClr>
-                    </a:solidFill>
-                  </a:tcPr>
-                </a:tc>
-              </a:tr>
-              <a:tr h="680591">
-                <a:tc>
-                  <a:txBody>
-                    <a:bodyPr/>
-                    <a:lstStyle/>
-                    <a:p>
-                      <a:pPr algn="ctr"/>
-                      <a:r>
-                        <a:rPr lang="zh-CN" sz="2400" b="1" kern="100">
-                          <a:solidFill>
-                            <a:schemeClr val="tx1">
-                              <a:lumMod val="65000"/>
-                              <a:lumOff val="35000"/>
-                            </a:schemeClr>
-                          </a:solidFill>
-                          <a:effectLst/>
-                          <a:latin typeface="微软雅黑" panose="020B0503020204020204" pitchFamily="34" charset="-122"/>
-                          <a:ea typeface="微软雅黑" panose="020B0503020204020204" pitchFamily="34" charset="-122"/>
-                          <a:cs typeface="黑体" panose="02010609060101010101" pitchFamily="49" charset="-122"/>
-                        </a:rPr>
-                        <a:t>去处</a:t>
-                      </a:r>
-                      <a:endParaRPr lang="zh-CN" sz="2400" b="1" kern="100">
-                        <a:solidFill>
-                          <a:schemeClr val="tx1">
-                            <a:lumMod val="65000"/>
-                            <a:lumOff val="35000"/>
-                          </a:schemeClr>
-                        </a:solidFill>
-                        <a:effectLst/>
-                        <a:latin typeface="微软雅黑" panose="020B0503020204020204" pitchFamily="34" charset="-122"/>
-                        <a:ea typeface="微软雅黑" panose="020B0503020204020204" pitchFamily="34" charset="-122"/>
-                        <a:cs typeface="Times New Roman" panose="02020603050405020304" pitchFamily="18" charset="0"/>
-                      </a:endParaRPr>
-                    </a:p>
-                  </a:txBody>
-                  <a:tcPr marL="68580" marR="68580" marT="0" marB="0" anchor="ctr">
-                    <a:solidFill>
-                      <a:schemeClr val="bg2">
-                        <a:lumMod val="90000"/>
-                      </a:schemeClr>
-                    </a:solidFill>
-                  </a:tcPr>
-                </a:tc>
-                <a:tc>
-                  <a:txBody>
-                    <a:bodyPr/>
-                    <a:lstStyle/>
-                    <a:p>
-                      <a:pPr algn="ctr"/>
-                      <a:r>
-                        <a:rPr lang="en-US" sz="2400" b="1" kern="100" dirty="0">
-                          <a:solidFill>
-                            <a:schemeClr val="tx1">
-                              <a:lumMod val="65000"/>
-                              <a:lumOff val="35000"/>
-                            </a:schemeClr>
-                          </a:solidFill>
-                          <a:effectLst/>
-                          <a:latin typeface="微软雅黑" panose="020B0503020204020204" pitchFamily="34" charset="-122"/>
-                          <a:ea typeface="微软雅黑" panose="020B0503020204020204" pitchFamily="34" charset="-122"/>
-                          <a:cs typeface="黑体" panose="02010609060101010101" pitchFamily="49" charset="-122"/>
-                        </a:rPr>
-                        <a:t>D3</a:t>
-                      </a:r>
-                      <a:r>
-                        <a:rPr lang="zh-CN" sz="2400" b="1" kern="100" dirty="0">
-                          <a:solidFill>
-                            <a:schemeClr val="tx1">
-                              <a:lumMod val="65000"/>
-                              <a:lumOff val="35000"/>
-                            </a:schemeClr>
-                          </a:solidFill>
-                          <a:effectLst/>
-                          <a:latin typeface="微软雅黑" panose="020B0503020204020204" pitchFamily="34" charset="-122"/>
-                          <a:ea typeface="微软雅黑" panose="020B0503020204020204" pitchFamily="34" charset="-122"/>
-                          <a:cs typeface="黑体" panose="02010609060101010101" pitchFamily="49" charset="-122"/>
-                        </a:rPr>
-                        <a:t>结论数据库</a:t>
-                      </a:r>
-                      <a:endParaRPr lang="zh-CN" sz="2400" b="1" kern="100" dirty="0">
-                        <a:solidFill>
-                          <a:schemeClr val="tx1">
-                            <a:lumMod val="65000"/>
-                            <a:lumOff val="35000"/>
-                          </a:schemeClr>
-                        </a:solidFill>
-                        <a:effectLst/>
-                        <a:latin typeface="微软雅黑" panose="020B0503020204020204" pitchFamily="34" charset="-122"/>
-                        <a:ea typeface="微软雅黑" panose="020B0503020204020204" pitchFamily="34" charset="-122"/>
-                        <a:cs typeface="Times New Roman" panose="02020603050405020304" pitchFamily="18" charset="0"/>
-                      </a:endParaRPr>
-                    </a:p>
-                  </a:txBody>
-                  <a:tcPr marL="68580" marR="68580" marT="0" marB="0" anchor="ctr">
-                    <a:solidFill>
-                      <a:schemeClr val="bg2">
-                        <a:lumMod val="90000"/>
-                      </a:schemeClr>
-                    </a:solidFill>
-                  </a:tcPr>
-                </a:tc>
-              </a:tr>
-            </a:tbl>
-          </a:graphicData>
-        </a:graphic>
-      </p:graphicFrame>
-      <p:sp>
-        <p:nvSpPr>
-          <p:cNvPr id="26" name="文本框 25"/>
-          <p:cNvSpPr txBox="1"/>
-          <p:nvPr/>
-        </p:nvSpPr>
-        <p:spPr>
-          <a:xfrm>
-            <a:off x="2305060" y="1934286"/>
-            <a:ext cx="2422458" cy="523220"/>
-          </a:xfrm>
-          <a:prstGeom prst="rect">
-            <a:avLst/>
-          </a:prstGeom>
-          <a:noFill/>
-        </p:spPr>
-        <p:txBody>
-          <a:bodyPr wrap="none" rtlCol="0">
-            <a:spAutoFit/>
-          </a:bodyPr>
-          <a:lstStyle/>
-          <a:p>
-            <a:r>
-              <a:rPr lang="en-US" altLang="zh-CN" sz="2800" b="1" dirty="0">
-                <a:latin typeface="微软雅黑" panose="020B0503020204020204" pitchFamily="34" charset="-122"/>
-                <a:ea typeface="微软雅黑" panose="020B0503020204020204" pitchFamily="34" charset="-122"/>
-                <a:cs typeface="微软雅黑" panose="020B0503020204020204" pitchFamily="34" charset="-122"/>
-              </a:rPr>
-              <a:t>13</a:t>
-            </a:r>
-            <a:r>
-              <a:rPr lang="zh-CN" altLang="en-US" sz="2800" b="1" dirty="0">
-                <a:latin typeface="微软雅黑" panose="020B0503020204020204" pitchFamily="34" charset="-122"/>
-                <a:ea typeface="微软雅黑" panose="020B0503020204020204" pitchFamily="34" charset="-122"/>
-                <a:cs typeface="微软雅黑" panose="020B0503020204020204" pitchFamily="34" charset="-122"/>
-              </a:rPr>
-              <a:t>、聚类结果</a:t>
-            </a:r>
-            <a:endParaRPr lang="zh-CN" altLang="en-US" sz="2800" b="1" dirty="0">
-              <a:latin typeface="微软雅黑" panose="020B0503020204020204" pitchFamily="34" charset="-122"/>
-              <a:ea typeface="微软雅黑" panose="020B0503020204020204" pitchFamily="34" charset="-122"/>
-              <a:cs typeface="微软雅黑" panose="020B0503020204020204" pitchFamily="34" charset="-122"/>
-            </a:endParaRPr>
-          </a:p>
-        </p:txBody>
-      </p:sp>
-    </p:spTree>
-  </p:cSld>
-  <p:clrMapOvr>
-    <a:masterClrMapping/>
-  </p:clrMapOvr>
-</p:sld>
-</file>
-
 <file path=ppt/slides/slide23.xml><?xml version="1.0" encoding="utf-8"?>
-<p:sld xmlns:a="http://schemas.openxmlformats.org/drawingml/2006/main" xmlns:r="http://schemas.openxmlformats.org/officeDocument/2006/relationships" xmlns:p="http://schemas.openxmlformats.org/presentationml/2006/main">
-  <p:cSld>
-    <p:bg>
-      <p:bgPr>
-        <a:solidFill>
-          <a:schemeClr val="bg1">
-            <a:lumMod val="95000"/>
-          </a:schemeClr>
-        </a:solidFill>
-        <a:effectLst/>
-      </p:bgPr>
-    </p:bg>
-    <p:spTree>
-      <p:nvGrpSpPr>
-        <p:cNvPr id="1" name=""/>
-        <p:cNvGrpSpPr/>
-        <p:nvPr/>
-      </p:nvGrpSpPr>
-      <p:grpSpPr>
-        <a:xfrm>
-          <a:off x="0" y="0"/>
-          <a:ext cx="0" cy="0"/>
-          <a:chOff x="0" y="0"/>
-          <a:chExt cx="0" cy="0"/>
-        </a:xfrm>
-      </p:grpSpPr>
-      <p:pic>
-        <p:nvPicPr>
-          <p:cNvPr id="14" name="Object 13" descr="preencoded.png"/>
-          <p:cNvPicPr>
-            <a:picLocks noChangeAspect="1"/>
-          </p:cNvPicPr>
-          <p:nvPr/>
-        </p:nvPicPr>
-        <p:blipFill>
-          <a:blip r:embed="rId1"/>
-          <a:stretch>
-            <a:fillRect/>
-          </a:stretch>
-        </p:blipFill>
-        <p:spPr>
-          <a:xfrm>
-            <a:off x="560070" y="-196850"/>
-            <a:ext cx="7072630" cy="1600835"/>
-          </a:xfrm>
-          <a:prstGeom prst="rect">
-            <a:avLst/>
-          </a:prstGeom>
-        </p:spPr>
-      </p:pic>
-      <p:pic>
-        <p:nvPicPr>
-          <p:cNvPr id="3" name="Object 2" descr="preencoded.png"/>
-          <p:cNvPicPr>
-            <a:picLocks noChangeAspect="1"/>
-          </p:cNvPicPr>
-          <p:nvPr/>
-        </p:nvPicPr>
-        <p:blipFill>
-          <a:blip r:embed="rId2"/>
-          <a:stretch>
-            <a:fillRect/>
-          </a:stretch>
-        </p:blipFill>
-        <p:spPr>
-          <a:xfrm>
-            <a:off x="-559898" y="398656"/>
-            <a:ext cx="1119795" cy="1119795"/>
-          </a:xfrm>
-          <a:prstGeom prst="rect">
-            <a:avLst/>
-          </a:prstGeom>
-        </p:spPr>
-      </p:pic>
-      <p:pic>
-        <p:nvPicPr>
-          <p:cNvPr id="4" name="Object 3" descr="preencoded.png"/>
-          <p:cNvPicPr>
-            <a:picLocks noChangeAspect="1"/>
-          </p:cNvPicPr>
-          <p:nvPr/>
-        </p:nvPicPr>
-        <p:blipFill>
-          <a:blip r:embed="rId3"/>
-          <a:stretch>
-            <a:fillRect/>
-          </a:stretch>
-        </p:blipFill>
-        <p:spPr>
-          <a:xfrm>
-            <a:off x="-490022" y="468532"/>
-            <a:ext cx="980044" cy="980044"/>
-          </a:xfrm>
-          <a:prstGeom prst="rect">
-            <a:avLst/>
-          </a:prstGeom>
-        </p:spPr>
-      </p:pic>
-      <p:pic>
-        <p:nvPicPr>
-          <p:cNvPr id="5" name="Object 4" descr="preencoded.png"/>
-          <p:cNvPicPr>
-            <a:picLocks noChangeAspect="1"/>
-          </p:cNvPicPr>
-          <p:nvPr/>
-        </p:nvPicPr>
-        <p:blipFill>
-          <a:blip r:embed="rId4"/>
-          <a:stretch>
-            <a:fillRect/>
-          </a:stretch>
-        </p:blipFill>
-        <p:spPr>
-          <a:xfrm>
-            <a:off x="-404919" y="-121139"/>
-            <a:ext cx="854505" cy="854505"/>
-          </a:xfrm>
-          <a:prstGeom prst="rect">
-            <a:avLst/>
-          </a:prstGeom>
-        </p:spPr>
-      </p:pic>
-      <p:sp>
-        <p:nvSpPr>
-          <p:cNvPr id="6" name="Object5"/>
-          <p:cNvSpPr/>
-          <p:nvPr/>
-        </p:nvSpPr>
-        <p:spPr>
-          <a:xfrm>
-            <a:off x="714375" y="-241300"/>
-            <a:ext cx="6958330" cy="1689735"/>
-          </a:xfrm>
-          <a:prstGeom prst="rect">
-            <a:avLst/>
-          </a:prstGeom>
-          <a:noFill/>
-        </p:spPr>
-        <p:txBody>
-          <a:bodyPr wrap="square" rtlCol="0" anchor="ctr"/>
-          <a:lstStyle/>
-          <a:p>
-            <a:r>
-              <a:rPr lang="zh-CN" altLang="en-US" sz="4800" b="1" dirty="0">
-                <a:solidFill>
-                  <a:schemeClr val="bg1"/>
-                </a:solidFill>
-                <a:latin typeface="微软雅黑" panose="020B0503020204020204" pitchFamily="34" charset="-122"/>
-                <a:ea typeface="微软雅黑" panose="020B0503020204020204" pitchFamily="34" charset="-122"/>
-                <a:cs typeface="微软雅黑" panose="020B0503020204020204" pitchFamily="34" charset="-122"/>
-              </a:rPr>
-              <a:t>数据字典</a:t>
-            </a:r>
-            <a:r>
-              <a:rPr lang="en-US" altLang="zh-CN" sz="4800" b="1" dirty="0">
-                <a:solidFill>
-                  <a:schemeClr val="bg1"/>
-                </a:solidFill>
-                <a:latin typeface="微软雅黑" panose="020B0503020204020204" pitchFamily="34" charset="-122"/>
-                <a:ea typeface="微软雅黑" panose="020B0503020204020204" pitchFamily="34" charset="-122"/>
-                <a:cs typeface="微软雅黑" panose="020B0503020204020204" pitchFamily="34" charset="-122"/>
-              </a:rPr>
-              <a:t>—</a:t>
-            </a:r>
-            <a:r>
-              <a:rPr lang="zh-CN" altLang="en-US" sz="4800" b="1" dirty="0">
-                <a:solidFill>
-                  <a:schemeClr val="bg1"/>
-                </a:solidFill>
-                <a:latin typeface="微软雅黑" panose="020B0503020204020204" pitchFamily="34" charset="-122"/>
-                <a:ea typeface="微软雅黑" panose="020B0503020204020204" pitchFamily="34" charset="-122"/>
-                <a:cs typeface="微软雅黑" panose="020B0503020204020204" pitchFamily="34" charset="-122"/>
-              </a:rPr>
-              <a:t>数据流条目</a:t>
-            </a:r>
-            <a:endParaRPr lang="zh-CN" altLang="en-US" sz="4800" b="1" dirty="0">
-              <a:solidFill>
-                <a:schemeClr val="bg1"/>
-              </a:solidFill>
-              <a:latin typeface="微软雅黑" panose="020B0503020204020204" pitchFamily="34" charset="-122"/>
-              <a:ea typeface="微软雅黑" panose="020B0503020204020204" pitchFamily="34" charset="-122"/>
-              <a:cs typeface="微软雅黑" panose="020B0503020204020204" pitchFamily="34" charset="-122"/>
-            </a:endParaRPr>
-          </a:p>
-        </p:txBody>
-      </p:sp>
-      <p:pic>
-        <p:nvPicPr>
-          <p:cNvPr id="8" name="Object 7" descr="preencoded.png"/>
-          <p:cNvPicPr>
-            <a:picLocks noChangeAspect="1"/>
-          </p:cNvPicPr>
-          <p:nvPr/>
-        </p:nvPicPr>
-        <p:blipFill>
-          <a:blip r:embed="rId5"/>
-          <a:stretch>
-            <a:fillRect/>
-          </a:stretch>
-        </p:blipFill>
-        <p:spPr>
-          <a:xfrm>
-            <a:off x="16190929" y="9315622"/>
-            <a:ext cx="1119795" cy="1119795"/>
-          </a:xfrm>
-          <a:prstGeom prst="rect">
-            <a:avLst/>
-          </a:prstGeom>
-        </p:spPr>
-      </p:pic>
-      <p:pic>
-        <p:nvPicPr>
-          <p:cNvPr id="9" name="Object 8" descr="preencoded.png"/>
-          <p:cNvPicPr>
-            <a:picLocks noChangeAspect="1"/>
-          </p:cNvPicPr>
-          <p:nvPr/>
-        </p:nvPicPr>
-        <p:blipFill>
-          <a:blip r:embed="rId3"/>
-          <a:stretch>
-            <a:fillRect/>
-          </a:stretch>
-        </p:blipFill>
-        <p:spPr>
-          <a:xfrm>
-            <a:off x="16260805" y="9385498"/>
-            <a:ext cx="980044" cy="980044"/>
-          </a:xfrm>
-          <a:prstGeom prst="rect">
-            <a:avLst/>
-          </a:prstGeom>
-        </p:spPr>
-      </p:pic>
-      <p:pic>
-        <p:nvPicPr>
-          <p:cNvPr id="10" name="Object 9" descr="preencoded.png"/>
-          <p:cNvPicPr>
-            <a:picLocks noChangeAspect="1"/>
-          </p:cNvPicPr>
-          <p:nvPr/>
-        </p:nvPicPr>
-        <p:blipFill>
-          <a:blip r:embed="rId4"/>
-          <a:stretch>
-            <a:fillRect/>
-          </a:stretch>
-        </p:blipFill>
-        <p:spPr>
-          <a:xfrm>
-            <a:off x="16323574" y="9448267"/>
-            <a:ext cx="854505" cy="854505"/>
-          </a:xfrm>
-          <a:prstGeom prst="rect">
-            <a:avLst/>
-          </a:prstGeom>
-        </p:spPr>
-      </p:pic>
-      <p:pic>
-        <p:nvPicPr>
-          <p:cNvPr id="19" name="Object 11" descr="preencoded.png"/>
-          <p:cNvPicPr>
-            <a:picLocks noChangeAspect="1"/>
-          </p:cNvPicPr>
-          <p:nvPr/>
-        </p:nvPicPr>
-        <p:blipFill>
-          <a:blip r:embed="rId6"/>
-          <a:stretch>
-            <a:fillRect/>
-          </a:stretch>
-        </p:blipFill>
-        <p:spPr>
-          <a:xfrm>
-            <a:off x="15330044" y="229367"/>
-            <a:ext cx="2226119" cy="1562735"/>
-          </a:xfrm>
-          <a:prstGeom prst="rect">
-            <a:avLst/>
-          </a:prstGeom>
-        </p:spPr>
-      </p:pic>
-    </p:spTree>
-  </p:cSld>
-  <p:clrMapOvr>
-    <a:masterClrMapping/>
-  </p:clrMapOvr>
-</p:sld>
-</file>
-
-<file path=ppt/slides/slide24.xml><?xml version="1.0" encoding="utf-8"?>
 <p:sld xmlns:a="http://schemas.openxmlformats.org/drawingml/2006/main" xmlns:r="http://schemas.openxmlformats.org/officeDocument/2006/relationships" xmlns:p="http://schemas.openxmlformats.org/presentationml/2006/main">
   <p:cSld>
     <p:bg>
@@ -22361,7 +21904,7 @@
 </p:sld>
 </file>
 
-<file path=ppt/slides/slide25.xml><?xml version="1.0" encoding="utf-8"?>
+<file path=ppt/slides/slide24.xml><?xml version="1.0" encoding="utf-8"?>
 <p:sld xmlns:a="http://schemas.openxmlformats.org/drawingml/2006/main" xmlns:r="http://schemas.openxmlformats.org/officeDocument/2006/relationships" xmlns:p="http://schemas.openxmlformats.org/presentationml/2006/main">
   <p:cSld>
     <p:bg>
@@ -22724,374 +22267,7 @@
 </p:sld>
 </file>
 
-<file path=ppt/slides/slide26.xml><?xml version="1.0" encoding="utf-8"?>
-<p:sld xmlns:a="http://schemas.openxmlformats.org/drawingml/2006/main" xmlns:r="http://schemas.openxmlformats.org/officeDocument/2006/relationships" xmlns:p="http://schemas.openxmlformats.org/presentationml/2006/main">
-  <p:cSld>
-    <p:bg>
-      <p:bgPr>
-        <a:solidFill>
-          <a:schemeClr val="bg2"/>
-        </a:solidFill>
-        <a:effectLst/>
-      </p:bgPr>
-    </p:bg>
-    <p:spTree>
-      <p:nvGrpSpPr>
-        <p:cNvPr id="1" name=""/>
-        <p:cNvGrpSpPr/>
-        <p:nvPr/>
-      </p:nvGrpSpPr>
-      <p:grpSpPr>
-        <a:xfrm>
-          <a:off x="0" y="0"/>
-          <a:ext cx="0" cy="0"/>
-          <a:chOff x="0" y="0"/>
-          <a:chExt cx="0" cy="0"/>
-        </a:xfrm>
-      </p:grpSpPr>
-      <p:sp>
-        <p:nvSpPr>
-          <p:cNvPr id="7" name="椭圆 6"/>
-          <p:cNvSpPr/>
-          <p:nvPr/>
-        </p:nvSpPr>
-        <p:spPr>
-          <a:xfrm>
-            <a:off x="7487286" y="150495"/>
-            <a:ext cx="3033395" cy="1369695"/>
-          </a:xfrm>
-          <a:prstGeom prst="ellipse">
-            <a:avLst/>
-          </a:prstGeom>
-          <a:solidFill>
-            <a:schemeClr val="tx2">
-              <a:lumMod val="75000"/>
-            </a:schemeClr>
-          </a:solidFill>
-          <a:ln>
-            <a:noFill/>
-          </a:ln>
-          <a:effectLst>
-            <a:outerShdw blurRad="190500" dist="228600" dir="2700000" algn="ctr">
-              <a:srgbClr val="000000">
-                <a:alpha val="30000"/>
-              </a:srgbClr>
-            </a:outerShdw>
-          </a:effectLst>
-          <a:scene3d>
-            <a:camera prst="orthographicFront">
-              <a:rot lat="0" lon="0" rev="0"/>
-            </a:camera>
-            <a:lightRig rig="glow" dir="t">
-              <a:rot lat="0" lon="0" rev="4800000"/>
-            </a:lightRig>
-          </a:scene3d>
-          <a:sp3d prstMaterial="matte">
-            <a:bevelT w="127000" h="63500"/>
-          </a:sp3d>
-        </p:spPr>
-        <p:style>
-          <a:lnRef idx="2">
-            <a:schemeClr val="accent1">
-              <a:shade val="50000"/>
-            </a:schemeClr>
-          </a:lnRef>
-          <a:fillRef idx="1">
-            <a:schemeClr val="accent1"/>
-          </a:fillRef>
-          <a:effectRef idx="0">
-            <a:schemeClr val="accent1"/>
-          </a:effectRef>
-          <a:fontRef idx="minor">
-            <a:schemeClr val="lt1"/>
-          </a:fontRef>
-        </p:style>
-        <p:txBody>
-          <a:bodyPr rtlCol="0" anchor="ctr"/>
-          <a:lstStyle/>
-          <a:p>
-            <a:pPr algn="ctr"/>
-            <a:endParaRPr lang="zh-CN" altLang="en-US" dirty="0"/>
-          </a:p>
-        </p:txBody>
-      </p:sp>
-      <p:pic>
-        <p:nvPicPr>
-          <p:cNvPr id="3" name="Object 2" descr="preencoded.png"/>
-          <p:cNvPicPr>
-            <a:picLocks noChangeAspect="1"/>
-          </p:cNvPicPr>
-          <p:nvPr/>
-        </p:nvPicPr>
-        <p:blipFill>
-          <a:blip r:embed="rId1"/>
-          <a:stretch>
-            <a:fillRect/>
-          </a:stretch>
-        </p:blipFill>
-        <p:spPr>
-          <a:xfrm>
-            <a:off x="-706068" y="-161241"/>
-            <a:ext cx="1119795" cy="1119795"/>
-          </a:xfrm>
-          <a:prstGeom prst="rect">
-            <a:avLst/>
-          </a:prstGeom>
-        </p:spPr>
-      </p:pic>
-      <p:pic>
-        <p:nvPicPr>
-          <p:cNvPr id="4" name="Object 3" descr="preencoded.png"/>
-          <p:cNvPicPr>
-            <a:picLocks noChangeAspect="1"/>
-          </p:cNvPicPr>
-          <p:nvPr/>
-        </p:nvPicPr>
-        <p:blipFill>
-          <a:blip r:embed="rId2"/>
-          <a:stretch>
-            <a:fillRect/>
-          </a:stretch>
-        </p:blipFill>
-        <p:spPr>
-          <a:xfrm>
-            <a:off x="-490021" y="468532"/>
-            <a:ext cx="980044" cy="980044"/>
-          </a:xfrm>
-          <a:prstGeom prst="rect">
-            <a:avLst/>
-          </a:prstGeom>
-        </p:spPr>
-      </p:pic>
-      <p:pic>
-        <p:nvPicPr>
-          <p:cNvPr id="5" name="Object 4" descr="preencoded.png"/>
-          <p:cNvPicPr>
-            <a:picLocks noChangeAspect="1"/>
-          </p:cNvPicPr>
-          <p:nvPr/>
-        </p:nvPicPr>
-        <p:blipFill>
-          <a:blip r:embed="rId3"/>
-          <a:stretch>
-            <a:fillRect/>
-          </a:stretch>
-        </p:blipFill>
-        <p:spPr>
-          <a:xfrm>
-            <a:off x="-440778" y="461653"/>
-            <a:ext cx="854505" cy="854505"/>
-          </a:xfrm>
-          <a:prstGeom prst="rect">
-            <a:avLst/>
-          </a:prstGeom>
-        </p:spPr>
-      </p:pic>
-      <p:pic>
-        <p:nvPicPr>
-          <p:cNvPr id="19" name="Object 11" descr="preencoded.png"/>
-          <p:cNvPicPr>
-            <a:picLocks noChangeAspect="1"/>
-          </p:cNvPicPr>
-          <p:nvPr/>
-        </p:nvPicPr>
-        <p:blipFill>
-          <a:blip r:embed="rId4"/>
-          <a:stretch>
-            <a:fillRect/>
-          </a:stretch>
-        </p:blipFill>
-        <p:spPr>
-          <a:xfrm>
-            <a:off x="16058263" y="50313"/>
-            <a:ext cx="795801" cy="558652"/>
-          </a:xfrm>
-          <a:prstGeom prst="rect">
-            <a:avLst/>
-          </a:prstGeom>
-        </p:spPr>
-      </p:pic>
-      <p:sp>
-        <p:nvSpPr>
-          <p:cNvPr id="22" name="Object10"/>
-          <p:cNvSpPr/>
-          <p:nvPr/>
-        </p:nvSpPr>
-        <p:spPr>
-          <a:xfrm>
-            <a:off x="7748906" y="318770"/>
-            <a:ext cx="2510155" cy="1049655"/>
-          </a:xfrm>
-          <a:prstGeom prst="rect">
-            <a:avLst/>
-          </a:prstGeom>
-          <a:noFill/>
-        </p:spPr>
-        <p:txBody>
-          <a:bodyPr wrap="square" rtlCol="0" anchor="ctr"/>
-          <a:lstStyle/>
-          <a:p>
-            <a:r>
-              <a:rPr lang="zh-CN" altLang="en-US" sz="3600" b="1" dirty="0">
-                <a:solidFill>
-                  <a:schemeClr val="bg1"/>
-                </a:solidFill>
-                <a:latin typeface="微软雅黑" panose="020B0503020204020204" pitchFamily="34" charset="-122"/>
-                <a:ea typeface="微软雅黑" panose="020B0503020204020204" pitchFamily="34" charset="-122"/>
-              </a:rPr>
-              <a:t>数据库描述</a:t>
-            </a:r>
-            <a:endParaRPr lang="zh-CN" altLang="en-US" sz="3600" b="1" dirty="0">
-              <a:solidFill>
-                <a:schemeClr val="bg1"/>
-              </a:solidFill>
-              <a:latin typeface="微软雅黑" panose="020B0503020204020204" pitchFamily="34" charset="-122"/>
-              <a:ea typeface="微软雅黑" panose="020B0503020204020204" pitchFamily="34" charset="-122"/>
-            </a:endParaRPr>
-          </a:p>
-        </p:txBody>
-      </p:sp>
-      <p:pic>
-        <p:nvPicPr>
-          <p:cNvPr id="2" name="Object 13" descr="preencoded.png"/>
-          <p:cNvPicPr>
-            <a:picLocks noChangeAspect="1"/>
-          </p:cNvPicPr>
-          <p:nvPr/>
-        </p:nvPicPr>
-        <p:blipFill>
-          <a:blip r:embed="rId5"/>
-          <a:stretch>
-            <a:fillRect/>
-          </a:stretch>
-        </p:blipFill>
-        <p:spPr>
-          <a:xfrm>
-            <a:off x="594791" y="-253557"/>
-            <a:ext cx="2830841" cy="1569715"/>
-          </a:xfrm>
-          <a:prstGeom prst="rect">
-            <a:avLst/>
-          </a:prstGeom>
-        </p:spPr>
-      </p:pic>
-      <p:sp>
-        <p:nvSpPr>
-          <p:cNvPr id="8" name="Object5"/>
-          <p:cNvSpPr/>
-          <p:nvPr/>
-        </p:nvSpPr>
-        <p:spPr>
-          <a:xfrm>
-            <a:off x="708830" y="318646"/>
-            <a:ext cx="4228631" cy="640080"/>
-          </a:xfrm>
-          <a:prstGeom prst="rect">
-            <a:avLst/>
-          </a:prstGeom>
-          <a:noFill/>
-        </p:spPr>
-        <p:txBody>
-          <a:bodyPr wrap="square" rtlCol="0" anchor="ctr"/>
-          <a:lstStyle/>
-          <a:p>
-            <a:r>
-              <a:rPr lang="zh-CN" altLang="en-US" sz="4800" b="1" dirty="0">
-                <a:solidFill>
-                  <a:schemeClr val="bg1"/>
-                </a:solidFill>
-                <a:latin typeface="微软雅黑" panose="020B0503020204020204" pitchFamily="34" charset="-122"/>
-                <a:ea typeface="微软雅黑" panose="020B0503020204020204" pitchFamily="34" charset="-122"/>
-              </a:rPr>
-              <a:t>数据需求</a:t>
-            </a:r>
-            <a:endParaRPr lang="zh-CN" altLang="en-US" sz="4800" b="1" dirty="0">
-              <a:solidFill>
-                <a:schemeClr val="bg1"/>
-              </a:solidFill>
-              <a:latin typeface="微软雅黑" panose="020B0503020204020204" pitchFamily="34" charset="-122"/>
-              <a:ea typeface="微软雅黑" panose="020B0503020204020204" pitchFamily="34" charset="-122"/>
-            </a:endParaRPr>
-          </a:p>
-        </p:txBody>
-      </p:sp>
-      <p:sp>
-        <p:nvSpPr>
-          <p:cNvPr id="9" name="Object10"/>
-          <p:cNvSpPr/>
-          <p:nvPr/>
-        </p:nvSpPr>
-        <p:spPr>
-          <a:xfrm>
-            <a:off x="7748906" y="310515"/>
-            <a:ext cx="2510155" cy="1049655"/>
-          </a:xfrm>
-          <a:prstGeom prst="rect">
-            <a:avLst/>
-          </a:prstGeom>
-          <a:noFill/>
-        </p:spPr>
-        <p:txBody>
-          <a:bodyPr wrap="square" rtlCol="0" anchor="ctr"/>
-          <a:lstStyle/>
-          <a:p>
-            <a:r>
-              <a:rPr lang="zh-CN" altLang="en-US" sz="3600" b="1" dirty="0">
-                <a:solidFill>
-                  <a:schemeClr val="bg1"/>
-                </a:solidFill>
-                <a:latin typeface="微软雅黑" panose="020B0503020204020204" pitchFamily="34" charset="-122"/>
-                <a:ea typeface="微软雅黑" panose="020B0503020204020204" pitchFamily="34" charset="-122"/>
-              </a:rPr>
-              <a:t>数据库描述</a:t>
-            </a:r>
-            <a:endParaRPr lang="zh-CN" altLang="en-US" sz="3600" b="1" dirty="0">
-              <a:solidFill>
-                <a:schemeClr val="bg1"/>
-              </a:solidFill>
-              <a:latin typeface="微软雅黑" panose="020B0503020204020204" pitchFamily="34" charset="-122"/>
-              <a:ea typeface="微软雅黑" panose="020B0503020204020204" pitchFamily="34" charset="-122"/>
-            </a:endParaRPr>
-          </a:p>
-        </p:txBody>
-      </p:sp>
-      <p:pic>
-        <p:nvPicPr>
-          <p:cNvPr id="6" name="图片 -2147482576" descr="数据库逻辑模型"/>
-          <p:cNvPicPr>
-            <a:picLocks noChangeAspect="1"/>
-          </p:cNvPicPr>
-          <p:nvPr/>
-        </p:nvPicPr>
-        <p:blipFill>
-          <a:blip r:embed="rId6"/>
-          <a:stretch>
-            <a:fillRect/>
-          </a:stretch>
-        </p:blipFill>
-        <p:spPr>
-          <a:xfrm>
-            <a:off x="247650" y="4189730"/>
-            <a:ext cx="17060545" cy="3140075"/>
-          </a:xfrm>
-          <a:prstGeom prst="rect">
-            <a:avLst/>
-          </a:prstGeom>
-          <a:noFill/>
-          <a:ln w="9525">
-            <a:noFill/>
-          </a:ln>
-        </p:spPr>
-      </p:pic>
-    </p:spTree>
-  </p:cSld>
-  <p:clrMapOvr>
-    <a:masterClrMapping/>
-  </p:clrMapOvr>
-</p:sld>
-</file>
-
-<file path=ppt/slides/slide27.xml><?xml version="1.0" encoding="utf-8"?>
+<file path=ppt/slides/slide25.xml><?xml version="1.0" encoding="utf-8"?>
 <p:sld xmlns:a="http://schemas.openxmlformats.org/drawingml/2006/main" xmlns:r="http://schemas.openxmlformats.org/officeDocument/2006/relationships" xmlns:p="http://schemas.openxmlformats.org/presentationml/2006/main">
   <p:cSld>
     <p:bg>
@@ -23907,7 +23083,7 @@
 </p:sld>
 </file>
 
-<file path=ppt/slides/slide28.xml><?xml version="1.0" encoding="utf-8"?>
+<file path=ppt/slides/slide26.xml><?xml version="1.0" encoding="utf-8"?>
 <p:sld xmlns:a="http://schemas.openxmlformats.org/drawingml/2006/main" xmlns:r="http://schemas.openxmlformats.org/officeDocument/2006/relationships" xmlns:p="http://schemas.openxmlformats.org/presentationml/2006/main">
   <p:cSld>
     <p:bg>
@@ -25441,7 +24617,7 @@
 </p:sld>
 </file>
 
-<file path=ppt/slides/slide29.xml><?xml version="1.0" encoding="utf-8"?>
+<file path=ppt/slides/slide27.xml><?xml version="1.0" encoding="utf-8"?>
 <p:sld xmlns:a="http://schemas.openxmlformats.org/drawingml/2006/main" xmlns:r="http://schemas.openxmlformats.org/officeDocument/2006/relationships" xmlns:p="http://schemas.openxmlformats.org/presentationml/2006/main">
   <p:cSld>
     <p:bg>
@@ -25763,7 +24939,7 @@
                 <a:ea typeface="微软雅黑" panose="020B0503020204020204" pitchFamily="34" charset="-122"/>
                 <a:cs typeface="微软雅黑" panose="020B0503020204020204" pitchFamily="34" charset="-122"/>
               </a:rPr>
-              <a:t>：出现错误，及时提供修复方法以解决问题</a:t>
+              <a:t>：出现错误，及时提供修复方法</a:t>
             </a:r>
             <a:endParaRPr lang="zh-CN" altLang="en-US" sz="4400" b="1">
               <a:latin typeface="微软雅黑" panose="020B0503020204020204" pitchFamily="34" charset="-122"/>
@@ -25858,442 +25034,7 @@
 </p:sld>
 </file>
 
-<file path=ppt/slides/slide3.xml><?xml version="1.0" encoding="utf-8"?>
-<p:sld xmlns:a="http://schemas.openxmlformats.org/drawingml/2006/main" xmlns:r="http://schemas.openxmlformats.org/officeDocument/2006/relationships" xmlns:p="http://schemas.openxmlformats.org/presentationml/2006/main">
-  <p:cSld>
-    <p:bg>
-      <p:bgPr>
-        <a:blipFill dpi="0" rotWithShape="1">
-          <a:blip r:embed="rId1">
-            <a:lum/>
-          </a:blip>
-          <a:srcRect/>
-          <a:stretch>
-            <a:fillRect/>
-          </a:stretch>
-        </a:blipFill>
-        <a:effectLst/>
-      </p:bgPr>
-    </p:bg>
-    <p:spTree>
-      <p:nvGrpSpPr>
-        <p:cNvPr id="1" name=""/>
-        <p:cNvGrpSpPr/>
-        <p:nvPr/>
-      </p:nvGrpSpPr>
-      <p:grpSpPr>
-        <a:xfrm>
-          <a:off x="0" y="0"/>
-          <a:ext cx="0" cy="0"/>
-          <a:chOff x="0" y="0"/>
-          <a:chExt cx="0" cy="0"/>
-        </a:xfrm>
-      </p:grpSpPr>
-      <p:pic>
-        <p:nvPicPr>
-          <p:cNvPr id="2" name="Object 1" descr="preencoded.png"/>
-          <p:cNvPicPr>
-            <a:picLocks noChangeAspect="1"/>
-          </p:cNvPicPr>
-          <p:nvPr/>
-        </p:nvPicPr>
-        <p:blipFill>
-          <a:blip r:embed="rId2">
-            <a:extLst>
-              <a:ext uri="{96DAC541-7B7A-43D3-8B79-37D633B846F1}">
-                <asvg:svgBlip xmlns:asvg="http://schemas.microsoft.com/office/drawing/2016/SVG/main" r:embed="rId3"/>
-              </a:ext>
-            </a:extLst>
-          </a:blip>
-          <a:stretch>
-            <a:fillRect/>
-          </a:stretch>
-        </p:blipFill>
-        <p:spPr>
-          <a:xfrm>
-            <a:off x="4371351" y="530871"/>
-            <a:ext cx="8813778" cy="8813778"/>
-          </a:xfrm>
-          <a:prstGeom prst="rect">
-            <a:avLst/>
-          </a:prstGeom>
-        </p:spPr>
-      </p:pic>
-      <p:pic>
-        <p:nvPicPr>
-          <p:cNvPr id="3" name="Object 2" descr="preencoded.png"/>
-          <p:cNvPicPr>
-            <a:picLocks noChangeAspect="1"/>
-          </p:cNvPicPr>
-          <p:nvPr/>
-        </p:nvPicPr>
-        <p:blipFill>
-          <a:blip r:embed="rId4">
-            <a:extLst>
-              <a:ext uri="{96DAC541-7B7A-43D3-8B79-37D633B846F1}">
-                <asvg:svgBlip xmlns:asvg="http://schemas.microsoft.com/office/drawing/2016/SVG/main" r:embed="rId5"/>
-              </a:ext>
-            </a:extLst>
-          </a:blip>
-          <a:stretch>
-            <a:fillRect/>
-          </a:stretch>
-        </p:blipFill>
-        <p:spPr>
-          <a:xfrm>
-            <a:off x="5415383" y="1574903"/>
-            <a:ext cx="6725714" cy="6725714"/>
-          </a:xfrm>
-          <a:prstGeom prst="rect">
-            <a:avLst/>
-          </a:prstGeom>
-        </p:spPr>
-      </p:pic>
-      <p:pic>
-        <p:nvPicPr>
-          <p:cNvPr id="4" name="Object 3" descr="preencoded.png"/>
-          <p:cNvPicPr>
-            <a:picLocks noChangeAspect="1"/>
-          </p:cNvPicPr>
-          <p:nvPr/>
-        </p:nvPicPr>
-        <p:blipFill>
-          <a:blip r:embed="rId6">
-            <a:extLst>
-              <a:ext uri="{96DAC541-7B7A-43D3-8B79-37D633B846F1}">
-                <asvg:svgBlip xmlns:asvg="http://schemas.microsoft.com/office/drawing/2016/SVG/main" r:embed="rId7"/>
-              </a:ext>
-            </a:extLst>
-          </a:blip>
-          <a:stretch>
-            <a:fillRect/>
-          </a:stretch>
-        </p:blipFill>
-        <p:spPr>
-          <a:xfrm>
-            <a:off x="4921332" y="1080852"/>
-            <a:ext cx="7713816" cy="7713816"/>
-          </a:xfrm>
-          <a:prstGeom prst="rect">
-            <a:avLst/>
-          </a:prstGeom>
-        </p:spPr>
-      </p:pic>
-      <p:pic>
-        <p:nvPicPr>
-          <p:cNvPr id="5" name="Object 4" descr="preencoded.png"/>
-          <p:cNvPicPr>
-            <a:picLocks noChangeAspect="1"/>
-          </p:cNvPicPr>
-          <p:nvPr/>
-        </p:nvPicPr>
-        <p:blipFill>
-          <a:blip r:embed="rId8">
-            <a:extLst>
-              <a:ext uri="{96DAC541-7B7A-43D3-8B79-37D633B846F1}">
-                <asvg:svgBlip xmlns:asvg="http://schemas.microsoft.com/office/drawing/2016/SVG/main" r:embed="rId9"/>
-              </a:ext>
-            </a:extLst>
-          </a:blip>
-          <a:stretch>
-            <a:fillRect/>
-          </a:stretch>
-        </p:blipFill>
-        <p:spPr>
-          <a:xfrm>
-            <a:off x="-2624687" y="2313073"/>
-            <a:ext cx="5249374" cy="5249374"/>
-          </a:xfrm>
-          <a:prstGeom prst="rect">
-            <a:avLst/>
-          </a:prstGeom>
-        </p:spPr>
-      </p:pic>
-      <p:pic>
-        <p:nvPicPr>
-          <p:cNvPr id="6" name="Object 5" descr="preencoded.png"/>
-          <p:cNvPicPr>
-            <a:picLocks noChangeAspect="1"/>
-          </p:cNvPicPr>
-          <p:nvPr/>
-        </p:nvPicPr>
-        <p:blipFill>
-          <a:blip r:embed="rId10">
-            <a:extLst>
-              <a:ext uri="{96DAC541-7B7A-43D3-8B79-37D633B846F1}">
-                <asvg:svgBlip xmlns:asvg="http://schemas.microsoft.com/office/drawing/2016/SVG/main" r:embed="rId11"/>
-              </a:ext>
-            </a:extLst>
-          </a:blip>
-          <a:stretch>
-            <a:fillRect/>
-          </a:stretch>
-        </p:blipFill>
-        <p:spPr>
-          <a:xfrm>
-            <a:off x="-2002875" y="2934885"/>
-            <a:ext cx="4005749" cy="4005749"/>
-          </a:xfrm>
-          <a:prstGeom prst="rect">
-            <a:avLst/>
-          </a:prstGeom>
-        </p:spPr>
-      </p:pic>
-      <p:pic>
-        <p:nvPicPr>
-          <p:cNvPr id="7" name="Object 6" descr="preencoded.png"/>
-          <p:cNvPicPr>
-            <a:picLocks noChangeAspect="1"/>
-          </p:cNvPicPr>
-          <p:nvPr/>
-        </p:nvPicPr>
-        <p:blipFill>
-          <a:blip r:embed="rId12">
-            <a:extLst>
-              <a:ext uri="{96DAC541-7B7A-43D3-8B79-37D633B846F1}">
-                <asvg:svgBlip xmlns:asvg="http://schemas.microsoft.com/office/drawing/2016/SVG/main" r:embed="rId13"/>
-              </a:ext>
-            </a:extLst>
-          </a:blip>
-          <a:stretch>
-            <a:fillRect/>
-          </a:stretch>
-        </p:blipFill>
-        <p:spPr>
-          <a:xfrm>
-            <a:off x="-2297125" y="2640635"/>
-            <a:ext cx="4594250" cy="4594250"/>
-          </a:xfrm>
-          <a:prstGeom prst="rect">
-            <a:avLst/>
-          </a:prstGeom>
-        </p:spPr>
-      </p:pic>
-      <p:pic>
-        <p:nvPicPr>
-          <p:cNvPr id="8" name="Object 7" descr="preencoded.png"/>
-          <p:cNvPicPr>
-            <a:picLocks noChangeAspect="1"/>
-          </p:cNvPicPr>
-          <p:nvPr/>
-        </p:nvPicPr>
-        <p:blipFill>
-          <a:blip r:embed="rId8">
-            <a:extLst>
-              <a:ext uri="{96DAC541-7B7A-43D3-8B79-37D633B846F1}">
-                <asvg:svgBlip xmlns:asvg="http://schemas.microsoft.com/office/drawing/2016/SVG/main" r:embed="rId9"/>
-              </a:ext>
-            </a:extLst>
-          </a:blip>
-          <a:stretch>
-            <a:fillRect/>
-          </a:stretch>
-        </p:blipFill>
-        <p:spPr>
-          <a:xfrm>
-            <a:off x="14931793" y="2313073"/>
-            <a:ext cx="5249374" cy="5249374"/>
-          </a:xfrm>
-          <a:prstGeom prst="rect">
-            <a:avLst/>
-          </a:prstGeom>
-        </p:spPr>
-      </p:pic>
-      <p:pic>
-        <p:nvPicPr>
-          <p:cNvPr id="9" name="Object 8" descr="preencoded.png"/>
-          <p:cNvPicPr>
-            <a:picLocks noChangeAspect="1"/>
-          </p:cNvPicPr>
-          <p:nvPr/>
-        </p:nvPicPr>
-        <p:blipFill>
-          <a:blip r:embed="rId10">
-            <a:extLst>
-              <a:ext uri="{96DAC541-7B7A-43D3-8B79-37D633B846F1}">
-                <asvg:svgBlip xmlns:asvg="http://schemas.microsoft.com/office/drawing/2016/SVG/main" r:embed="rId11"/>
-              </a:ext>
-            </a:extLst>
-          </a:blip>
-          <a:stretch>
-            <a:fillRect/>
-          </a:stretch>
-        </p:blipFill>
-        <p:spPr>
-          <a:xfrm>
-            <a:off x="15553605" y="2934885"/>
-            <a:ext cx="4005749" cy="4005749"/>
-          </a:xfrm>
-          <a:prstGeom prst="rect">
-            <a:avLst/>
-          </a:prstGeom>
-        </p:spPr>
-      </p:pic>
-      <p:pic>
-        <p:nvPicPr>
-          <p:cNvPr id="10" name="Object 9" descr="preencoded.png"/>
-          <p:cNvPicPr>
-            <a:picLocks noChangeAspect="1"/>
-          </p:cNvPicPr>
-          <p:nvPr/>
-        </p:nvPicPr>
-        <p:blipFill>
-          <a:blip r:embed="rId12">
-            <a:extLst>
-              <a:ext uri="{96DAC541-7B7A-43D3-8B79-37D633B846F1}">
-                <asvg:svgBlip xmlns:asvg="http://schemas.microsoft.com/office/drawing/2016/SVG/main" r:embed="rId13"/>
-              </a:ext>
-            </a:extLst>
-          </a:blip>
-          <a:stretch>
-            <a:fillRect/>
-          </a:stretch>
-        </p:blipFill>
-        <p:spPr>
-          <a:xfrm>
-            <a:off x="15259355" y="2640635"/>
-            <a:ext cx="4594250" cy="4594250"/>
-          </a:xfrm>
-          <a:prstGeom prst="rect">
-            <a:avLst/>
-          </a:prstGeom>
-        </p:spPr>
-      </p:pic>
-      <p:sp>
-        <p:nvSpPr>
-          <p:cNvPr id="11" name="Object10"/>
-          <p:cNvSpPr/>
-          <p:nvPr/>
-        </p:nvSpPr>
-        <p:spPr>
-          <a:xfrm>
-            <a:off x="5917876" y="4654635"/>
-            <a:ext cx="5720729" cy="2286000"/>
-          </a:xfrm>
-          <a:prstGeom prst="rect">
-            <a:avLst/>
-          </a:prstGeom>
-          <a:noFill/>
-        </p:spPr>
-        <p:txBody>
-          <a:bodyPr wrap="square" rtlCol="0" anchor="ctr"/>
-          <a:lstStyle/>
-          <a:p>
-            <a:pPr algn="ctr"/>
-            <a:r>
-              <a:rPr lang="zh-CN" altLang="en-US" sz="8000" b="1" dirty="0">
-                <a:solidFill>
-                  <a:srgbClr val="3B4761"/>
-                </a:solidFill>
-                <a:latin typeface="方正粗黑宋简体" panose="02000000000000000000" charset="-122"/>
-                <a:ea typeface="方正粗黑宋简体" panose="02000000000000000000" charset="-122"/>
-              </a:rPr>
-              <a:t>项目介绍</a:t>
-            </a:r>
-            <a:endParaRPr lang="zh-CN" altLang="en-US" sz="8000" b="1" dirty="0">
-              <a:solidFill>
-                <a:srgbClr val="3B4761"/>
-              </a:solidFill>
-              <a:latin typeface="方正粗黑宋简体" panose="02000000000000000000" charset="-122"/>
-              <a:ea typeface="方正粗黑宋简体" panose="02000000000000000000" charset="-122"/>
-            </a:endParaRPr>
-          </a:p>
-        </p:txBody>
-      </p:sp>
-      <p:sp>
-        <p:nvSpPr>
-          <p:cNvPr id="12" name="Object11"/>
-          <p:cNvSpPr/>
-          <p:nvPr/>
-        </p:nvSpPr>
-        <p:spPr>
-          <a:xfrm>
-            <a:off x="5917876" y="2713058"/>
-            <a:ext cx="5720729" cy="1737360"/>
-          </a:xfrm>
-          <a:prstGeom prst="rect">
-            <a:avLst/>
-          </a:prstGeom>
-          <a:noFill/>
-        </p:spPr>
-        <p:txBody>
-          <a:bodyPr wrap="square" rtlCol="0" anchor="ctr"/>
-          <a:lstStyle/>
-          <a:p>
-            <a:pPr algn="ctr"/>
-            <a:r>
-              <a:rPr lang="en-US" sz="9000" b="1" dirty="0">
-                <a:solidFill>
-                  <a:schemeClr val="accent1">
-                    <a:lumMod val="60000"/>
-                    <a:lumOff val="40000"/>
-                  </a:schemeClr>
-                </a:solidFill>
-                <a:latin typeface="Noto Sans S Chinese Regular" pitchFamily="34" charset="0"/>
-                <a:ea typeface="Noto Sans S Chinese Regular" pitchFamily="34" charset="-122"/>
-                <a:cs typeface="Noto Sans S Chinese Regular" pitchFamily="34" charset="-120"/>
-              </a:rPr>
-              <a:t>01</a:t>
-            </a:r>
-            <a:endParaRPr lang="en-US" sz="1500" dirty="0">
-              <a:solidFill>
-                <a:schemeClr val="accent1">
-                  <a:lumMod val="60000"/>
-                  <a:lumOff val="40000"/>
-                </a:schemeClr>
-              </a:solidFill>
-            </a:endParaRPr>
-          </a:p>
-        </p:txBody>
-      </p:sp>
-      <p:sp>
-        <p:nvSpPr>
-          <p:cNvPr id="13" name="Object12"/>
-          <p:cNvSpPr/>
-          <p:nvPr/>
-        </p:nvSpPr>
-        <p:spPr>
-          <a:xfrm>
-            <a:off x="7814469" y="4450418"/>
-            <a:ext cx="1927543" cy="0"/>
-          </a:xfrm>
-          <a:custGeom>
-            <a:avLst/>
-            <a:gdLst/>
-            <a:ahLst/>
-            <a:cxnLst/>
-            <a:rect l="l" t="t" r="r" b="b"/>
-            <a:pathLst>
-              <a:path w="1927543">
-                <a:moveTo>
-                  <a:pt x="0" y="0"/>
-                </a:moveTo>
-                <a:lnTo>
-                  <a:pt x="1927543" y="0"/>
-                </a:lnTo>
-              </a:path>
-            </a:pathLst>
-          </a:custGeom>
-          <a:noFill/>
-          <a:ln w="57150">
-            <a:solidFill>
-              <a:srgbClr val="3B4761"/>
-            </a:solidFill>
-            <a:prstDash val="solid"/>
-            <a:headEnd type="none"/>
-            <a:tailEnd type="none"/>
-          </a:ln>
-        </p:spPr>
-      </p:sp>
-    </p:spTree>
-  </p:cSld>
-  <p:clrMapOvr>
-    <a:masterClrMapping/>
-  </p:clrMapOvr>
-</p:sld>
-</file>
-
-<file path=ppt/slides/slide30.xml><?xml version="1.0" encoding="utf-8"?>
+<file path=ppt/slides/slide28.xml><?xml version="1.0" encoding="utf-8"?>
 <p:sld xmlns:a="http://schemas.openxmlformats.org/drawingml/2006/main" xmlns:r="http://schemas.openxmlformats.org/officeDocument/2006/relationships" xmlns:p="http://schemas.openxmlformats.org/presentationml/2006/main">
   <p:cSld>
     <p:spTree>
@@ -26666,7 +25407,7 @@
 </p:sld>
 </file>
 
-<file path=ppt/slides/slide31.xml><?xml version="1.0" encoding="utf-8"?>
+<file path=ppt/slides/slide29.xml><?xml version="1.0" encoding="utf-8"?>
 <p:sld xmlns:a="http://schemas.openxmlformats.org/drawingml/2006/main" xmlns:r="http://schemas.openxmlformats.org/officeDocument/2006/relationships" xmlns:p="http://schemas.openxmlformats.org/presentationml/2006/main">
   <p:cSld>
     <p:bg>
@@ -27709,7 +26450,442 @@
 </p:sld>
 </file>
 
-<file path=ppt/slides/slide32.xml><?xml version="1.0" encoding="utf-8"?>
+<file path=ppt/slides/slide3.xml><?xml version="1.0" encoding="utf-8"?>
+<p:sld xmlns:a="http://schemas.openxmlformats.org/drawingml/2006/main" xmlns:r="http://schemas.openxmlformats.org/officeDocument/2006/relationships" xmlns:p="http://schemas.openxmlformats.org/presentationml/2006/main">
+  <p:cSld>
+    <p:bg>
+      <p:bgPr>
+        <a:blipFill dpi="0" rotWithShape="1">
+          <a:blip r:embed="rId1">
+            <a:lum/>
+          </a:blip>
+          <a:srcRect/>
+          <a:stretch>
+            <a:fillRect/>
+          </a:stretch>
+        </a:blipFill>
+        <a:effectLst/>
+      </p:bgPr>
+    </p:bg>
+    <p:spTree>
+      <p:nvGrpSpPr>
+        <p:cNvPr id="1" name=""/>
+        <p:cNvGrpSpPr/>
+        <p:nvPr/>
+      </p:nvGrpSpPr>
+      <p:grpSpPr>
+        <a:xfrm>
+          <a:off x="0" y="0"/>
+          <a:ext cx="0" cy="0"/>
+          <a:chOff x="0" y="0"/>
+          <a:chExt cx="0" cy="0"/>
+        </a:xfrm>
+      </p:grpSpPr>
+      <p:pic>
+        <p:nvPicPr>
+          <p:cNvPr id="2" name="Object 1" descr="preencoded.png"/>
+          <p:cNvPicPr>
+            <a:picLocks noChangeAspect="1"/>
+          </p:cNvPicPr>
+          <p:nvPr/>
+        </p:nvPicPr>
+        <p:blipFill>
+          <a:blip r:embed="rId2">
+            <a:extLst>
+              <a:ext uri="{96DAC541-7B7A-43D3-8B79-37D633B846F1}">
+                <asvg:svgBlip xmlns:asvg="http://schemas.microsoft.com/office/drawing/2016/SVG/main" r:embed="rId3"/>
+              </a:ext>
+            </a:extLst>
+          </a:blip>
+          <a:stretch>
+            <a:fillRect/>
+          </a:stretch>
+        </p:blipFill>
+        <p:spPr>
+          <a:xfrm>
+            <a:off x="4371351" y="530871"/>
+            <a:ext cx="8813778" cy="8813778"/>
+          </a:xfrm>
+          <a:prstGeom prst="rect">
+            <a:avLst/>
+          </a:prstGeom>
+        </p:spPr>
+      </p:pic>
+      <p:pic>
+        <p:nvPicPr>
+          <p:cNvPr id="3" name="Object 2" descr="preencoded.png"/>
+          <p:cNvPicPr>
+            <a:picLocks noChangeAspect="1"/>
+          </p:cNvPicPr>
+          <p:nvPr/>
+        </p:nvPicPr>
+        <p:blipFill>
+          <a:blip r:embed="rId4">
+            <a:extLst>
+              <a:ext uri="{96DAC541-7B7A-43D3-8B79-37D633B846F1}">
+                <asvg:svgBlip xmlns:asvg="http://schemas.microsoft.com/office/drawing/2016/SVG/main" r:embed="rId5"/>
+              </a:ext>
+            </a:extLst>
+          </a:blip>
+          <a:stretch>
+            <a:fillRect/>
+          </a:stretch>
+        </p:blipFill>
+        <p:spPr>
+          <a:xfrm>
+            <a:off x="5415383" y="1574903"/>
+            <a:ext cx="6725714" cy="6725714"/>
+          </a:xfrm>
+          <a:prstGeom prst="rect">
+            <a:avLst/>
+          </a:prstGeom>
+        </p:spPr>
+      </p:pic>
+      <p:pic>
+        <p:nvPicPr>
+          <p:cNvPr id="4" name="Object 3" descr="preencoded.png"/>
+          <p:cNvPicPr>
+            <a:picLocks noChangeAspect="1"/>
+          </p:cNvPicPr>
+          <p:nvPr/>
+        </p:nvPicPr>
+        <p:blipFill>
+          <a:blip r:embed="rId6">
+            <a:extLst>
+              <a:ext uri="{96DAC541-7B7A-43D3-8B79-37D633B846F1}">
+                <asvg:svgBlip xmlns:asvg="http://schemas.microsoft.com/office/drawing/2016/SVG/main" r:embed="rId7"/>
+              </a:ext>
+            </a:extLst>
+          </a:blip>
+          <a:stretch>
+            <a:fillRect/>
+          </a:stretch>
+        </p:blipFill>
+        <p:spPr>
+          <a:xfrm>
+            <a:off x="4921332" y="1080852"/>
+            <a:ext cx="7713816" cy="7713816"/>
+          </a:xfrm>
+          <a:prstGeom prst="rect">
+            <a:avLst/>
+          </a:prstGeom>
+        </p:spPr>
+      </p:pic>
+      <p:pic>
+        <p:nvPicPr>
+          <p:cNvPr id="5" name="Object 4" descr="preencoded.png"/>
+          <p:cNvPicPr>
+            <a:picLocks noChangeAspect="1"/>
+          </p:cNvPicPr>
+          <p:nvPr/>
+        </p:nvPicPr>
+        <p:blipFill>
+          <a:blip r:embed="rId8">
+            <a:extLst>
+              <a:ext uri="{96DAC541-7B7A-43D3-8B79-37D633B846F1}">
+                <asvg:svgBlip xmlns:asvg="http://schemas.microsoft.com/office/drawing/2016/SVG/main" r:embed="rId9"/>
+              </a:ext>
+            </a:extLst>
+          </a:blip>
+          <a:stretch>
+            <a:fillRect/>
+          </a:stretch>
+        </p:blipFill>
+        <p:spPr>
+          <a:xfrm>
+            <a:off x="-2624687" y="2313073"/>
+            <a:ext cx="5249374" cy="5249374"/>
+          </a:xfrm>
+          <a:prstGeom prst="rect">
+            <a:avLst/>
+          </a:prstGeom>
+        </p:spPr>
+      </p:pic>
+      <p:pic>
+        <p:nvPicPr>
+          <p:cNvPr id="6" name="Object 5" descr="preencoded.png"/>
+          <p:cNvPicPr>
+            <a:picLocks noChangeAspect="1"/>
+          </p:cNvPicPr>
+          <p:nvPr/>
+        </p:nvPicPr>
+        <p:blipFill>
+          <a:blip r:embed="rId10">
+            <a:extLst>
+              <a:ext uri="{96DAC541-7B7A-43D3-8B79-37D633B846F1}">
+                <asvg:svgBlip xmlns:asvg="http://schemas.microsoft.com/office/drawing/2016/SVG/main" r:embed="rId11"/>
+              </a:ext>
+            </a:extLst>
+          </a:blip>
+          <a:stretch>
+            <a:fillRect/>
+          </a:stretch>
+        </p:blipFill>
+        <p:spPr>
+          <a:xfrm>
+            <a:off x="-2002875" y="2934885"/>
+            <a:ext cx="4005749" cy="4005749"/>
+          </a:xfrm>
+          <a:prstGeom prst="rect">
+            <a:avLst/>
+          </a:prstGeom>
+        </p:spPr>
+      </p:pic>
+      <p:pic>
+        <p:nvPicPr>
+          <p:cNvPr id="7" name="Object 6" descr="preencoded.png"/>
+          <p:cNvPicPr>
+            <a:picLocks noChangeAspect="1"/>
+          </p:cNvPicPr>
+          <p:nvPr/>
+        </p:nvPicPr>
+        <p:blipFill>
+          <a:blip r:embed="rId12">
+            <a:extLst>
+              <a:ext uri="{96DAC541-7B7A-43D3-8B79-37D633B846F1}">
+                <asvg:svgBlip xmlns:asvg="http://schemas.microsoft.com/office/drawing/2016/SVG/main" r:embed="rId13"/>
+              </a:ext>
+            </a:extLst>
+          </a:blip>
+          <a:stretch>
+            <a:fillRect/>
+          </a:stretch>
+        </p:blipFill>
+        <p:spPr>
+          <a:xfrm>
+            <a:off x="-2297125" y="2640635"/>
+            <a:ext cx="4594250" cy="4594250"/>
+          </a:xfrm>
+          <a:prstGeom prst="rect">
+            <a:avLst/>
+          </a:prstGeom>
+        </p:spPr>
+      </p:pic>
+      <p:pic>
+        <p:nvPicPr>
+          <p:cNvPr id="8" name="Object 7" descr="preencoded.png"/>
+          <p:cNvPicPr>
+            <a:picLocks noChangeAspect="1"/>
+          </p:cNvPicPr>
+          <p:nvPr/>
+        </p:nvPicPr>
+        <p:blipFill>
+          <a:blip r:embed="rId8">
+            <a:extLst>
+              <a:ext uri="{96DAC541-7B7A-43D3-8B79-37D633B846F1}">
+                <asvg:svgBlip xmlns:asvg="http://schemas.microsoft.com/office/drawing/2016/SVG/main" r:embed="rId9"/>
+              </a:ext>
+            </a:extLst>
+          </a:blip>
+          <a:stretch>
+            <a:fillRect/>
+          </a:stretch>
+        </p:blipFill>
+        <p:spPr>
+          <a:xfrm>
+            <a:off x="14931793" y="2313073"/>
+            <a:ext cx="5249374" cy="5249374"/>
+          </a:xfrm>
+          <a:prstGeom prst="rect">
+            <a:avLst/>
+          </a:prstGeom>
+        </p:spPr>
+      </p:pic>
+      <p:pic>
+        <p:nvPicPr>
+          <p:cNvPr id="9" name="Object 8" descr="preencoded.png"/>
+          <p:cNvPicPr>
+            <a:picLocks noChangeAspect="1"/>
+          </p:cNvPicPr>
+          <p:nvPr/>
+        </p:nvPicPr>
+        <p:blipFill>
+          <a:blip r:embed="rId10">
+            <a:extLst>
+              <a:ext uri="{96DAC541-7B7A-43D3-8B79-37D633B846F1}">
+                <asvg:svgBlip xmlns:asvg="http://schemas.microsoft.com/office/drawing/2016/SVG/main" r:embed="rId11"/>
+              </a:ext>
+            </a:extLst>
+          </a:blip>
+          <a:stretch>
+            <a:fillRect/>
+          </a:stretch>
+        </p:blipFill>
+        <p:spPr>
+          <a:xfrm>
+            <a:off x="15553605" y="2934885"/>
+            <a:ext cx="4005749" cy="4005749"/>
+          </a:xfrm>
+          <a:prstGeom prst="rect">
+            <a:avLst/>
+          </a:prstGeom>
+        </p:spPr>
+      </p:pic>
+      <p:pic>
+        <p:nvPicPr>
+          <p:cNvPr id="10" name="Object 9" descr="preencoded.png"/>
+          <p:cNvPicPr>
+            <a:picLocks noChangeAspect="1"/>
+          </p:cNvPicPr>
+          <p:nvPr/>
+        </p:nvPicPr>
+        <p:blipFill>
+          <a:blip r:embed="rId12">
+            <a:extLst>
+              <a:ext uri="{96DAC541-7B7A-43D3-8B79-37D633B846F1}">
+                <asvg:svgBlip xmlns:asvg="http://schemas.microsoft.com/office/drawing/2016/SVG/main" r:embed="rId13"/>
+              </a:ext>
+            </a:extLst>
+          </a:blip>
+          <a:stretch>
+            <a:fillRect/>
+          </a:stretch>
+        </p:blipFill>
+        <p:spPr>
+          <a:xfrm>
+            <a:off x="15259355" y="2640635"/>
+            <a:ext cx="4594250" cy="4594250"/>
+          </a:xfrm>
+          <a:prstGeom prst="rect">
+            <a:avLst/>
+          </a:prstGeom>
+        </p:spPr>
+      </p:pic>
+      <p:sp>
+        <p:nvSpPr>
+          <p:cNvPr id="11" name="Object10"/>
+          <p:cNvSpPr/>
+          <p:nvPr/>
+        </p:nvSpPr>
+        <p:spPr>
+          <a:xfrm>
+            <a:off x="5917876" y="4654635"/>
+            <a:ext cx="5720729" cy="2286000"/>
+          </a:xfrm>
+          <a:prstGeom prst="rect">
+            <a:avLst/>
+          </a:prstGeom>
+          <a:noFill/>
+        </p:spPr>
+        <p:txBody>
+          <a:bodyPr wrap="square" rtlCol="0" anchor="ctr"/>
+          <a:lstStyle/>
+          <a:p>
+            <a:pPr algn="ctr"/>
+            <a:r>
+              <a:rPr lang="zh-CN" altLang="en-US" sz="8000" b="1" dirty="0">
+                <a:solidFill>
+                  <a:srgbClr val="3B4761"/>
+                </a:solidFill>
+                <a:latin typeface="方正粗黑宋简体" panose="02000000000000000000" charset="-122"/>
+                <a:ea typeface="方正粗黑宋简体" panose="02000000000000000000" charset="-122"/>
+              </a:rPr>
+              <a:t>项目介绍</a:t>
+            </a:r>
+            <a:endParaRPr lang="zh-CN" altLang="en-US" sz="8000" b="1" dirty="0">
+              <a:solidFill>
+                <a:srgbClr val="3B4761"/>
+              </a:solidFill>
+              <a:latin typeface="方正粗黑宋简体" panose="02000000000000000000" charset="-122"/>
+              <a:ea typeface="方正粗黑宋简体" panose="02000000000000000000" charset="-122"/>
+            </a:endParaRPr>
+          </a:p>
+        </p:txBody>
+      </p:sp>
+      <p:sp>
+        <p:nvSpPr>
+          <p:cNvPr id="12" name="Object11"/>
+          <p:cNvSpPr/>
+          <p:nvPr/>
+        </p:nvSpPr>
+        <p:spPr>
+          <a:xfrm>
+            <a:off x="5917876" y="2713058"/>
+            <a:ext cx="5720729" cy="1737360"/>
+          </a:xfrm>
+          <a:prstGeom prst="rect">
+            <a:avLst/>
+          </a:prstGeom>
+          <a:noFill/>
+        </p:spPr>
+        <p:txBody>
+          <a:bodyPr wrap="square" rtlCol="0" anchor="ctr"/>
+          <a:lstStyle/>
+          <a:p>
+            <a:pPr algn="ctr"/>
+            <a:r>
+              <a:rPr lang="en-US" sz="9000" b="1" dirty="0">
+                <a:solidFill>
+                  <a:schemeClr val="accent1">
+                    <a:lumMod val="60000"/>
+                    <a:lumOff val="40000"/>
+                  </a:schemeClr>
+                </a:solidFill>
+                <a:latin typeface="Noto Sans S Chinese Regular" pitchFamily="34" charset="0"/>
+                <a:ea typeface="Noto Sans S Chinese Regular" pitchFamily="34" charset="-122"/>
+                <a:cs typeface="Noto Sans S Chinese Regular" pitchFamily="34" charset="-120"/>
+              </a:rPr>
+              <a:t>01</a:t>
+            </a:r>
+            <a:endParaRPr lang="en-US" sz="1500" dirty="0">
+              <a:solidFill>
+                <a:schemeClr val="accent1">
+                  <a:lumMod val="60000"/>
+                  <a:lumOff val="40000"/>
+                </a:schemeClr>
+              </a:solidFill>
+            </a:endParaRPr>
+          </a:p>
+        </p:txBody>
+      </p:sp>
+      <p:sp>
+        <p:nvSpPr>
+          <p:cNvPr id="13" name="Object12"/>
+          <p:cNvSpPr/>
+          <p:nvPr/>
+        </p:nvSpPr>
+        <p:spPr>
+          <a:xfrm>
+            <a:off x="7814469" y="4450418"/>
+            <a:ext cx="1927543" cy="0"/>
+          </a:xfrm>
+          <a:custGeom>
+            <a:avLst/>
+            <a:gdLst/>
+            <a:ahLst/>
+            <a:cxnLst/>
+            <a:rect l="l" t="t" r="r" b="b"/>
+            <a:pathLst>
+              <a:path w="1927543">
+                <a:moveTo>
+                  <a:pt x="0" y="0"/>
+                </a:moveTo>
+                <a:lnTo>
+                  <a:pt x="1927543" y="0"/>
+                </a:lnTo>
+              </a:path>
+            </a:pathLst>
+          </a:custGeom>
+          <a:noFill/>
+          <a:ln w="57150">
+            <a:solidFill>
+              <a:srgbClr val="3B4761"/>
+            </a:solidFill>
+            <a:prstDash val="solid"/>
+            <a:headEnd type="none"/>
+            <a:tailEnd type="none"/>
+          </a:ln>
+        </p:spPr>
+      </p:sp>
+    </p:spTree>
+  </p:cSld>
+  <p:clrMapOvr>
+    <a:masterClrMapping/>
+  </p:clrMapOvr>
+</p:sld>
+</file>
+
+<file path=ppt/slides/slide30.xml><?xml version="1.0" encoding="utf-8"?>
 <p:sld xmlns:a="http://schemas.openxmlformats.org/drawingml/2006/main" xmlns:r="http://schemas.openxmlformats.org/officeDocument/2006/relationships" xmlns:p="http://schemas.openxmlformats.org/presentationml/2006/main">
   <p:cSld>
     <p:bg>
@@ -29334,7 +28510,7 @@
 </p:sld>
 </file>
 
-<file path=ppt/slides/slide33.xml><?xml version="1.0" encoding="utf-8"?>
+<file path=ppt/slides/slide31.xml><?xml version="1.0" encoding="utf-8"?>
 <p:sld xmlns:a="http://schemas.openxmlformats.org/drawingml/2006/main" xmlns:r="http://schemas.openxmlformats.org/officeDocument/2006/relationships" xmlns:p="http://schemas.openxmlformats.org/presentationml/2006/main">
   <p:cSld>
     <p:bg>
@@ -29687,9 +28863,6 @@
           <a:p>
             <a:r>
               <a:rPr lang="zh-CN" altLang="en-US" sz="3200" b="1" dirty="0">
-                <a:solidFill>
-                  <a:srgbClr val="7F7F7F"/>
-                </a:solidFill>
                 <a:latin typeface="微软雅黑" panose="020B0503020204020204" pitchFamily="34" charset="-122"/>
                 <a:ea typeface="微软雅黑" panose="020B0503020204020204" pitchFamily="34" charset="-122"/>
                 <a:cs typeface="微软雅黑" panose="020B0503020204020204" pitchFamily="34" charset="-122"/>
@@ -29716,7 +28889,15 @@
                 <a:ea typeface="微软雅黑" panose="020B0503020204020204" pitchFamily="34" charset="-122"/>
                 <a:cs typeface="微软雅黑" panose="020B0503020204020204" pitchFamily="34" charset="-122"/>
               </a:rPr>
-              <a:t>，并配备有</a:t>
+              <a:t>，</a:t>
+            </a:r>
+            <a:r>
+              <a:rPr lang="zh-CN" altLang="en-US" sz="3200" b="1" dirty="0">
+                <a:latin typeface="微软雅黑" panose="020B0503020204020204" pitchFamily="34" charset="-122"/>
+                <a:ea typeface="微软雅黑" panose="020B0503020204020204" pitchFamily="34" charset="-122"/>
+                <a:cs typeface="微软雅黑" panose="020B0503020204020204" pitchFamily="34" charset="-122"/>
+              </a:rPr>
+              <a:t>并配备有</a:t>
             </a:r>
             <a:r>
               <a:rPr lang="zh-CN" altLang="en-US" sz="3200" b="1" dirty="0">
@@ -29738,12 +28919,17 @@
                 <a:ea typeface="微软雅黑" panose="020B0503020204020204" pitchFamily="34" charset="-122"/>
                 <a:cs typeface="微软雅黑" panose="020B0503020204020204" pitchFamily="34" charset="-122"/>
               </a:rPr>
-              <a:t>，可保证软件的正常使用。</a:t>
+              <a:t>，</a:t>
+            </a:r>
+            <a:r>
+              <a:rPr lang="zh-CN" altLang="en-US" sz="3200" b="1" dirty="0">
+                <a:latin typeface="微软雅黑" panose="020B0503020204020204" pitchFamily="34" charset="-122"/>
+                <a:ea typeface="微软雅黑" panose="020B0503020204020204" pitchFamily="34" charset="-122"/>
+                <a:cs typeface="微软雅黑" panose="020B0503020204020204" pitchFamily="34" charset="-122"/>
+              </a:rPr>
+              <a:t>可保证软件的正常使用。</a:t>
             </a:r>
             <a:endParaRPr lang="zh-CN" altLang="en-US" sz="3200" b="1" dirty="0">
-              <a:solidFill>
-                <a:srgbClr val="7F7F7F"/>
-              </a:solidFill>
               <a:latin typeface="微软雅黑" panose="020B0503020204020204" pitchFamily="34" charset="-122"/>
               <a:ea typeface="微软雅黑" panose="020B0503020204020204" pitchFamily="34" charset="-122"/>
               <a:cs typeface="微软雅黑" panose="020B0503020204020204" pitchFamily="34" charset="-122"/>
@@ -29816,7 +29002,7 @@
             <a:r>
               <a:rPr lang="zh-CN" altLang="en-US" sz="3200" b="1" dirty="0">
                 <a:solidFill>
-                  <a:srgbClr val="7F7F7F"/>
+                  <a:schemeClr val="tx1"/>
                 </a:solidFill>
                 <a:latin typeface="微软雅黑" panose="020B0503020204020204" pitchFamily="34" charset="-122"/>
                 <a:ea typeface="微软雅黑" panose="020B0503020204020204" pitchFamily="34" charset="-122"/>
@@ -29859,9 +29045,6 @@
             </a:r>
             <a:r>
               <a:rPr lang="zh-CN" altLang="en-US" sz="3200" b="1" dirty="0">
-                <a:solidFill>
-                  <a:srgbClr val="7F7F7F"/>
-                </a:solidFill>
                 <a:latin typeface="微软雅黑" panose="020B0503020204020204" pitchFamily="34" charset="-122"/>
                 <a:ea typeface="微软雅黑" panose="020B0503020204020204" pitchFamily="34" charset="-122"/>
                 <a:cs typeface="微软雅黑" panose="020B0503020204020204" pitchFamily="34" charset="-122"/>
@@ -29869,9 +29052,6 @@
               <a:t>来存储、管理用户评论信息等数据对象；</a:t>
             </a:r>
             <a:endParaRPr lang="zh-CN" altLang="en-US" sz="3200" b="1" dirty="0">
-              <a:solidFill>
-                <a:srgbClr val="7F7F7F"/>
-              </a:solidFill>
               <a:latin typeface="微软雅黑" panose="020B0503020204020204" pitchFamily="34" charset="-122"/>
               <a:ea typeface="微软雅黑" panose="020B0503020204020204" pitchFamily="34" charset="-122"/>
               <a:cs typeface="微软雅黑" panose="020B0503020204020204" pitchFamily="34" charset="-122"/>
@@ -29881,9 +29061,6 @@
             <a:pPr algn="just"/>
             <a:r>
               <a:rPr lang="zh-CN" altLang="en-US" sz="3200" b="1" dirty="0">
-                <a:solidFill>
-                  <a:srgbClr val="7F7F7F"/>
-                </a:solidFill>
                 <a:latin typeface="微软雅黑" panose="020B0503020204020204" pitchFamily="34" charset="-122"/>
                 <a:ea typeface="微软雅黑" panose="020B0503020204020204" pitchFamily="34" charset="-122"/>
                 <a:cs typeface="微软雅黑" panose="020B0503020204020204" pitchFamily="34" charset="-122"/>
@@ -29914,9 +29091,6 @@
             </a:r>
             <a:r>
               <a:rPr lang="zh-CN" altLang="en-US" sz="3200" b="1" dirty="0">
-                <a:solidFill>
-                  <a:srgbClr val="7F7F7F"/>
-                </a:solidFill>
                 <a:latin typeface="微软雅黑" panose="020B0503020204020204" pitchFamily="34" charset="-122"/>
                 <a:ea typeface="微软雅黑" panose="020B0503020204020204" pitchFamily="34" charset="-122"/>
                 <a:cs typeface="微软雅黑" panose="020B0503020204020204" pitchFamily="34" charset="-122"/>
@@ -29924,9 +29098,6 @@
               <a:t>来完成用户评论数据属性抽取、属性级情感分析及观点聚类等情感分析功能；</a:t>
             </a:r>
             <a:endParaRPr lang="zh-CN" altLang="en-US" sz="3200" b="1" dirty="0">
-              <a:solidFill>
-                <a:srgbClr val="7F7F7F"/>
-              </a:solidFill>
               <a:latin typeface="微软雅黑" panose="020B0503020204020204" pitchFamily="34" charset="-122"/>
               <a:ea typeface="微软雅黑" panose="020B0503020204020204" pitchFamily="34" charset="-122"/>
               <a:cs typeface="微软雅黑" panose="020B0503020204020204" pitchFamily="34" charset="-122"/>
@@ -29936,9 +29107,6 @@
             <a:pPr algn="just"/>
             <a:r>
               <a:rPr lang="zh-CN" altLang="en-US" sz="3200" b="1" dirty="0">
-                <a:solidFill>
-                  <a:srgbClr val="7F7F7F"/>
-                </a:solidFill>
                 <a:latin typeface="微软雅黑" panose="020B0503020204020204" pitchFamily="34" charset="-122"/>
                 <a:ea typeface="微软雅黑" panose="020B0503020204020204" pitchFamily="34" charset="-122"/>
                 <a:cs typeface="微软雅黑" panose="020B0503020204020204" pitchFamily="34" charset="-122"/>
@@ -29958,9 +29126,6 @@
             </a:r>
             <a:r>
               <a:rPr lang="zh-CN" altLang="en-US" sz="3200" b="1" dirty="0">
-                <a:solidFill>
-                  <a:srgbClr val="7F7F7F"/>
-                </a:solidFill>
                 <a:latin typeface="微软雅黑" panose="020B0503020204020204" pitchFamily="34" charset="-122"/>
                 <a:ea typeface="微软雅黑" panose="020B0503020204020204" pitchFamily="34" charset="-122"/>
                 <a:cs typeface="微软雅黑" panose="020B0503020204020204" pitchFamily="34" charset="-122"/>
@@ -29968,9 +29133,6 @@
               <a:t>定制可视化前端界面。</a:t>
             </a:r>
             <a:endParaRPr lang="zh-CN" altLang="en-US" sz="3200" b="1" dirty="0">
-              <a:solidFill>
-                <a:srgbClr val="7F7F7F"/>
-              </a:solidFill>
               <a:latin typeface="微软雅黑" panose="020B0503020204020204" pitchFamily="34" charset="-122"/>
               <a:ea typeface="微软雅黑" panose="020B0503020204020204" pitchFamily="34" charset="-122"/>
               <a:cs typeface="微软雅黑" panose="020B0503020204020204" pitchFamily="34" charset="-122"/>
@@ -30122,7 +29284,7 @@
 </p:sld>
 </file>
 
-<file path=ppt/slides/slide34.xml><?xml version="1.0" encoding="utf-8"?>
+<file path=ppt/slides/slide32.xml><?xml version="1.0" encoding="utf-8"?>
 <p:sld xmlns:a="http://schemas.openxmlformats.org/drawingml/2006/main" xmlns:r="http://schemas.openxmlformats.org/officeDocument/2006/relationships" xmlns:p="http://schemas.openxmlformats.org/presentationml/2006/main">
   <p:cSld>
     <p:bg>
@@ -31534,7 +30696,7 @@
                 <a:cs typeface="微软雅黑" panose="020B0503020204020204" pitchFamily="34" charset="-122"/>
                 <a:sym typeface="+mn-ea"/>
               </a:rPr>
-              <a:t>某一产品或服务进行多个属性的评论</a:t>
+              <a:t>某一产品进行多个属性的评论</a:t>
             </a:r>
             <a:r>
               <a:rPr lang="zh-CN" altLang="en-US" sz="4000" dirty="0">
@@ -31564,7 +30726,16 @@
                 <a:cs typeface="微软雅黑" panose="020B0503020204020204" pitchFamily="34" charset="-122"/>
                 <a:sym typeface="+mn-ea"/>
               </a:rPr>
-              <a:t>在真实的场景中会更加实用，同时页更能给到企业用户或商家更加具体的建议。</a:t>
+              <a:t>在真实的场景中会更加实用，同时</a:t>
+            </a:r>
+            <a:r>
+              <a:rPr lang="zh-CN" altLang="en-US" sz="4000" dirty="0">
+                <a:latin typeface="微软雅黑" panose="020B0503020204020204" pitchFamily="34" charset="-122"/>
+                <a:ea typeface="微软雅黑" panose="020B0503020204020204" pitchFamily="34" charset="-122"/>
+                <a:cs typeface="微软雅黑" panose="020B0503020204020204" pitchFamily="34" charset="-122"/>
+                <a:sym typeface="+mn-ea"/>
+              </a:rPr>
+              <a:t>也更能给到企业用户或商家更加具体的建议。</a:t>
             </a:r>
             <a:endParaRPr lang="zh-CN" altLang="en-US" sz="4000"/>
           </a:p>
@@ -31885,7 +31056,7 @@
                 <a:ea typeface="微软雅黑" panose="020B0503020204020204" pitchFamily="34" charset="-122"/>
                 <a:cs typeface="微软雅黑" panose="020B0503020204020204" pitchFamily="34" charset="-122"/>
               </a:rPr>
-              <a:t>）存储：可支持个人信息管理；支持评论信息管理；</a:t>
+              <a:t>）存储：支持个人信息管理；支持评论信息管理；</a:t>
             </a:r>
             <a:endParaRPr lang="zh-CN" altLang="en-US" sz="3200" b="1" dirty="0">
               <a:solidFill>
@@ -32003,7 +31174,7 @@
                 <a:ea typeface="微软雅黑" panose="020B0503020204020204" pitchFamily="34" charset="-122"/>
                 <a:cs typeface="微软雅黑" panose="020B0503020204020204" pitchFamily="34" charset="-122"/>
               </a:rPr>
-              <a:t>）可视化：本系统应能设计</a:t>
+              <a:t>）可视化：系统具有</a:t>
             </a:r>
             <a:r>
               <a:rPr lang="zh-CN" altLang="en-US" sz="3200" b="1" dirty="0">
@@ -35021,17 +34192,17 @@
 
 <file path=ppt/tags/tag10.xml><?xml version="1.0" encoding="utf-8"?>
 <p:tagLst xmlns:p="http://schemas.openxmlformats.org/presentationml/2006/main">
-  <p:tag name="KSO_WM_UNIT_TABLE_BEAUTIFY" val="smartTable{d4045565-5f85-4ef3-a2b9-54712ccb8708}"/>
-  <p:tag name="TABLE_ENDDRAG_ORIGIN_RECT" val="509*179"/>
-  <p:tag name="TABLE_ENDDRAG_RECT" val="179*356*509*179"/>
+  <p:tag name="KSO_WM_UNIT_TABLE_BEAUTIFY" val="smartTable{0963a951-c0d1-44fc-aeba-b104ed462ae0}"/>
+  <p:tag name="TABLE_ENDDRAG_ORIGIN_RECT" val="614*226"/>
+  <p:tag name="TABLE_ENDDRAG_RECT" val="631*179*614*226"/>
 </p:tagLst>
 </file>
 
 <file path=ppt/tags/tag11.xml><?xml version="1.0" encoding="utf-8"?>
 <p:tagLst xmlns:p="http://schemas.openxmlformats.org/presentationml/2006/main">
-  <p:tag name="KSO_WM_UNIT_TABLE_BEAUTIFY" val="smartTable{8377fd2e-fea6-4aa0-9e74-0bdb80263026}"/>
-  <p:tag name="TABLE_ENDDRAG_ORIGIN_RECT" val="524*198"/>
-  <p:tag name="TABLE_ENDDRAG_RECT" val="827*357*525*198"/>
+  <p:tag name="KSO_WM_UNIT_TABLE_BEAUTIFY" val="smartTable{6b44787b-01ce-43da-96fd-92394888c16e}"/>
+  <p:tag name="TABLE_ENDDRAG_ORIGIN_RECT" val="960*373"/>
+  <p:tag name="TABLE_ENDDRAG_RECT" val="373*182*960*373"/>
 </p:tagLst>
 </file>
 

--- a/文档/PPT.pptx
+++ b/文档/PPT.pptx
@@ -44,6 +44,9 @@
   </p:sldIdLst>
   <p:sldSz cx="17555845" cy="9875520"/>
   <p:notesSz cx="9875520" cy="17555845"/>
+  <p:custDataLst>
+    <p:tags r:id="rId40"/>
+  </p:custDataLst>
   <p:defaultTextStyle>
     <a:lvl1pPr marL="0" algn="l" defTabSz="914400" rtl="0" eaLnBrk="1" latinLnBrk="0" hangingPunct="1">
       <a:defRPr sz="1800" kern="1200">
@@ -4085,7 +4088,7 @@
                 <a:ea typeface="微软雅黑" panose="020B0503020204020204" pitchFamily="34" charset="-122"/>
                 <a:cs typeface="微软雅黑" panose="020B0503020204020204" pitchFamily="34" charset="-120"/>
               </a:rPr>
-              <a:t>日期：2022.04.24</a:t>
+              <a:t>日期：2022.05.10</a:t>
             </a:r>
             <a:endParaRPr lang="en-US" sz="4000" dirty="0">
               <a:solidFill>
@@ -6779,13 +6782,7 @@
           <p:nvPr/>
         </p:nvPicPr>
         <p:blipFill>
-          <a:blip r:embed="rId1">
-            <a:extLst>
-              <a:ext uri="{96DAC541-7B7A-43D3-8B79-37D633B846F1}">
-                <asvg:svgBlip xmlns:asvg="http://schemas.microsoft.com/office/drawing/2016/SVG/main" r:embed="rId2"/>
-              </a:ext>
-            </a:extLst>
-          </a:blip>
+          <a:blip r:embed="rId1"/>
           <a:stretch>
             <a:fillRect/>
           </a:stretch>
@@ -6809,13 +6806,7 @@
           <p:nvPr/>
         </p:nvPicPr>
         <p:blipFill>
-          <a:blip r:embed="rId3">
-            <a:extLst>
-              <a:ext uri="{96DAC541-7B7A-43D3-8B79-37D633B846F1}">
-                <asvg:svgBlip xmlns:asvg="http://schemas.microsoft.com/office/drawing/2016/SVG/main" r:embed="rId4"/>
-              </a:ext>
-            </a:extLst>
-          </a:blip>
+          <a:blip r:embed="rId2"/>
           <a:stretch>
             <a:fillRect/>
           </a:stretch>
@@ -6839,13 +6830,7 @@
           <p:nvPr/>
         </p:nvPicPr>
         <p:blipFill>
-          <a:blip r:embed="rId5">
-            <a:extLst>
-              <a:ext uri="{96DAC541-7B7A-43D3-8B79-37D633B846F1}">
-                <asvg:svgBlip xmlns:asvg="http://schemas.microsoft.com/office/drawing/2016/SVG/main" r:embed="rId6"/>
-              </a:ext>
-            </a:extLst>
-          </a:blip>
+          <a:blip r:embed="rId3"/>
           <a:stretch>
             <a:fillRect/>
           </a:stretch>
@@ -6869,13 +6854,7 @@
           <p:nvPr/>
         </p:nvPicPr>
         <p:blipFill>
-          <a:blip r:embed="rId7">
-            <a:extLst>
-              <a:ext uri="{96DAC541-7B7A-43D3-8B79-37D633B846F1}">
-                <asvg:svgBlip xmlns:asvg="http://schemas.microsoft.com/office/drawing/2016/SVG/main" r:embed="rId8"/>
-              </a:ext>
-            </a:extLst>
-          </a:blip>
+          <a:blip r:embed="rId4"/>
           <a:stretch>
             <a:fillRect/>
           </a:stretch>
@@ -6899,13 +6878,7 @@
           <p:nvPr/>
         </p:nvPicPr>
         <p:blipFill>
-          <a:blip r:embed="rId9">
-            <a:extLst>
-              <a:ext uri="{96DAC541-7B7A-43D3-8B79-37D633B846F1}">
-                <asvg:svgBlip xmlns:asvg="http://schemas.microsoft.com/office/drawing/2016/SVG/main" r:embed="rId10"/>
-              </a:ext>
-            </a:extLst>
-          </a:blip>
+          <a:blip r:embed="rId5"/>
           <a:stretch>
             <a:fillRect/>
           </a:stretch>
@@ -6929,13 +6902,7 @@
           <p:nvPr/>
         </p:nvPicPr>
         <p:blipFill>
-          <a:blip r:embed="rId11">
-            <a:extLst>
-              <a:ext uri="{96DAC541-7B7A-43D3-8B79-37D633B846F1}">
-                <asvg:svgBlip xmlns:asvg="http://schemas.microsoft.com/office/drawing/2016/SVG/main" r:embed="rId12"/>
-              </a:ext>
-            </a:extLst>
-          </a:blip>
+          <a:blip r:embed="rId6"/>
           <a:stretch>
             <a:fillRect/>
           </a:stretch>
@@ -6959,13 +6926,7 @@
           <p:nvPr/>
         </p:nvPicPr>
         <p:blipFill>
-          <a:blip r:embed="rId7">
-            <a:extLst>
-              <a:ext uri="{96DAC541-7B7A-43D3-8B79-37D633B846F1}">
-                <asvg:svgBlip xmlns:asvg="http://schemas.microsoft.com/office/drawing/2016/SVG/main" r:embed="rId8"/>
-              </a:ext>
-            </a:extLst>
-          </a:blip>
+          <a:blip r:embed="rId4"/>
           <a:stretch>
             <a:fillRect/>
           </a:stretch>
@@ -6989,13 +6950,7 @@
           <p:nvPr/>
         </p:nvPicPr>
         <p:blipFill>
-          <a:blip r:embed="rId9">
-            <a:extLst>
-              <a:ext uri="{96DAC541-7B7A-43D3-8B79-37D633B846F1}">
-                <asvg:svgBlip xmlns:asvg="http://schemas.microsoft.com/office/drawing/2016/SVG/main" r:embed="rId10"/>
-              </a:ext>
-            </a:extLst>
-          </a:blip>
+          <a:blip r:embed="rId5"/>
           <a:stretch>
             <a:fillRect/>
           </a:stretch>
@@ -7019,13 +6974,7 @@
           <p:nvPr/>
         </p:nvPicPr>
         <p:blipFill>
-          <a:blip r:embed="rId11">
-            <a:extLst>
-              <a:ext uri="{96DAC541-7B7A-43D3-8B79-37D633B846F1}">
-                <asvg:svgBlip xmlns:asvg="http://schemas.microsoft.com/office/drawing/2016/SVG/main" r:embed="rId12"/>
-              </a:ext>
-            </a:extLst>
-          </a:blip>
+          <a:blip r:embed="rId6"/>
           <a:stretch>
             <a:fillRect/>
           </a:stretch>
@@ -7216,13 +7165,7 @@
           <p:nvPr/>
         </p:nvPicPr>
         <p:blipFill>
-          <a:blip r:embed="rId1">
-            <a:extLst>
-              <a:ext uri="{96DAC541-7B7A-43D3-8B79-37D633B846F1}">
-                <asvg:svgBlip xmlns:asvg="http://schemas.microsoft.com/office/drawing/2016/SVG/main" r:embed="rId2"/>
-              </a:ext>
-            </a:extLst>
-          </a:blip>
+          <a:blip r:embed="rId1"/>
           <a:stretch>
             <a:fillRect/>
           </a:stretch>
@@ -7246,13 +7189,7 @@
           <p:nvPr/>
         </p:nvPicPr>
         <p:blipFill>
-          <a:blip r:embed="rId3">
-            <a:extLst>
-              <a:ext uri="{96DAC541-7B7A-43D3-8B79-37D633B846F1}">
-                <asvg:svgBlip xmlns:asvg="http://schemas.microsoft.com/office/drawing/2016/SVG/main" r:embed="rId4"/>
-              </a:ext>
-            </a:extLst>
-          </a:blip>
+          <a:blip r:embed="rId2"/>
           <a:stretch>
             <a:fillRect/>
           </a:stretch>
@@ -7276,13 +7213,7 @@
           <p:nvPr/>
         </p:nvPicPr>
         <p:blipFill>
-          <a:blip r:embed="rId5">
-            <a:extLst>
-              <a:ext uri="{96DAC541-7B7A-43D3-8B79-37D633B846F1}">
-                <asvg:svgBlip xmlns:asvg="http://schemas.microsoft.com/office/drawing/2016/SVG/main" r:embed="rId6"/>
-              </a:ext>
-            </a:extLst>
-          </a:blip>
+          <a:blip r:embed="rId3"/>
           <a:stretch>
             <a:fillRect/>
           </a:stretch>
@@ -7320,13 +7251,7 @@
             <p:nvPr/>
           </p:nvPicPr>
           <p:blipFill>
-            <a:blip r:embed="rId7">
-              <a:extLst>
-                <a:ext uri="{96DAC541-7B7A-43D3-8B79-37D633B846F1}">
-                  <asvg:svgBlip xmlns:asvg="http://schemas.microsoft.com/office/drawing/2016/SVG/main" r:embed="rId8"/>
-                </a:ext>
-              </a:extLst>
-            </a:blip>
+            <a:blip r:embed="rId4"/>
             <a:stretch>
               <a:fillRect/>
             </a:stretch>
@@ -7391,13 +7316,7 @@
           <p:nvPr/>
         </p:nvPicPr>
         <p:blipFill>
-          <a:blip r:embed="rId9">
-            <a:extLst>
-              <a:ext uri="{96DAC541-7B7A-43D3-8B79-37D633B846F1}">
-                <asvg:svgBlip xmlns:asvg="http://schemas.microsoft.com/office/drawing/2016/SVG/main" r:embed="rId10"/>
-              </a:ext>
-            </a:extLst>
-          </a:blip>
+          <a:blip r:embed="rId5"/>
           <a:stretch>
             <a:fillRect/>
           </a:stretch>
@@ -7421,13 +7340,7 @@
           <p:nvPr/>
         </p:nvPicPr>
         <p:blipFill>
-          <a:blip r:embed="rId3">
-            <a:extLst>
-              <a:ext uri="{96DAC541-7B7A-43D3-8B79-37D633B846F1}">
-                <asvg:svgBlip xmlns:asvg="http://schemas.microsoft.com/office/drawing/2016/SVG/main" r:embed="rId4"/>
-              </a:ext>
-            </a:extLst>
-          </a:blip>
+          <a:blip r:embed="rId2"/>
           <a:stretch>
             <a:fillRect/>
           </a:stretch>
@@ -7451,13 +7364,7 @@
           <p:nvPr/>
         </p:nvPicPr>
         <p:blipFill>
-          <a:blip r:embed="rId5">
-            <a:extLst>
-              <a:ext uri="{96DAC541-7B7A-43D3-8B79-37D633B846F1}">
-                <asvg:svgBlip xmlns:asvg="http://schemas.microsoft.com/office/drawing/2016/SVG/main" r:embed="rId6"/>
-              </a:ext>
-            </a:extLst>
-          </a:blip>
+          <a:blip r:embed="rId3"/>
           <a:stretch>
             <a:fillRect/>
           </a:stretch>
@@ -7481,13 +7388,7 @@
           <p:nvPr/>
         </p:nvPicPr>
         <p:blipFill>
-          <a:blip r:embed="rId11">
-            <a:extLst>
-              <a:ext uri="{96DAC541-7B7A-43D3-8B79-37D633B846F1}">
-                <asvg:svgBlip xmlns:asvg="http://schemas.microsoft.com/office/drawing/2016/SVG/main" r:embed="rId12"/>
-              </a:ext>
-            </a:extLst>
-          </a:blip>
+          <a:blip r:embed="rId6"/>
           <a:stretch>
             <a:fillRect/>
           </a:stretch>
@@ -7511,13 +7412,7 @@
           <p:nvPr/>
         </p:nvPicPr>
         <p:blipFill>
-          <a:blip r:embed="rId13">
-            <a:extLst>
-              <a:ext uri="{96DAC541-7B7A-43D3-8B79-37D633B846F1}">
-                <asvg:svgBlip xmlns:asvg="http://schemas.microsoft.com/office/drawing/2016/SVG/main" r:embed="rId14"/>
-              </a:ext>
-            </a:extLst>
-          </a:blip>
+          <a:blip r:embed="rId7"/>
           <a:stretch>
             <a:fillRect/>
           </a:stretch>
@@ -7902,13 +7797,7 @@
           <p:nvPr/>
         </p:nvPicPr>
         <p:blipFill>
-          <a:blip r:embed="rId2">
-            <a:extLst>
-              <a:ext uri="{96DAC541-7B7A-43D3-8B79-37D633B846F1}">
-                <asvg:svgBlip xmlns:asvg="http://schemas.microsoft.com/office/drawing/2016/SVG/main" r:embed="rId3"/>
-              </a:ext>
-            </a:extLst>
-          </a:blip>
+          <a:blip r:embed="rId2"/>
           <a:stretch>
             <a:fillRect/>
           </a:stretch>
@@ -7932,13 +7821,7 @@
           <p:nvPr/>
         </p:nvPicPr>
         <p:blipFill>
-          <a:blip r:embed="rId4">
-            <a:extLst>
-              <a:ext uri="{96DAC541-7B7A-43D3-8B79-37D633B846F1}">
-                <asvg:svgBlip xmlns:asvg="http://schemas.microsoft.com/office/drawing/2016/SVG/main" r:embed="rId5"/>
-              </a:ext>
-            </a:extLst>
-          </a:blip>
+          <a:blip r:embed="rId3"/>
           <a:stretch>
             <a:fillRect/>
           </a:stretch>
@@ -7956,6 +7839,102 @@
       <p:pic>
         <p:nvPicPr>
           <p:cNvPr id="6" name="Object 5" descr="preencoded.png"/>
+          <p:cNvPicPr>
+            <a:picLocks noChangeAspect="1"/>
+          </p:cNvPicPr>
+          <p:nvPr/>
+        </p:nvPicPr>
+        <p:blipFill>
+          <a:blip r:embed="rId4"/>
+          <a:stretch>
+            <a:fillRect/>
+          </a:stretch>
+        </p:blipFill>
+        <p:spPr>
+          <a:xfrm>
+            <a:off x="-427253" y="531301"/>
+            <a:ext cx="854505" cy="854505"/>
+          </a:xfrm>
+          <a:prstGeom prst="rect">
+            <a:avLst/>
+          </a:prstGeom>
+        </p:spPr>
+      </p:pic>
+      <p:pic>
+        <p:nvPicPr>
+          <p:cNvPr id="9" name="Object 8" descr="preencoded.png"/>
+          <p:cNvPicPr>
+            <a:picLocks noChangeAspect="1"/>
+          </p:cNvPicPr>
+          <p:nvPr/>
+        </p:nvPicPr>
+        <p:blipFill>
+          <a:blip r:embed="rId5"/>
+          <a:stretch>
+            <a:fillRect/>
+          </a:stretch>
+        </p:blipFill>
+        <p:spPr>
+          <a:xfrm>
+            <a:off x="16190929" y="9315622"/>
+            <a:ext cx="1119795" cy="1119795"/>
+          </a:xfrm>
+          <a:prstGeom prst="rect">
+            <a:avLst/>
+          </a:prstGeom>
+        </p:spPr>
+      </p:pic>
+      <p:pic>
+        <p:nvPicPr>
+          <p:cNvPr id="10" name="Object 9" descr="preencoded.png"/>
+          <p:cNvPicPr>
+            <a:picLocks noChangeAspect="1"/>
+          </p:cNvPicPr>
+          <p:nvPr/>
+        </p:nvPicPr>
+        <p:blipFill>
+          <a:blip r:embed="rId3"/>
+          <a:stretch>
+            <a:fillRect/>
+          </a:stretch>
+        </p:blipFill>
+        <p:spPr>
+          <a:xfrm>
+            <a:off x="16260805" y="9385498"/>
+            <a:ext cx="980044" cy="980044"/>
+          </a:xfrm>
+          <a:prstGeom prst="rect">
+            <a:avLst/>
+          </a:prstGeom>
+        </p:spPr>
+      </p:pic>
+      <p:pic>
+        <p:nvPicPr>
+          <p:cNvPr id="11" name="Object 10" descr="preencoded.png"/>
+          <p:cNvPicPr>
+            <a:picLocks noChangeAspect="1"/>
+          </p:cNvPicPr>
+          <p:nvPr/>
+        </p:nvPicPr>
+        <p:blipFill>
+          <a:blip r:embed="rId4"/>
+          <a:stretch>
+            <a:fillRect/>
+          </a:stretch>
+        </p:blipFill>
+        <p:spPr>
+          <a:xfrm>
+            <a:off x="16323574" y="9448267"/>
+            <a:ext cx="854505" cy="854505"/>
+          </a:xfrm>
+          <a:prstGeom prst="rect">
+            <a:avLst/>
+          </a:prstGeom>
+        </p:spPr>
+      </p:pic>
+      <p:pic>
+        <p:nvPicPr>
+          <p:cNvPr id="12" name="Object 11" descr="preencoded.png"/>
           <p:cNvPicPr>
             <a:picLocks noChangeAspect="1"/>
           </p:cNvPicPr>
@@ -7975,126 +7954,6 @@
         </p:blipFill>
         <p:spPr>
           <a:xfrm>
-            <a:off x="-427253" y="531301"/>
-            <a:ext cx="854505" cy="854505"/>
-          </a:xfrm>
-          <a:prstGeom prst="rect">
-            <a:avLst/>
-          </a:prstGeom>
-        </p:spPr>
-      </p:pic>
-      <p:pic>
-        <p:nvPicPr>
-          <p:cNvPr id="9" name="Object 8" descr="preencoded.png"/>
-          <p:cNvPicPr>
-            <a:picLocks noChangeAspect="1"/>
-          </p:cNvPicPr>
-          <p:nvPr/>
-        </p:nvPicPr>
-        <p:blipFill>
-          <a:blip r:embed="rId8">
-            <a:extLst>
-              <a:ext uri="{96DAC541-7B7A-43D3-8B79-37D633B846F1}">
-                <asvg:svgBlip xmlns:asvg="http://schemas.microsoft.com/office/drawing/2016/SVG/main" r:embed="rId9"/>
-              </a:ext>
-            </a:extLst>
-          </a:blip>
-          <a:stretch>
-            <a:fillRect/>
-          </a:stretch>
-        </p:blipFill>
-        <p:spPr>
-          <a:xfrm>
-            <a:off x="16190929" y="9315622"/>
-            <a:ext cx="1119795" cy="1119795"/>
-          </a:xfrm>
-          <a:prstGeom prst="rect">
-            <a:avLst/>
-          </a:prstGeom>
-        </p:spPr>
-      </p:pic>
-      <p:pic>
-        <p:nvPicPr>
-          <p:cNvPr id="10" name="Object 9" descr="preencoded.png"/>
-          <p:cNvPicPr>
-            <a:picLocks noChangeAspect="1"/>
-          </p:cNvPicPr>
-          <p:nvPr/>
-        </p:nvPicPr>
-        <p:blipFill>
-          <a:blip r:embed="rId4">
-            <a:extLst>
-              <a:ext uri="{96DAC541-7B7A-43D3-8B79-37D633B846F1}">
-                <asvg:svgBlip xmlns:asvg="http://schemas.microsoft.com/office/drawing/2016/SVG/main" r:embed="rId5"/>
-              </a:ext>
-            </a:extLst>
-          </a:blip>
-          <a:stretch>
-            <a:fillRect/>
-          </a:stretch>
-        </p:blipFill>
-        <p:spPr>
-          <a:xfrm>
-            <a:off x="16260805" y="9385498"/>
-            <a:ext cx="980044" cy="980044"/>
-          </a:xfrm>
-          <a:prstGeom prst="rect">
-            <a:avLst/>
-          </a:prstGeom>
-        </p:spPr>
-      </p:pic>
-      <p:pic>
-        <p:nvPicPr>
-          <p:cNvPr id="11" name="Object 10" descr="preencoded.png"/>
-          <p:cNvPicPr>
-            <a:picLocks noChangeAspect="1"/>
-          </p:cNvPicPr>
-          <p:nvPr/>
-        </p:nvPicPr>
-        <p:blipFill>
-          <a:blip r:embed="rId6">
-            <a:extLst>
-              <a:ext uri="{96DAC541-7B7A-43D3-8B79-37D633B846F1}">
-                <asvg:svgBlip xmlns:asvg="http://schemas.microsoft.com/office/drawing/2016/SVG/main" r:embed="rId7"/>
-              </a:ext>
-            </a:extLst>
-          </a:blip>
-          <a:stretch>
-            <a:fillRect/>
-          </a:stretch>
-        </p:blipFill>
-        <p:spPr>
-          <a:xfrm>
-            <a:off x="16323574" y="9448267"/>
-            <a:ext cx="854505" cy="854505"/>
-          </a:xfrm>
-          <a:prstGeom prst="rect">
-            <a:avLst/>
-          </a:prstGeom>
-        </p:spPr>
-      </p:pic>
-      <p:pic>
-        <p:nvPicPr>
-          <p:cNvPr id="12" name="Object 11" descr="preencoded.png"/>
-          <p:cNvPicPr>
-            <a:picLocks noChangeAspect="1"/>
-          </p:cNvPicPr>
-          <p:nvPr/>
-        </p:nvPicPr>
-        <p:blipFill>
-          <a:blip r:embed="rId10">
-            <a:extLst>
-              <a:ext uri="{96DAC541-7B7A-43D3-8B79-37D633B846F1}">
-                <asvg:svgBlip xmlns:asvg="http://schemas.microsoft.com/office/drawing/2016/SVG/main" r:embed="rId11"/>
-              </a:ext>
-            </a:extLst>
-          </a:blip>
-          <a:stretch>
-            <a:fillRect/>
-          </a:stretch>
-        </p:blipFill>
-        <p:spPr>
-          <a:xfrm>
             <a:off x="8109007" y="2490092"/>
             <a:ext cx="1828800" cy="1828800"/>
           </a:xfrm>
@@ -8112,13 +7971,7 @@
           <p:nvPr/>
         </p:nvPicPr>
         <p:blipFill>
-          <a:blip r:embed="rId12">
-            <a:extLst>
-              <a:ext uri="{96DAC541-7B7A-43D3-8B79-37D633B846F1}">
-                <asvg:svgBlip xmlns:asvg="http://schemas.microsoft.com/office/drawing/2016/SVG/main" r:embed="rId13"/>
-              </a:ext>
-            </a:extLst>
-          </a:blip>
+          <a:blip r:embed="rId8"/>
           <a:stretch>
             <a:fillRect/>
           </a:stretch>
@@ -8186,13 +8039,7 @@
           <p:nvPr/>
         </p:nvPicPr>
         <p:blipFill>
-          <a:blip r:embed="rId12">
-            <a:extLst>
-              <a:ext uri="{96DAC541-7B7A-43D3-8B79-37D633B846F1}">
-                <asvg:svgBlip xmlns:asvg="http://schemas.microsoft.com/office/drawing/2016/SVG/main" r:embed="rId13"/>
-              </a:ext>
-            </a:extLst>
-          </a:blip>
+          <a:blip r:embed="rId8"/>
           <a:stretch>
             <a:fillRect/>
           </a:stretch>
@@ -8260,13 +8107,7 @@
           <p:nvPr/>
         </p:nvPicPr>
         <p:blipFill>
-          <a:blip r:embed="rId12">
-            <a:extLst>
-              <a:ext uri="{96DAC541-7B7A-43D3-8B79-37D633B846F1}">
-                <asvg:svgBlip xmlns:asvg="http://schemas.microsoft.com/office/drawing/2016/SVG/main" r:embed="rId13"/>
-              </a:ext>
-            </a:extLst>
-          </a:blip>
+          <a:blip r:embed="rId8"/>
           <a:stretch>
             <a:fillRect/>
           </a:stretch>
@@ -8334,13 +8175,7 @@
           <p:nvPr/>
         </p:nvPicPr>
         <p:blipFill>
-          <a:blip r:embed="rId12">
-            <a:extLst>
-              <a:ext uri="{96DAC541-7B7A-43D3-8B79-37D633B846F1}">
-                <asvg:svgBlip xmlns:asvg="http://schemas.microsoft.com/office/drawing/2016/SVG/main" r:embed="rId13"/>
-              </a:ext>
-            </a:extLst>
-          </a:blip>
+          <a:blip r:embed="rId8"/>
           <a:stretch>
             <a:fillRect/>
           </a:stretch>
@@ -8408,13 +8243,7 @@
           <p:nvPr/>
         </p:nvPicPr>
         <p:blipFill>
-          <a:blip r:embed="rId12">
-            <a:extLst>
-              <a:ext uri="{96DAC541-7B7A-43D3-8B79-37D633B846F1}">
-                <asvg:svgBlip xmlns:asvg="http://schemas.microsoft.com/office/drawing/2016/SVG/main" r:embed="rId13"/>
-              </a:ext>
-            </a:extLst>
-          </a:blip>
+          <a:blip r:embed="rId8"/>
           <a:stretch>
             <a:fillRect/>
           </a:stretch>
@@ -8599,13 +8428,7 @@
           <p:nvPr/>
         </p:nvPicPr>
         <p:blipFill>
-          <a:blip r:embed="rId14">
-            <a:extLst>
-              <a:ext uri="{96DAC541-7B7A-43D3-8B79-37D633B846F1}">
-                <asvg:svgBlip xmlns:asvg="http://schemas.microsoft.com/office/drawing/2016/SVG/main" r:embed="rId15"/>
-              </a:ext>
-            </a:extLst>
-          </a:blip>
+          <a:blip r:embed="rId9"/>
           <a:stretch>
             <a:fillRect/>
           </a:stretch>
@@ -9004,13 +8827,7 @@
             <p:nvPr/>
           </p:nvPicPr>
           <p:blipFill>
-            <a:blip r:embed="rId16">
-              <a:extLst>
-                <a:ext uri="{96DAC541-7B7A-43D3-8B79-37D633B846F1}">
-                  <asvg:svgBlip xmlns:asvg="http://schemas.microsoft.com/office/drawing/2016/SVG/main" r:embed="rId17"/>
-                </a:ext>
-              </a:extLst>
-            </a:blip>
+            <a:blip r:embed="rId10"/>
             <a:stretch>
               <a:fillRect/>
             </a:stretch>
@@ -14170,7 +13987,7 @@
                           <a:ea typeface="微软雅黑" panose="020B0503020204020204" pitchFamily="34" charset="-122"/>
                           <a:cs typeface="黑体" panose="02010609060101010101" pitchFamily="49" charset="-122"/>
                         </a:rPr>
-                        <a:t>年龄</a:t>
+                        <a:t>年龄、个人简介</a:t>
                       </a:r>
                       <a:endParaRPr lang="zh-CN" sz="2400" b="1" kern="100" dirty="0">
                         <a:solidFill>
@@ -14213,9 +14030,9 @@
                           <a:effectLst/>
                           <a:latin typeface="微软雅黑" panose="020B0503020204020204" pitchFamily="34" charset="-122"/>
                           <a:ea typeface="微软雅黑" panose="020B0503020204020204" pitchFamily="34" charset="-122"/>
-                          <a:cs typeface="黑体" panose="02010609060101010101" pitchFamily="49" charset="-122"/>
+                          <a:cs typeface="Times New Roman" panose="02020603050405020304" pitchFamily="18" charset="0"/>
                         </a:rPr>
-                        <a:t>类型</a:t>
+                        <a:t>定义</a:t>
                       </a:r>
                       <a:endParaRPr lang="zh-CN" sz="2400" b="1" kern="100">
                         <a:solidFill>
@@ -14258,7 +14075,7 @@
                           <a:ea typeface="微软雅黑" panose="020B0503020204020204" pitchFamily="34" charset="-122"/>
                           <a:cs typeface="黑体" panose="02010609060101010101" pitchFamily="49" charset="-122"/>
                         </a:rPr>
-                        <a:t>&lt;varchar，varchar，</a:t>
+                        <a:t>1{字母}20、1{字母}20、</a:t>
                       </a:r>
                       <a:endParaRPr sz="2400" b="1" kern="100" dirty="0">
                         <a:solidFill>
@@ -14288,7 +14105,7 @@
                           <a:ea typeface="微软雅黑" panose="020B0503020204020204" pitchFamily="34" charset="-122"/>
                           <a:cs typeface="黑体" panose="02010609060101010101" pitchFamily="49" charset="-122"/>
                         </a:rPr>
-                        <a:t>int&gt;</a:t>
+                        <a:t>18..75、1{字母}200</a:t>
                       </a:r>
                       <a:endParaRPr sz="2400" b="1" kern="100" dirty="0">
                         <a:solidFill>
@@ -14728,9 +14545,9 @@
                           <a:effectLst/>
                           <a:latin typeface="微软雅黑" panose="020B0503020204020204" pitchFamily="34" charset="-122"/>
                           <a:ea typeface="微软雅黑" panose="020B0503020204020204" pitchFamily="34" charset="-122"/>
-                          <a:cs typeface="黑体" panose="02010609060101010101" pitchFamily="49" charset="-122"/>
+                          <a:cs typeface="Times New Roman" panose="02020603050405020304" pitchFamily="18" charset="0"/>
                         </a:rPr>
-                        <a:t>类型</a:t>
+                        <a:t>定义</a:t>
                       </a:r>
                       <a:endParaRPr lang="zh-CN" sz="2400" b="1" kern="100">
                         <a:solidFill>
@@ -14773,9 +14590,9 @@
                           <a:ea typeface="微软雅黑" panose="020B0503020204020204" pitchFamily="34" charset="-122"/>
                           <a:cs typeface="黑体" panose="02010609060101010101" pitchFamily="49" charset="-122"/>
                         </a:rPr>
-                        <a:t>varchar</a:t>
+                        <a:t>[“登录成功”，“密码错误！”，</a:t>
                       </a:r>
-                      <a:endParaRPr lang="zh-CN" sz="2400" b="1" kern="100">
+                      <a:endParaRPr lang="en-US" sz="2400" b="1" kern="100">
                         <a:solidFill>
                           <a:schemeClr val="tx1">
                             <a:lumMod val="65000"/>
@@ -14785,67 +14602,9 @@
                         <a:effectLst/>
                         <a:latin typeface="微软雅黑" panose="020B0503020204020204" pitchFamily="34" charset="-122"/>
                         <a:ea typeface="微软雅黑" panose="020B0503020204020204" pitchFamily="34" charset="-122"/>
-                        <a:cs typeface="Times New Roman" panose="02020603050405020304" pitchFamily="18" charset="0"/>
+                        <a:cs typeface="黑体" panose="02010609060101010101" pitchFamily="49" charset="-122"/>
                       </a:endParaRPr>
                     </a:p>
-                  </a:txBody>
-                  <a:tcPr marL="68580" marR="68580" marT="0" marB="0" anchor="ctr">
-                    <a:solidFill>
-                      <a:schemeClr val="bg2">
-                        <a:lumMod val="90000"/>
-                      </a:schemeClr>
-                    </a:solidFill>
-                  </a:tcPr>
-                </a:tc>
-              </a:tr>
-              <a:tr h="424848">
-                <a:tc>
-                  <a:txBody>
-                    <a:bodyPr/>
-                    <a:lstStyle/>
-                    <a:p>
-                      <a:pPr algn="ctr"/>
-                      <a:r>
-                        <a:rPr lang="zh-CN" sz="2400" b="1" kern="100">
-                          <a:solidFill>
-                            <a:schemeClr val="tx1">
-                              <a:lumMod val="65000"/>
-                              <a:lumOff val="35000"/>
-                            </a:schemeClr>
-                          </a:solidFill>
-                          <a:effectLst/>
-                          <a:latin typeface="微软雅黑" panose="020B0503020204020204" pitchFamily="34" charset="-122"/>
-                          <a:ea typeface="微软雅黑" panose="020B0503020204020204" pitchFamily="34" charset="-122"/>
-                          <a:cs typeface="黑体" panose="02010609060101010101" pitchFamily="49" charset="-122"/>
-                        </a:rPr>
-                        <a:t>长度</a:t>
-                      </a:r>
-                      <a:endParaRPr lang="zh-CN" sz="2400" b="1" kern="100">
-                        <a:solidFill>
-                          <a:schemeClr val="tx1">
-                            <a:lumMod val="65000"/>
-                            <a:lumOff val="35000"/>
-                          </a:schemeClr>
-                        </a:solidFill>
-                        <a:effectLst/>
-                        <a:latin typeface="微软雅黑" panose="020B0503020204020204" pitchFamily="34" charset="-122"/>
-                        <a:ea typeface="微软雅黑" panose="020B0503020204020204" pitchFamily="34" charset="-122"/>
-                        <a:cs typeface="Times New Roman" panose="02020603050405020304" pitchFamily="18" charset="0"/>
-                      </a:endParaRPr>
-                    </a:p>
-                  </a:txBody>
-                  <a:tcPr marL="68580" marR="68580" marT="0" marB="0" anchor="ctr">
-                    <a:solidFill>
-                      <a:schemeClr val="bg2">
-                        <a:lumMod val="90000"/>
-                      </a:schemeClr>
-                    </a:solidFill>
-                  </a:tcPr>
-                </a:tc>
-                <a:tc>
-                  <a:txBody>
-                    <a:bodyPr/>
-                    <a:lstStyle/>
                     <a:p>
                       <a:pPr algn="ctr"/>
                       <a:r>
@@ -14861,9 +14620,9 @@
                           <a:ea typeface="微软雅黑" panose="020B0503020204020204" pitchFamily="34" charset="-122"/>
                           <a:cs typeface="黑体" panose="02010609060101010101" pitchFamily="49" charset="-122"/>
                         </a:rPr>
-                        <a:t>20</a:t>
+                        <a:t>“用户不存在！请先注册。”]</a:t>
                       </a:r>
-                      <a:endParaRPr lang="zh-CN" sz="2400" b="1" kern="100">
+                      <a:endParaRPr lang="en-US" sz="2400" b="1" kern="100">
                         <a:solidFill>
                           <a:schemeClr val="tx1">
                             <a:lumMod val="65000"/>
@@ -14873,7 +14632,7 @@
                         <a:effectLst/>
                         <a:latin typeface="微软雅黑" panose="020B0503020204020204" pitchFamily="34" charset="-122"/>
                         <a:ea typeface="微软雅黑" panose="020B0503020204020204" pitchFamily="34" charset="-122"/>
-                        <a:cs typeface="Times New Roman" panose="02020603050405020304" pitchFamily="18" charset="0"/>
+                        <a:cs typeface="黑体" panose="02010609060101010101" pitchFamily="49" charset="-122"/>
                       </a:endParaRPr>
                     </a:p>
                   </a:txBody>
@@ -15567,8 +15326,9 @@
                           <a:effectLst/>
                           <a:latin typeface="微软雅黑" panose="020B0503020204020204" pitchFamily="34" charset="-122"/>
                           <a:ea typeface="微软雅黑" panose="020B0503020204020204" pitchFamily="34" charset="-122"/>
+                          <a:cs typeface="Times New Roman" panose="02020603050405020304" pitchFamily="18" charset="0"/>
                         </a:rPr>
-                        <a:t>类型</a:t>
+                        <a:t>定义</a:t>
                       </a:r>
                       <a:endParaRPr lang="zh-CN" sz="2400" b="1" kern="100" dirty="0">
                         <a:solidFill>
@@ -15599,7 +15359,7 @@
                     <a:p>
                       <a:pPr algn="ctr"/>
                       <a:r>
-                        <a:rPr lang="en-US" sz="2400" b="1" kern="100" dirty="0">
+                        <a:rPr sz="2400" b="1" kern="100" dirty="0">
                           <a:solidFill>
                             <a:schemeClr val="tx1">
                               <a:lumMod val="65000"/>
@@ -15610,37 +15370,9 @@
                           <a:latin typeface="微软雅黑" panose="020B0503020204020204" pitchFamily="34" charset="-122"/>
                           <a:ea typeface="微软雅黑" panose="020B0503020204020204" pitchFamily="34" charset="-122"/>
                         </a:rPr>
-                        <a:t>&lt;varchar</a:t>
+                        <a:t>1{字母}20、1{字母}20</a:t>
                       </a:r>
-                      <a:r>
-                        <a:rPr lang="zh-CN" sz="2400" b="1" kern="100" dirty="0">
-                          <a:solidFill>
-                            <a:schemeClr val="tx1">
-                              <a:lumMod val="65000"/>
-                              <a:lumOff val="35000"/>
-                            </a:schemeClr>
-                          </a:solidFill>
-                          <a:effectLst/>
-                          <a:latin typeface="微软雅黑" panose="020B0503020204020204" pitchFamily="34" charset="-122"/>
-                          <a:ea typeface="微软雅黑" panose="020B0503020204020204" pitchFamily="34" charset="-122"/>
-                        </a:rPr>
-                        <a:t>，</a:t>
-                      </a:r>
-                      <a:r>
-                        <a:rPr lang="en-US" sz="2400" b="1" kern="100" dirty="0">
-                          <a:solidFill>
-                            <a:schemeClr val="tx1">
-                              <a:lumMod val="65000"/>
-                              <a:lumOff val="35000"/>
-                            </a:schemeClr>
-                          </a:solidFill>
-                          <a:effectLst/>
-                          <a:latin typeface="微软雅黑" panose="020B0503020204020204" pitchFamily="34" charset="-122"/>
-                          <a:ea typeface="微软雅黑" panose="020B0503020204020204" pitchFamily="34" charset="-122"/>
-                        </a:rPr>
-                        <a:t>varchar&gt;</a:t>
-                      </a:r>
-                      <a:endParaRPr lang="zh-CN" sz="2400" b="1" kern="100" dirty="0">
+                      <a:endParaRPr sz="2400" b="1" kern="100" dirty="0">
                         <a:solidFill>
                           <a:schemeClr val="tx1">
                             <a:lumMod val="65000"/>
@@ -15650,7 +15382,6 @@
                         <a:effectLst/>
                         <a:latin typeface="微软雅黑" panose="020B0503020204020204" pitchFamily="34" charset="-122"/>
                         <a:ea typeface="微软雅黑" panose="020B0503020204020204" pitchFamily="34" charset="-122"/>
-                        <a:cs typeface="Times New Roman" panose="02020603050405020304" pitchFamily="18" charset="0"/>
                       </a:endParaRPr>
                     </a:p>
                   </a:txBody>
@@ -16221,9 +15952,9 @@
                           <a:effectLst/>
                           <a:latin typeface="微软雅黑" panose="020B0503020204020204" pitchFamily="34" charset="-122"/>
                           <a:ea typeface="微软雅黑" panose="020B0503020204020204" pitchFamily="34" charset="-122"/>
-                          <a:cs typeface="黑体" panose="02010609060101010101" pitchFamily="49" charset="-122"/>
+                          <a:cs typeface="Times New Roman" panose="02020603050405020304" pitchFamily="18" charset="0"/>
                         </a:rPr>
-                        <a:t>类型</a:t>
+                        <a:t>定义</a:t>
                       </a:r>
                       <a:endParaRPr lang="zh-CN" sz="2400" b="1" kern="100">
                         <a:solidFill>
@@ -16254,7 +15985,7 @@
                     <a:p>
                       <a:pPr algn="ctr"/>
                       <a:r>
-                        <a:rPr lang="en-US" sz="2400" b="1" kern="100" dirty="0">
+                        <a:rPr sz="2400" b="1" kern="100" dirty="0">
                           <a:solidFill>
                             <a:schemeClr val="tx1">
                               <a:lumMod val="65000"/>
@@ -16266,10 +15997,25 @@
                           <a:ea typeface="微软雅黑" panose="020B0503020204020204" pitchFamily="34" charset="-122"/>
                           <a:cs typeface="黑体" panose="02010609060101010101" pitchFamily="49" charset="-122"/>
                         </a:rPr>
-                        <a:t>&lt;int</a:t>
+                        <a:t>1..50000、1{字母}20、</a:t>
                       </a:r>
+                      <a:endParaRPr sz="2400" b="1" kern="100" dirty="0">
+                        <a:solidFill>
+                          <a:schemeClr val="tx1">
+                            <a:lumMod val="65000"/>
+                            <a:lumOff val="35000"/>
+                          </a:schemeClr>
+                        </a:solidFill>
+                        <a:effectLst/>
+                        <a:latin typeface="微软雅黑" panose="020B0503020204020204" pitchFamily="34" charset="-122"/>
+                        <a:ea typeface="微软雅黑" panose="020B0503020204020204" pitchFamily="34" charset="-122"/>
+                        <a:cs typeface="黑体" panose="02010609060101010101" pitchFamily="49" charset="-122"/>
+                      </a:endParaRPr>
+                    </a:p>
+                    <a:p>
+                      <a:pPr algn="ctr"/>
                       <a:r>
-                        <a:rPr lang="zh-CN" sz="2400" b="1" kern="100" dirty="0">
+                        <a:rPr sz="2400" b="1" kern="100" dirty="0">
                           <a:solidFill>
                             <a:schemeClr val="tx1">
                               <a:lumMod val="65000"/>
@@ -16281,39 +16027,9 @@
                           <a:ea typeface="微软雅黑" panose="020B0503020204020204" pitchFamily="34" charset="-122"/>
                           <a:cs typeface="黑体" panose="02010609060101010101" pitchFamily="49" charset="-122"/>
                         </a:rPr>
-                        <a:t>，</a:t>
+                        <a:t>1{字母}20、[“顾客”，“管理员”]</a:t>
                       </a:r>
-                      <a:r>
-                        <a:rPr lang="en-US" sz="2400" b="1" kern="100" dirty="0">
-                          <a:solidFill>
-                            <a:schemeClr val="tx1">
-                              <a:lumMod val="65000"/>
-                              <a:lumOff val="35000"/>
-                            </a:schemeClr>
-                          </a:solidFill>
-                          <a:effectLst/>
-                          <a:latin typeface="微软雅黑" panose="020B0503020204020204" pitchFamily="34" charset="-122"/>
-                          <a:ea typeface="微软雅黑" panose="020B0503020204020204" pitchFamily="34" charset="-122"/>
-                          <a:cs typeface="黑体" panose="02010609060101010101" pitchFamily="49" charset="-122"/>
-                        </a:rPr>
-                        <a:t>varchar</a:t>
-                      </a:r>
-                      <a:r>
-                        <a:rPr lang="zh-CN" sz="2400" b="1" kern="100" dirty="0">
-                          <a:solidFill>
-                            <a:schemeClr val="tx1">
-                              <a:lumMod val="65000"/>
-                              <a:lumOff val="35000"/>
-                            </a:schemeClr>
-                          </a:solidFill>
-                          <a:effectLst/>
-                          <a:latin typeface="微软雅黑" panose="020B0503020204020204" pitchFamily="34" charset="-122"/>
-                          <a:ea typeface="微软雅黑" panose="020B0503020204020204" pitchFamily="34" charset="-122"/>
-                          <a:cs typeface="黑体" panose="02010609060101010101" pitchFamily="49" charset="-122"/>
-                        </a:rPr>
-                        <a:t>，</a:t>
-                      </a:r>
-                      <a:endParaRPr lang="zh-CN" sz="2400" b="1" kern="100" dirty="0">
+                      <a:endParaRPr sz="2400" b="1" kern="100" dirty="0">
                         <a:solidFill>
                           <a:schemeClr val="tx1">
                             <a:lumMod val="65000"/>
@@ -16323,67 +16039,7 @@
                         <a:effectLst/>
                         <a:latin typeface="微软雅黑" panose="020B0503020204020204" pitchFamily="34" charset="-122"/>
                         <a:ea typeface="微软雅黑" panose="020B0503020204020204" pitchFamily="34" charset="-122"/>
-                        <a:cs typeface="Times New Roman" panose="02020603050405020304" pitchFamily="18" charset="0"/>
-                      </a:endParaRPr>
-                    </a:p>
-                    <a:p>
-                      <a:pPr algn="ctr"/>
-                      <a:r>
-                        <a:rPr lang="en-US" sz="2400" b="1" kern="100" dirty="0">
-                          <a:solidFill>
-                            <a:schemeClr val="tx1">
-                              <a:lumMod val="65000"/>
-                              <a:lumOff val="35000"/>
-                            </a:schemeClr>
-                          </a:solidFill>
-                          <a:effectLst/>
-                          <a:latin typeface="微软雅黑" panose="020B0503020204020204" pitchFamily="34" charset="-122"/>
-                          <a:ea typeface="微软雅黑" panose="020B0503020204020204" pitchFamily="34" charset="-122"/>
-                          <a:cs typeface="黑体" panose="02010609060101010101" pitchFamily="49" charset="-122"/>
-                        </a:rPr>
-                        <a:t>varchar</a:t>
-                      </a:r>
-                      <a:r>
-                        <a:rPr lang="zh-CN" sz="2400" b="1" kern="100" dirty="0">
-                          <a:solidFill>
-                            <a:schemeClr val="tx1">
-                              <a:lumMod val="65000"/>
-                              <a:lumOff val="35000"/>
-                            </a:schemeClr>
-                          </a:solidFill>
-                          <a:effectLst/>
-                          <a:latin typeface="微软雅黑" panose="020B0503020204020204" pitchFamily="34" charset="-122"/>
-                          <a:ea typeface="微软雅黑" panose="020B0503020204020204" pitchFamily="34" charset="-122"/>
-                          <a:cs typeface="黑体" panose="02010609060101010101" pitchFamily="49" charset="-122"/>
-                        </a:rPr>
-                        <a:t>，</a:t>
-                      </a:r>
-                      <a:r>
-                        <a:rPr lang="en-US" sz="2400" b="1" kern="100" dirty="0">
-                          <a:solidFill>
-                            <a:schemeClr val="tx1">
-                              <a:lumMod val="65000"/>
-                              <a:lumOff val="35000"/>
-                            </a:schemeClr>
-                          </a:solidFill>
-                          <a:effectLst/>
-                          <a:latin typeface="微软雅黑" panose="020B0503020204020204" pitchFamily="34" charset="-122"/>
-                          <a:ea typeface="微软雅黑" panose="020B0503020204020204" pitchFamily="34" charset="-122"/>
-                          <a:cs typeface="黑体" panose="02010609060101010101" pitchFamily="49" charset="-122"/>
-                        </a:rPr>
-                        <a:t>varchar&gt;</a:t>
-                      </a:r>
-                      <a:endParaRPr lang="zh-CN" sz="2400" b="1" kern="100" dirty="0">
-                        <a:solidFill>
-                          <a:schemeClr val="tx1">
-                            <a:lumMod val="65000"/>
-                            <a:lumOff val="35000"/>
-                          </a:schemeClr>
-                        </a:solidFill>
-                        <a:effectLst/>
-                        <a:latin typeface="微软雅黑" panose="020B0503020204020204" pitchFamily="34" charset="-122"/>
-                        <a:ea typeface="微软雅黑" panose="020B0503020204020204" pitchFamily="34" charset="-122"/>
-                        <a:cs typeface="Times New Roman" panose="02020603050405020304" pitchFamily="18" charset="0"/>
+                        <a:cs typeface="黑体" panose="02010609060101010101" pitchFamily="49" charset="-122"/>
                       </a:endParaRPr>
                     </a:p>
                   </a:txBody>
@@ -17012,7 +16668,7 @@
         </p:blipFill>
         <p:spPr>
           <a:xfrm>
-            <a:off x="16190929" y="9315622"/>
+            <a:off x="16258874" y="9302287"/>
             <a:ext cx="1119795" cy="1119795"/>
           </a:xfrm>
           <a:prstGeom prst="rect">
@@ -17036,7 +16692,7 @@
         </p:blipFill>
         <p:spPr>
           <a:xfrm>
-            <a:off x="16260805" y="9385498"/>
+            <a:off x="16328750" y="9372163"/>
             <a:ext cx="980044" cy="980044"/>
           </a:xfrm>
           <a:prstGeom prst="rect">
@@ -17060,7 +16716,7 @@
         </p:blipFill>
         <p:spPr>
           <a:xfrm>
-            <a:off x="16323574" y="9448267"/>
+            <a:off x="16391519" y="9434932"/>
             <a:ext cx="854505" cy="854505"/>
           </a:xfrm>
           <a:prstGeom prst="rect">
@@ -17105,8 +16761,8 @@
           </p:nvPr>
         </p:nvGraphicFramePr>
         <p:xfrm>
-          <a:off x="627914" y="6528339"/>
-          <a:ext cx="6471920" cy="2496720"/>
+          <a:off x="627914" y="6791229"/>
+          <a:ext cx="6471920" cy="2496185"/>
         </p:xfrm>
         <a:graphic>
           <a:graphicData uri="http://schemas.openxmlformats.org/drawingml/2006/table">
@@ -17118,7 +16774,7 @@
                 <a:gridCol w="2257425"/>
                 <a:gridCol w="4214495"/>
               </a:tblGrid>
-              <a:tr h="499344">
+              <a:tr h="499110">
                 <a:tc>
                   <a:txBody>
                     <a:bodyPr/>
@@ -17344,94 +17000,6 @@
                           <a:ea typeface="微软雅黑" panose="020B0503020204020204" pitchFamily="34" charset="-122"/>
                           <a:cs typeface="黑体" panose="02010609060101010101" pitchFamily="49" charset="-122"/>
                         </a:rPr>
-                        <a:t>类型</a:t>
-                      </a:r>
-                      <a:endParaRPr lang="zh-CN" sz="2400" b="1" kern="100">
-                        <a:solidFill>
-                          <a:schemeClr val="tx1">
-                            <a:lumMod val="65000"/>
-                            <a:lumOff val="35000"/>
-                          </a:schemeClr>
-                        </a:solidFill>
-                        <a:effectLst/>
-                        <a:latin typeface="微软雅黑" panose="020B0503020204020204" pitchFamily="34" charset="-122"/>
-                        <a:ea typeface="微软雅黑" panose="020B0503020204020204" pitchFamily="34" charset="-122"/>
-                        <a:cs typeface="Times New Roman" panose="02020603050405020304" pitchFamily="18" charset="0"/>
-                      </a:endParaRPr>
-                    </a:p>
-                  </a:txBody>
-                  <a:tcPr marL="68580" marR="68580" marT="0" marB="0" anchor="ctr">
-                    <a:solidFill>
-                      <a:schemeClr val="bg2">
-                        <a:lumMod val="90000"/>
-                      </a:schemeClr>
-                    </a:solidFill>
-                  </a:tcPr>
-                </a:tc>
-                <a:tc>
-                  <a:txBody>
-                    <a:bodyPr/>
-                    <a:lstStyle/>
-                    <a:p>
-                      <a:pPr algn="ctr"/>
-                      <a:r>
-                        <a:rPr lang="en-US" sz="2400" b="1" kern="100">
-                          <a:solidFill>
-                            <a:schemeClr val="tx1">
-                              <a:lumMod val="65000"/>
-                              <a:lumOff val="35000"/>
-                            </a:schemeClr>
-                          </a:solidFill>
-                          <a:effectLst/>
-                          <a:latin typeface="微软雅黑" panose="020B0503020204020204" pitchFamily="34" charset="-122"/>
-                          <a:ea typeface="微软雅黑" panose="020B0503020204020204" pitchFamily="34" charset="-122"/>
-                          <a:cs typeface="黑体" panose="02010609060101010101" pitchFamily="49" charset="-122"/>
-                        </a:rPr>
-                        <a:t>int</a:t>
-                      </a:r>
-                      <a:endParaRPr lang="zh-CN" sz="2400" b="1" kern="100">
-                        <a:solidFill>
-                          <a:schemeClr val="tx1">
-                            <a:lumMod val="65000"/>
-                            <a:lumOff val="35000"/>
-                          </a:schemeClr>
-                        </a:solidFill>
-                        <a:effectLst/>
-                        <a:latin typeface="微软雅黑" panose="020B0503020204020204" pitchFamily="34" charset="-122"/>
-                        <a:ea typeface="微软雅黑" panose="020B0503020204020204" pitchFamily="34" charset="-122"/>
-                        <a:cs typeface="Times New Roman" panose="02020603050405020304" pitchFamily="18" charset="0"/>
-                      </a:endParaRPr>
-                    </a:p>
-                  </a:txBody>
-                  <a:tcPr marL="68580" marR="68580" marT="0" marB="0" anchor="ctr">
-                    <a:solidFill>
-                      <a:schemeClr val="bg2">
-                        <a:lumMod val="90000"/>
-                      </a:schemeClr>
-                    </a:solidFill>
-                  </a:tcPr>
-                </a:tc>
-              </a:tr>
-              <a:tr h="499344">
-                <a:tc>
-                  <a:txBody>
-                    <a:bodyPr/>
-                    <a:lstStyle/>
-                    <a:p>
-                      <a:pPr algn="ctr"/>
-                      <a:r>
-                        <a:rPr lang="zh-CN" sz="2400" b="1" kern="100">
-                          <a:solidFill>
-                            <a:schemeClr val="tx1">
-                              <a:lumMod val="65000"/>
-                              <a:lumOff val="35000"/>
-                            </a:schemeClr>
-                          </a:solidFill>
-                          <a:effectLst/>
-                          <a:latin typeface="微软雅黑" panose="020B0503020204020204" pitchFamily="34" charset="-122"/>
-                          <a:ea typeface="微软雅黑" panose="020B0503020204020204" pitchFamily="34" charset="-122"/>
-                          <a:cs typeface="黑体" panose="02010609060101010101" pitchFamily="49" charset="-122"/>
-                        </a:rPr>
                         <a:t>来源</a:t>
                       </a:r>
                       <a:endParaRPr lang="zh-CN" sz="2400" b="1" kern="100">
@@ -17500,7 +17068,7 @@
                   </a:tcPr>
                 </a:tc>
               </a:tr>
-              <a:tr h="499344">
+              <a:tr h="499110">
                 <a:tc>
                   <a:txBody>
                     <a:bodyPr/>
@@ -17620,7 +17188,7 @@
           </p:nvPr>
         </p:nvGraphicFramePr>
         <p:xfrm>
-          <a:off x="7715603" y="6528339"/>
+          <a:off x="7715603" y="6793769"/>
           <a:ext cx="9289554" cy="2496719"/>
         </p:xfrm>
         <a:graphic>
@@ -17859,94 +17427,6 @@
                           <a:ea typeface="微软雅黑" panose="020B0503020204020204" pitchFamily="34" charset="-122"/>
                           <a:cs typeface="黑体" panose="02010609060101010101" pitchFamily="49" charset="-122"/>
                         </a:rPr>
-                        <a:t>类型</a:t>
-                      </a:r>
-                      <a:endParaRPr lang="zh-CN" sz="2400" b="1" kern="100">
-                        <a:solidFill>
-                          <a:schemeClr val="tx1">
-                            <a:lumMod val="65000"/>
-                            <a:lumOff val="35000"/>
-                          </a:schemeClr>
-                        </a:solidFill>
-                        <a:effectLst/>
-                        <a:latin typeface="微软雅黑" panose="020B0503020204020204" pitchFamily="34" charset="-122"/>
-                        <a:ea typeface="微软雅黑" panose="020B0503020204020204" pitchFamily="34" charset="-122"/>
-                        <a:cs typeface="Times New Roman" panose="02020603050405020304" pitchFamily="18" charset="0"/>
-                      </a:endParaRPr>
-                    </a:p>
-                  </a:txBody>
-                  <a:tcPr marL="68580" marR="68580" marT="0" marB="0" anchor="ctr">
-                    <a:solidFill>
-                      <a:schemeClr val="bg2">
-                        <a:lumMod val="90000"/>
-                      </a:schemeClr>
-                    </a:solidFill>
-                  </a:tcPr>
-                </a:tc>
-                <a:tc>
-                  <a:txBody>
-                    <a:bodyPr/>
-                    <a:lstStyle/>
-                    <a:p>
-                      <a:pPr algn="ctr"/>
-                      <a:r>
-                        <a:rPr lang="en-US" sz="2400" b="1" kern="100">
-                          <a:solidFill>
-                            <a:schemeClr val="tx1">
-                              <a:lumMod val="65000"/>
-                              <a:lumOff val="35000"/>
-                            </a:schemeClr>
-                          </a:solidFill>
-                          <a:effectLst/>
-                          <a:latin typeface="微软雅黑" panose="020B0503020204020204" pitchFamily="34" charset="-122"/>
-                          <a:ea typeface="微软雅黑" panose="020B0503020204020204" pitchFamily="34" charset="-122"/>
-                          <a:cs typeface="黑体" panose="02010609060101010101" pitchFamily="49" charset="-122"/>
-                        </a:rPr>
-                        <a:t>int</a:t>
-                      </a:r>
-                      <a:endParaRPr lang="zh-CN" sz="2400" b="1" kern="100">
-                        <a:solidFill>
-                          <a:schemeClr val="tx1">
-                            <a:lumMod val="65000"/>
-                            <a:lumOff val="35000"/>
-                          </a:schemeClr>
-                        </a:solidFill>
-                        <a:effectLst/>
-                        <a:latin typeface="微软雅黑" panose="020B0503020204020204" pitchFamily="34" charset="-122"/>
-                        <a:ea typeface="微软雅黑" panose="020B0503020204020204" pitchFamily="34" charset="-122"/>
-                        <a:cs typeface="Times New Roman" panose="02020603050405020304" pitchFamily="18" charset="0"/>
-                      </a:endParaRPr>
-                    </a:p>
-                  </a:txBody>
-                  <a:tcPr marL="68580" marR="68580" marT="0" marB="0" anchor="ctr">
-                    <a:solidFill>
-                      <a:schemeClr val="bg2">
-                        <a:lumMod val="90000"/>
-                      </a:schemeClr>
-                    </a:solidFill>
-                  </a:tcPr>
-                </a:tc>
-              </a:tr>
-              <a:tr h="424848">
-                <a:tc>
-                  <a:txBody>
-                    <a:bodyPr/>
-                    <a:lstStyle/>
-                    <a:p>
-                      <a:pPr algn="ctr"/>
-                      <a:r>
-                        <a:rPr lang="zh-CN" sz="2400" b="1" kern="100">
-                          <a:solidFill>
-                            <a:schemeClr val="tx1">
-                              <a:lumMod val="65000"/>
-                              <a:lumOff val="35000"/>
-                            </a:schemeClr>
-                          </a:solidFill>
-                          <a:effectLst/>
-                          <a:latin typeface="微软雅黑" panose="020B0503020204020204" pitchFamily="34" charset="-122"/>
-                          <a:ea typeface="微软雅黑" panose="020B0503020204020204" pitchFamily="34" charset="-122"/>
-                          <a:cs typeface="黑体" panose="02010609060101010101" pitchFamily="49" charset="-122"/>
-                        </a:rPr>
                         <a:t>来源</a:t>
                       </a:r>
                       <a:endParaRPr lang="zh-CN" sz="2400" b="1" kern="100">
@@ -18130,7 +17610,7 @@
         </p:nvSpPr>
         <p:spPr>
           <a:xfrm>
-            <a:off x="-27740" y="2011470"/>
+            <a:off x="200" y="1791760"/>
             <a:ext cx="2919389" cy="523220"/>
           </a:xfrm>
           <a:prstGeom prst="rect">
@@ -18176,7 +17656,7 @@
         </p:nvSpPr>
         <p:spPr>
           <a:xfrm>
-            <a:off x="-27740" y="5649461"/>
+            <a:off x="93545" y="6128251"/>
             <a:ext cx="1887055" cy="523220"/>
           </a:xfrm>
           <a:prstGeom prst="rect">
@@ -18276,7 +17756,7 @@
         </p:nvSpPr>
         <p:spPr>
           <a:xfrm>
-            <a:off x="7586244" y="5862700"/>
+            <a:off x="7586244" y="6128130"/>
             <a:ext cx="1887055" cy="523220"/>
           </a:xfrm>
           <a:prstGeom prst="rect">
@@ -18328,11 +17808,15 @@
           <p:cNvGraphicFramePr>
             <a:graphicFrameLocks noGrp="1"/>
           </p:cNvGraphicFramePr>
-          <p:nvPr/>
+          <p:nvPr>
+            <p:custDataLst>
+              <p:tags r:id="rId9"/>
+            </p:custDataLst>
+          </p:nvPr>
         </p:nvGraphicFramePr>
         <p:xfrm>
-          <a:off x="627914" y="2722650"/>
-          <a:ext cx="6485890" cy="2606885"/>
+          <a:off x="628015" y="2347595"/>
+          <a:ext cx="6485890" cy="3636010"/>
         </p:xfrm>
         <a:graphic>
           <a:graphicData uri="http://schemas.openxmlformats.org/drawingml/2006/table">
@@ -18344,7 +17828,7 @@
                 <a:gridCol w="3242945"/>
                 <a:gridCol w="3242945"/>
               </a:tblGrid>
-              <a:tr h="375073">
+              <a:tr h="409575">
                 <a:tc>
                   <a:txBody>
                     <a:bodyPr/>
@@ -18432,7 +17916,7 @@
                   </a:tcPr>
                 </a:tc>
               </a:tr>
-              <a:tr h="375073">
+              <a:tr h="799465">
                 <a:tc>
                   <a:txBody>
                     <a:bodyPr/>
@@ -18520,7 +18004,7 @@
                   </a:tcPr>
                 </a:tc>
               </a:tr>
-              <a:tr h="375073">
+              <a:tr h="409575">
                 <a:tc>
                   <a:txBody>
                     <a:bodyPr/>
@@ -18608,7 +18092,7 @@
                   </a:tcPr>
                 </a:tc>
               </a:tr>
-              <a:tr h="375073">
+              <a:tr h="1198245">
                 <a:tc>
                   <a:txBody>
                     <a:bodyPr/>
@@ -18616,7 +18100,7 @@
                     <a:p>
                       <a:pPr algn="ctr"/>
                       <a:r>
-                        <a:rPr lang="zh-CN" sz="2400" b="1" kern="100">
+                        <a:rPr lang="zh-CN" sz="2400" kern="100" dirty="0">
                           <a:solidFill>
                             <a:schemeClr val="tx1">
                               <a:lumMod val="65000"/>
@@ -18626,9 +18110,10 @@
                           <a:effectLst/>
                           <a:latin typeface="微软雅黑" panose="020B0503020204020204" pitchFamily="34" charset="-122"/>
                           <a:ea typeface="微软雅黑" panose="020B0503020204020204" pitchFamily="34" charset="-122"/>
-                          <a:cs typeface="黑体" panose="02010609060101010101" pitchFamily="49" charset="-122"/>
+                          <a:cs typeface="Times New Roman" panose="02020603050405020304" pitchFamily="18" charset="0"/>
+                          <a:sym typeface="+mn-ea"/>
                         </a:rPr>
-                        <a:t>类型</a:t>
+                        <a:t>定义</a:t>
                       </a:r>
                       <a:endParaRPr lang="zh-CN" sz="2400" b="1" kern="100">
                         <a:solidFill>
@@ -18659,7 +18144,7 @@
                     <a:p>
                       <a:pPr algn="ctr"/>
                       <a:r>
-                        <a:rPr lang="en-US" sz="2400" b="1" kern="100">
+                        <a:rPr sz="2400" b="1" kern="100">
                           <a:solidFill>
                             <a:schemeClr val="tx1">
                               <a:lumMod val="65000"/>
@@ -18671,39 +18156,9 @@
                           <a:ea typeface="微软雅黑" panose="020B0503020204020204" pitchFamily="34" charset="-122"/>
                           <a:cs typeface="黑体" panose="02010609060101010101" pitchFamily="49" charset="-122"/>
                         </a:rPr>
-                        <a:t>&lt;varchar</a:t>
+                        <a:t>[“用户名”，“密码”，“年龄”，“个人简介”]、1{字母}20</a:t>
                       </a:r>
-                      <a:r>
-                        <a:rPr lang="zh-CN" sz="2400" b="1" kern="100">
-                          <a:solidFill>
-                            <a:schemeClr val="tx1">
-                              <a:lumMod val="65000"/>
-                              <a:lumOff val="35000"/>
-                            </a:schemeClr>
-                          </a:solidFill>
-                          <a:effectLst/>
-                          <a:latin typeface="微软雅黑" panose="020B0503020204020204" pitchFamily="34" charset="-122"/>
-                          <a:ea typeface="微软雅黑" panose="020B0503020204020204" pitchFamily="34" charset="-122"/>
-                          <a:cs typeface="黑体" panose="02010609060101010101" pitchFamily="49" charset="-122"/>
-                        </a:rPr>
-                        <a:t>，</a:t>
-                      </a:r>
-                      <a:r>
-                        <a:rPr lang="en-US" sz="2400" b="1" kern="100">
-                          <a:solidFill>
-                            <a:schemeClr val="tx1">
-                              <a:lumMod val="65000"/>
-                              <a:lumOff val="35000"/>
-                            </a:schemeClr>
-                          </a:solidFill>
-                          <a:effectLst/>
-                          <a:latin typeface="微软雅黑" panose="020B0503020204020204" pitchFamily="34" charset="-122"/>
-                          <a:ea typeface="微软雅黑" panose="020B0503020204020204" pitchFamily="34" charset="-122"/>
-                          <a:cs typeface="黑体" panose="02010609060101010101" pitchFamily="49" charset="-122"/>
-                        </a:rPr>
-                        <a:t>varchar&gt;</a:t>
-                      </a:r>
-                      <a:endParaRPr lang="zh-CN" sz="2400" b="1" kern="100">
+                      <a:endParaRPr sz="2400" b="1" kern="100">
                         <a:solidFill>
                           <a:schemeClr val="tx1">
                             <a:lumMod val="65000"/>
@@ -18713,7 +18168,7 @@
                         <a:effectLst/>
                         <a:latin typeface="微软雅黑" panose="020B0503020204020204" pitchFamily="34" charset="-122"/>
                         <a:ea typeface="微软雅黑" panose="020B0503020204020204" pitchFamily="34" charset="-122"/>
-                        <a:cs typeface="Times New Roman" panose="02020603050405020304" pitchFamily="18" charset="0"/>
+                        <a:cs typeface="黑体" panose="02010609060101010101" pitchFamily="49" charset="-122"/>
                       </a:endParaRPr>
                     </a:p>
                   </a:txBody>
@@ -18726,7 +18181,7 @@
                   </a:tcPr>
                 </a:tc>
               </a:tr>
-              <a:tr h="375073">
+              <a:tr h="409575">
                 <a:tc>
                   <a:txBody>
                     <a:bodyPr/>
@@ -18814,7 +18269,7 @@
                   </a:tcPr>
                 </a:tc>
               </a:tr>
-              <a:tr h="375073">
+              <a:tr h="409575">
                 <a:tc>
                   <a:txBody>
                     <a:bodyPr/>
@@ -18929,13 +18384,13 @@
           </p:cNvGraphicFramePr>
           <p:nvPr>
             <p:custDataLst>
-              <p:tags r:id="rId9"/>
+              <p:tags r:id="rId10"/>
             </p:custDataLst>
           </p:nvPr>
         </p:nvGraphicFramePr>
         <p:xfrm>
-          <a:off x="7715603" y="2347575"/>
-          <a:ext cx="9376015" cy="2981960"/>
+          <a:off x="7715885" y="2347595"/>
+          <a:ext cx="9375775" cy="3328035"/>
         </p:xfrm>
         <a:graphic>
           <a:graphicData uri="http://schemas.openxmlformats.org/drawingml/2006/table">
@@ -18944,10 +18399,10 @@
                 <a:tableStyleId>{5C22544A-7EE6-4342-B048-85BDC9FD1C3A}</a:tableStyleId>
               </a:tblPr>
               <a:tblGrid>
-                <a:gridCol w="3270382"/>
-                <a:gridCol w="6105633"/>
+                <a:gridCol w="3270250"/>
+                <a:gridCol w="6105525"/>
               </a:tblGrid>
-              <a:tr h="379730">
+              <a:tr h="423545">
                 <a:tc>
                   <a:txBody>
                     <a:bodyPr/>
@@ -19035,7 +18490,7 @@
                   </a:tcPr>
                 </a:tc>
               </a:tr>
-              <a:tr h="379730">
+              <a:tr h="424180">
                 <a:tc>
                   <a:txBody>
                     <a:bodyPr/>
@@ -19123,7 +18578,7 @@
                   </a:tcPr>
                 </a:tc>
               </a:tr>
-              <a:tr h="379730">
+              <a:tr h="423545">
                 <a:tc>
                   <a:txBody>
                     <a:bodyPr/>
@@ -19241,7 +18696,7 @@
                   </a:tcPr>
                 </a:tc>
               </a:tr>
-              <a:tr h="379730">
+              <a:tr h="424180">
                 <a:tc>
                   <a:txBody>
                     <a:bodyPr/>
@@ -19249,7 +18704,7 @@
                     <a:p>
                       <a:pPr algn="ctr"/>
                       <a:r>
-                        <a:rPr lang="zh-CN" sz="2400" b="1" kern="100">
+                        <a:rPr lang="zh-CN" sz="2400" b="1" kern="100" dirty="0">
                           <a:solidFill>
                             <a:schemeClr val="tx1">
                               <a:lumMod val="65000"/>
@@ -19259,9 +18714,10 @@
                           <a:effectLst/>
                           <a:latin typeface="微软雅黑" panose="020B0503020204020204" pitchFamily="34" charset="-122"/>
                           <a:ea typeface="微软雅黑" panose="020B0503020204020204" pitchFamily="34" charset="-122"/>
-                          <a:cs typeface="黑体" panose="02010609060101010101" pitchFamily="49" charset="-122"/>
+                          <a:cs typeface="Times New Roman" panose="02020603050405020304" pitchFamily="18" charset="0"/>
+                          <a:sym typeface="+mn-ea"/>
                         </a:rPr>
-                        <a:t>类型</a:t>
+                        <a:t>定义</a:t>
                       </a:r>
                       <a:endParaRPr lang="zh-CN" sz="2400" b="1" kern="100">
                         <a:solidFill>
@@ -19292,7 +18748,7 @@
                     <a:p>
                       <a:pPr algn="ctr"/>
                       <a:r>
-                        <a:rPr lang="en-US" sz="2400" b="1" kern="100">
+                        <a:rPr sz="2400" b="1" kern="100">
                           <a:solidFill>
                             <a:schemeClr val="tx1">
                               <a:lumMod val="65000"/>
@@ -19304,10 +18760,25 @@
                           <a:ea typeface="微软雅黑" panose="020B0503020204020204" pitchFamily="34" charset="-122"/>
                           <a:cs typeface="黑体" panose="02010609060101010101" pitchFamily="49" charset="-122"/>
                         </a:rPr>
-                        <a:t>&lt;int</a:t>
+                        <a:t>1..40000、1{字母}500、</a:t>
                       </a:r>
+                      <a:endParaRPr sz="2400" b="1" kern="100">
+                        <a:solidFill>
+                          <a:schemeClr val="tx1">
+                            <a:lumMod val="65000"/>
+                            <a:lumOff val="35000"/>
+                          </a:schemeClr>
+                        </a:solidFill>
+                        <a:effectLst/>
+                        <a:latin typeface="微软雅黑" panose="020B0503020204020204" pitchFamily="34" charset="-122"/>
+                        <a:ea typeface="微软雅黑" panose="020B0503020204020204" pitchFamily="34" charset="-122"/>
+                        <a:cs typeface="黑体" panose="02010609060101010101" pitchFamily="49" charset="-122"/>
+                      </a:endParaRPr>
+                    </a:p>
+                    <a:p>
+                      <a:pPr algn="ctr"/>
                       <a:r>
-                        <a:rPr lang="zh-CN" sz="2400" b="1" kern="100">
+                        <a:rPr sz="2400" b="1" kern="100">
                           <a:solidFill>
                             <a:schemeClr val="tx1">
                               <a:lumMod val="65000"/>
@@ -19319,54 +18790,9 @@
                           <a:ea typeface="微软雅黑" panose="020B0503020204020204" pitchFamily="34" charset="-122"/>
                           <a:cs typeface="黑体" panose="02010609060101010101" pitchFamily="49" charset="-122"/>
                         </a:rPr>
-                        <a:t>，</a:t>
+                        <a:t>年+月+日+秒</a:t>
                       </a:r>
-                      <a:r>
-                        <a:rPr lang="en-US" sz="2400" b="1" kern="100">
-                          <a:solidFill>
-                            <a:schemeClr val="tx1">
-                              <a:lumMod val="65000"/>
-                              <a:lumOff val="35000"/>
-                            </a:schemeClr>
-                          </a:solidFill>
-                          <a:effectLst/>
-                          <a:latin typeface="微软雅黑" panose="020B0503020204020204" pitchFamily="34" charset="-122"/>
-                          <a:ea typeface="微软雅黑" panose="020B0503020204020204" pitchFamily="34" charset="-122"/>
-                          <a:cs typeface="黑体" panose="02010609060101010101" pitchFamily="49" charset="-122"/>
-                        </a:rPr>
-                        <a:t>varchar</a:t>
-                      </a:r>
-                      <a:r>
-                        <a:rPr lang="zh-CN" sz="2400" b="1" kern="100">
-                          <a:solidFill>
-                            <a:schemeClr val="tx1">
-                              <a:lumMod val="65000"/>
-                              <a:lumOff val="35000"/>
-                            </a:schemeClr>
-                          </a:solidFill>
-                          <a:effectLst/>
-                          <a:latin typeface="微软雅黑" panose="020B0503020204020204" pitchFamily="34" charset="-122"/>
-                          <a:ea typeface="微软雅黑" panose="020B0503020204020204" pitchFamily="34" charset="-122"/>
-                          <a:cs typeface="黑体" panose="02010609060101010101" pitchFamily="49" charset="-122"/>
-                        </a:rPr>
-                        <a:t>，</a:t>
-                      </a:r>
-                      <a:r>
-                        <a:rPr lang="en-US" sz="2400" b="1" kern="100">
-                          <a:solidFill>
-                            <a:schemeClr val="tx1">
-                              <a:lumMod val="65000"/>
-                              <a:lumOff val="35000"/>
-                            </a:schemeClr>
-                          </a:solidFill>
-                          <a:effectLst/>
-                          <a:latin typeface="微软雅黑" panose="020B0503020204020204" pitchFamily="34" charset="-122"/>
-                          <a:ea typeface="微软雅黑" panose="020B0503020204020204" pitchFamily="34" charset="-122"/>
-                          <a:cs typeface="黑体" panose="02010609060101010101" pitchFamily="49" charset="-122"/>
-                        </a:rPr>
-                        <a:t>datetime&gt;</a:t>
-                      </a:r>
-                      <a:endParaRPr lang="zh-CN" sz="2400" b="1" kern="100">
+                      <a:endParaRPr sz="2400" b="1" kern="100">
                         <a:solidFill>
                           <a:schemeClr val="tx1">
                             <a:lumMod val="65000"/>
@@ -19376,7 +18802,7 @@
                         <a:effectLst/>
                         <a:latin typeface="微软雅黑" panose="020B0503020204020204" pitchFamily="34" charset="-122"/>
                         <a:ea typeface="微软雅黑" panose="020B0503020204020204" pitchFamily="34" charset="-122"/>
-                        <a:cs typeface="Times New Roman" panose="02020603050405020304" pitchFamily="18" charset="0"/>
+                        <a:cs typeface="黑体" panose="02010609060101010101" pitchFamily="49" charset="-122"/>
                       </a:endParaRPr>
                     </a:p>
                   </a:txBody>
@@ -19389,7 +18815,7 @@
                   </a:tcPr>
                 </a:tc>
               </a:tr>
-              <a:tr h="379730">
+              <a:tr h="815975">
                 <a:tc>
                   <a:txBody>
                     <a:bodyPr/>
@@ -19552,7 +18978,7 @@
                   </a:tcPr>
                 </a:tc>
               </a:tr>
-              <a:tr h="379730">
+              <a:tr h="816610">
                 <a:tc>
                   <a:txBody>
                     <a:bodyPr/>
@@ -20220,7 +19646,7 @@
                     <a:p>
                       <a:pPr algn="ctr"/>
                       <a:r>
-                        <a:rPr lang="zh-CN" sz="2400" b="1" kern="100">
+                        <a:rPr lang="zh-CN" sz="2400" b="1" kern="100" dirty="0">
                           <a:solidFill>
                             <a:schemeClr val="tx1">
                               <a:lumMod val="65000"/>
@@ -20230,9 +19656,10 @@
                           <a:effectLst/>
                           <a:latin typeface="微软雅黑" panose="020B0503020204020204" pitchFamily="34" charset="-122"/>
                           <a:ea typeface="微软雅黑" panose="020B0503020204020204" pitchFamily="34" charset="-122"/>
-                          <a:cs typeface="黑体" panose="02010609060101010101" pitchFamily="49" charset="-122"/>
+                          <a:cs typeface="Times New Roman" panose="02020603050405020304" pitchFamily="18" charset="0"/>
+                          <a:sym typeface="+mn-ea"/>
                         </a:rPr>
-                        <a:t>类型</a:t>
+                        <a:t>定义</a:t>
                       </a:r>
                       <a:endParaRPr lang="zh-CN" sz="2400" b="1" kern="100">
                         <a:solidFill>
@@ -20275,9 +19702,9 @@
                           <a:ea typeface="微软雅黑" panose="020B0503020204020204" pitchFamily="34" charset="-122"/>
                           <a:cs typeface="黑体" panose="02010609060101010101" pitchFamily="49" charset="-122"/>
                         </a:rPr>
-                        <a:t>varchar</a:t>
+                        <a:t>[“顾客”，“管理员”]</a:t>
                       </a:r>
-                      <a:endParaRPr lang="zh-CN" sz="2400" b="1" kern="100">
+                      <a:endParaRPr lang="en-US" sz="2400" b="1" kern="100">
                         <a:solidFill>
                           <a:schemeClr val="tx1">
                             <a:lumMod val="65000"/>
@@ -20287,7 +19714,7 @@
                         <a:effectLst/>
                         <a:latin typeface="微软雅黑" panose="020B0503020204020204" pitchFamily="34" charset="-122"/>
                         <a:ea typeface="微软雅黑" panose="020B0503020204020204" pitchFamily="34" charset="-122"/>
-                        <a:cs typeface="Times New Roman" panose="02020603050405020304" pitchFamily="18" charset="0"/>
+                        <a:cs typeface="黑体" panose="02010609060101010101" pitchFamily="49" charset="-122"/>
                       </a:endParaRPr>
                     </a:p>
                   </a:txBody>
@@ -20805,7 +20232,7 @@
                           <a:ea typeface="微软雅黑" panose="020B0503020204020204" pitchFamily="34" charset="-122"/>
                           <a:cs typeface="黑体" panose="02010609060101010101" pitchFamily="49" charset="-122"/>
                         </a:rPr>
-                        <a:t>、评论文本、属性</a:t>
+                        <a:t>、评论文本、更新时间、属性</a:t>
                       </a:r>
                       <a:r>
                         <a:rPr lang="en-US" sz="2400" b="1" kern="100">
@@ -20868,7 +20295,7 @@
                     <a:p>
                       <a:pPr algn="ctr"/>
                       <a:r>
-                        <a:rPr lang="zh-CN" sz="2400" b="1" kern="100">
+                        <a:rPr lang="zh-CN" sz="2400" b="1" kern="100" dirty="0">
                           <a:solidFill>
                             <a:schemeClr val="tx1">
                               <a:lumMod val="65000"/>
@@ -20878,9 +20305,10 @@
                           <a:effectLst/>
                           <a:latin typeface="微软雅黑" panose="020B0503020204020204" pitchFamily="34" charset="-122"/>
                           <a:ea typeface="微软雅黑" panose="020B0503020204020204" pitchFamily="34" charset="-122"/>
-                          <a:cs typeface="黑体" panose="02010609060101010101" pitchFamily="49" charset="-122"/>
+                          <a:cs typeface="Times New Roman" panose="02020603050405020304" pitchFamily="18" charset="0"/>
+                          <a:sym typeface="+mn-ea"/>
                         </a:rPr>
-                        <a:t>类型</a:t>
+                        <a:t>定义</a:t>
                       </a:r>
                       <a:endParaRPr lang="zh-CN" sz="2400" b="1" kern="100">
                         <a:solidFill>
@@ -20911,7 +20339,7 @@
                     <a:p>
                       <a:pPr algn="ctr"/>
                       <a:r>
-                        <a:rPr lang="en-US" sz="2400" b="1" kern="100">
+                        <a:rPr sz="2400" b="1" kern="100">
                           <a:solidFill>
                             <a:schemeClr val="tx1">
                               <a:lumMod val="65000"/>
@@ -20923,10 +20351,25 @@
                           <a:ea typeface="微软雅黑" panose="020B0503020204020204" pitchFamily="34" charset="-122"/>
                           <a:cs typeface="黑体" panose="02010609060101010101" pitchFamily="49" charset="-122"/>
                         </a:rPr>
-                        <a:t>&lt;int</a:t>
+                        <a:t>1..20000、1{字母}500、年+月+日+秒、</a:t>
                       </a:r>
+                      <a:endParaRPr sz="2400" b="1" kern="100">
+                        <a:solidFill>
+                          <a:schemeClr val="tx1">
+                            <a:lumMod val="65000"/>
+                            <a:lumOff val="35000"/>
+                          </a:schemeClr>
+                        </a:solidFill>
+                        <a:effectLst/>
+                        <a:latin typeface="微软雅黑" panose="020B0503020204020204" pitchFamily="34" charset="-122"/>
+                        <a:ea typeface="微软雅黑" panose="020B0503020204020204" pitchFamily="34" charset="-122"/>
+                        <a:cs typeface="黑体" panose="02010609060101010101" pitchFamily="49" charset="-122"/>
+                      </a:endParaRPr>
+                    </a:p>
+                    <a:p>
+                      <a:pPr algn="ctr"/>
                       <a:r>
-                        <a:rPr lang="zh-CN" sz="2400" b="1" kern="100">
+                        <a:rPr sz="2400" b="1" kern="100">
                           <a:solidFill>
                             <a:schemeClr val="tx1">
                               <a:lumMod val="65000"/>
@@ -20938,84 +20381,9 @@
                           <a:ea typeface="微软雅黑" panose="020B0503020204020204" pitchFamily="34" charset="-122"/>
                           <a:cs typeface="黑体" panose="02010609060101010101" pitchFamily="49" charset="-122"/>
                         </a:rPr>
-                        <a:t>，</a:t>
+                        <a:t>{1{字母}+[“正向”，“负向”]}</a:t>
                       </a:r>
-                      <a:r>
-                        <a:rPr lang="en-US" sz="2400" b="1" kern="100">
-                          <a:solidFill>
-                            <a:schemeClr val="tx1">
-                              <a:lumMod val="65000"/>
-                              <a:lumOff val="35000"/>
-                            </a:schemeClr>
-                          </a:solidFill>
-                          <a:effectLst/>
-                          <a:latin typeface="微软雅黑" panose="020B0503020204020204" pitchFamily="34" charset="-122"/>
-                          <a:ea typeface="微软雅黑" panose="020B0503020204020204" pitchFamily="34" charset="-122"/>
-                          <a:cs typeface="黑体" panose="02010609060101010101" pitchFamily="49" charset="-122"/>
-                        </a:rPr>
-                        <a:t>varchar</a:t>
-                      </a:r>
-                      <a:r>
-                        <a:rPr lang="zh-CN" sz="2400" b="1" kern="100">
-                          <a:solidFill>
-                            <a:schemeClr val="tx1">
-                              <a:lumMod val="65000"/>
-                              <a:lumOff val="35000"/>
-                            </a:schemeClr>
-                          </a:solidFill>
-                          <a:effectLst/>
-                          <a:latin typeface="微软雅黑" panose="020B0503020204020204" pitchFamily="34" charset="-122"/>
-                          <a:ea typeface="微软雅黑" panose="020B0503020204020204" pitchFamily="34" charset="-122"/>
-                          <a:cs typeface="黑体" panose="02010609060101010101" pitchFamily="49" charset="-122"/>
-                        </a:rPr>
-                        <a:t>，</a:t>
-                      </a:r>
-                      <a:r>
-                        <a:rPr lang="en-US" sz="2400" b="1" kern="100">
-                          <a:solidFill>
-                            <a:schemeClr val="tx1">
-                              <a:lumMod val="65000"/>
-                              <a:lumOff val="35000"/>
-                            </a:schemeClr>
-                          </a:solidFill>
-                          <a:effectLst/>
-                          <a:latin typeface="微软雅黑" panose="020B0503020204020204" pitchFamily="34" charset="-122"/>
-                          <a:ea typeface="微软雅黑" panose="020B0503020204020204" pitchFamily="34" charset="-122"/>
-                          <a:cs typeface="黑体" panose="02010609060101010101" pitchFamily="49" charset="-122"/>
-                        </a:rPr>
-                        <a:t>[(varchar</a:t>
-                      </a:r>
-                      <a:r>
-                        <a:rPr lang="zh-CN" sz="2400" b="1" kern="100">
-                          <a:solidFill>
-                            <a:schemeClr val="tx1">
-                              <a:lumMod val="65000"/>
-                              <a:lumOff val="35000"/>
-                            </a:schemeClr>
-                          </a:solidFill>
-                          <a:effectLst/>
-                          <a:latin typeface="微软雅黑" panose="020B0503020204020204" pitchFamily="34" charset="-122"/>
-                          <a:ea typeface="微软雅黑" panose="020B0503020204020204" pitchFamily="34" charset="-122"/>
-                          <a:cs typeface="黑体" panose="02010609060101010101" pitchFamily="49" charset="-122"/>
-                        </a:rPr>
-                        <a:t>，</a:t>
-                      </a:r>
-                      <a:r>
-                        <a:rPr lang="en-US" sz="2400" b="1" kern="100">
-                          <a:solidFill>
-                            <a:schemeClr val="tx1">
-                              <a:lumMod val="65000"/>
-                              <a:lumOff val="35000"/>
-                            </a:schemeClr>
-                          </a:solidFill>
-                          <a:effectLst/>
-                          <a:latin typeface="微软雅黑" panose="020B0503020204020204" pitchFamily="34" charset="-122"/>
-                          <a:ea typeface="微软雅黑" panose="020B0503020204020204" pitchFamily="34" charset="-122"/>
-                          <a:cs typeface="黑体" panose="02010609060101010101" pitchFamily="49" charset="-122"/>
-                        </a:rPr>
-                        <a:t>int)]&gt;</a:t>
-                      </a:r>
-                      <a:endParaRPr lang="zh-CN" sz="2400" b="1" kern="100">
+                      <a:endParaRPr sz="2400" b="1" kern="100">
                         <a:solidFill>
                           <a:schemeClr val="tx1">
                             <a:lumMod val="65000"/>
@@ -21025,7 +20393,7 @@
                         <a:effectLst/>
                         <a:latin typeface="微软雅黑" panose="020B0503020204020204" pitchFamily="34" charset="-122"/>
                         <a:ea typeface="微软雅黑" panose="020B0503020204020204" pitchFamily="34" charset="-122"/>
-                        <a:cs typeface="Times New Roman" panose="02020603050405020304" pitchFamily="18" charset="0"/>
+                        <a:cs typeface="黑体" panose="02010609060101010101" pitchFamily="49" charset="-122"/>
                       </a:endParaRPr>
                     </a:p>
                   </a:txBody>
@@ -21454,7 +20822,11 @@
           <p:cNvGraphicFramePr>
             <a:graphicFrameLocks noGrp="1"/>
           </p:cNvGraphicFramePr>
-          <p:nvPr/>
+          <p:nvPr>
+            <p:custDataLst>
+              <p:tags r:id="rId9"/>
+            </p:custDataLst>
+          </p:nvPr>
         </p:nvGraphicFramePr>
         <p:xfrm>
           <a:off x="714375" y="2317356"/>
@@ -21549,94 +20921,6 @@
                           <a:cs typeface="黑体" panose="02010609060101010101" pitchFamily="49" charset="-122"/>
                         </a:rPr>
                         <a:t>ID</a:t>
-                      </a:r>
-                      <a:endParaRPr lang="zh-CN" sz="2400" b="1" kern="100">
-                        <a:solidFill>
-                          <a:schemeClr val="tx1">
-                            <a:lumMod val="65000"/>
-                            <a:lumOff val="35000"/>
-                          </a:schemeClr>
-                        </a:solidFill>
-                        <a:effectLst/>
-                        <a:latin typeface="微软雅黑" panose="020B0503020204020204" pitchFamily="34" charset="-122"/>
-                        <a:ea typeface="微软雅黑" panose="020B0503020204020204" pitchFamily="34" charset="-122"/>
-                        <a:cs typeface="Times New Roman" panose="02020603050405020304" pitchFamily="18" charset="0"/>
-                      </a:endParaRPr>
-                    </a:p>
-                  </a:txBody>
-                  <a:tcPr marL="68580" marR="68580" marT="0" marB="0" anchor="ctr">
-                    <a:solidFill>
-                      <a:schemeClr val="bg2">
-                        <a:lumMod val="90000"/>
-                      </a:schemeClr>
-                    </a:solidFill>
-                  </a:tcPr>
-                </a:tc>
-              </a:tr>
-              <a:tr h="436810">
-                <a:tc>
-                  <a:txBody>
-                    <a:bodyPr/>
-                    <a:lstStyle/>
-                    <a:p>
-                      <a:pPr algn="ctr"/>
-                      <a:r>
-                        <a:rPr lang="zh-CN" sz="2400" b="1" kern="100">
-                          <a:solidFill>
-                            <a:schemeClr val="tx1">
-                              <a:lumMod val="65000"/>
-                              <a:lumOff val="35000"/>
-                            </a:schemeClr>
-                          </a:solidFill>
-                          <a:effectLst/>
-                          <a:latin typeface="微软雅黑" panose="020B0503020204020204" pitchFamily="34" charset="-122"/>
-                          <a:ea typeface="微软雅黑" panose="020B0503020204020204" pitchFamily="34" charset="-122"/>
-                          <a:cs typeface="黑体" panose="02010609060101010101" pitchFamily="49" charset="-122"/>
-                        </a:rPr>
-                        <a:t>类型</a:t>
-                      </a:r>
-                      <a:endParaRPr lang="zh-CN" sz="2400" b="1" kern="100">
-                        <a:solidFill>
-                          <a:schemeClr val="tx1">
-                            <a:lumMod val="65000"/>
-                            <a:lumOff val="35000"/>
-                          </a:schemeClr>
-                        </a:solidFill>
-                        <a:effectLst/>
-                        <a:latin typeface="微软雅黑" panose="020B0503020204020204" pitchFamily="34" charset="-122"/>
-                        <a:ea typeface="微软雅黑" panose="020B0503020204020204" pitchFamily="34" charset="-122"/>
-                        <a:cs typeface="Times New Roman" panose="02020603050405020304" pitchFamily="18" charset="0"/>
-                      </a:endParaRPr>
-                    </a:p>
-                  </a:txBody>
-                  <a:tcPr marL="68580" marR="68580" marT="0" marB="0" anchor="ctr">
-                    <a:solidFill>
-                      <a:schemeClr val="bg2">
-                        <a:lumMod val="90000"/>
-                      </a:schemeClr>
-                    </a:solidFill>
-                  </a:tcPr>
-                </a:tc>
-                <a:tc>
-                  <a:txBody>
-                    <a:bodyPr/>
-                    <a:lstStyle/>
-                    <a:p>
-                      <a:pPr algn="ctr"/>
-                      <a:r>
-                        <a:rPr lang="en-US" sz="2400" b="1" kern="100">
-                          <a:solidFill>
-                            <a:schemeClr val="tx1">
-                              <a:lumMod val="65000"/>
-                              <a:lumOff val="35000"/>
-                            </a:schemeClr>
-                          </a:solidFill>
-                          <a:effectLst/>
-                          <a:latin typeface="微软雅黑" panose="020B0503020204020204" pitchFamily="34" charset="-122"/>
-                          <a:ea typeface="微软雅黑" panose="020B0503020204020204" pitchFamily="34" charset="-122"/>
-                          <a:cs typeface="黑体" panose="02010609060101010101" pitchFamily="49" charset="-122"/>
-                        </a:rPr>
-                        <a:t>int</a:t>
                       </a:r>
                       <a:endParaRPr lang="zh-CN" sz="2400" b="1" kern="100">
                         <a:solidFill>
@@ -21939,13 +21223,13 @@
           </p:cNvGraphicFramePr>
           <p:nvPr>
             <p:custDataLst>
-              <p:tags r:id="rId9"/>
+              <p:tags r:id="rId10"/>
             </p:custDataLst>
           </p:nvPr>
         </p:nvGraphicFramePr>
         <p:xfrm>
           <a:off x="8021320" y="2279015"/>
-          <a:ext cx="7804785" cy="2875280"/>
+          <a:ext cx="9219565" cy="2889250"/>
         </p:xfrm>
         <a:graphic>
           <a:graphicData uri="http://schemas.openxmlformats.org/drawingml/2006/table">
@@ -21954,10 +21238,10 @@
                 <a:tableStyleId>{5C22544A-7EE6-4342-B048-85BDC9FD1C3A}</a:tableStyleId>
               </a:tblPr>
               <a:tblGrid>
-                <a:gridCol w="1614805"/>
-                <a:gridCol w="6189980"/>
+                <a:gridCol w="1907540"/>
+                <a:gridCol w="7312025"/>
               </a:tblGrid>
-              <a:tr h="365760">
+              <a:tr h="367665">
                 <a:tc>
                   <a:txBody>
                     <a:bodyPr/>
@@ -22043,7 +21327,7 @@
                   </a:tcPr>
                 </a:tc>
               </a:tr>
-              <a:tr h="660400">
+              <a:tr h="663575">
                 <a:tc>
                   <a:txBody>
                     <a:bodyPr/>
@@ -22129,7 +21413,7 @@
                   </a:tcPr>
                 </a:tc>
               </a:tr>
-              <a:tr h="731520">
+              <a:tr h="734695">
                 <a:tc>
                   <a:txBody>
                     <a:bodyPr/>
@@ -22245,14 +21529,14 @@
                   </a:tcPr>
                 </a:tc>
               </a:tr>
-              <a:tr h="365760">
+              <a:tr h="367665">
                 <a:tc>
                   <a:txBody>
                     <a:bodyPr/>
                     <a:p>
                       <a:pPr algn="ctr"/>
                       <a:r>
-                        <a:rPr lang="zh-CN" sz="2400" b="1" kern="100">
+                        <a:rPr lang="zh-CN" sz="2400" b="1" kern="100" dirty="0">
                           <a:solidFill>
                             <a:schemeClr val="tx1">
                               <a:lumMod val="65000"/>
@@ -22262,9 +21546,10 @@
                           <a:effectLst/>
                           <a:latin typeface="微软雅黑" panose="020B0503020204020204" pitchFamily="34" charset="-122"/>
                           <a:ea typeface="微软雅黑" panose="020B0503020204020204" pitchFamily="34" charset="-122"/>
-                          <a:cs typeface="黑体" panose="02010609060101010101" pitchFamily="49" charset="-122"/>
+                          <a:cs typeface="Times New Roman" panose="02020603050405020304" pitchFamily="18" charset="0"/>
+                          <a:sym typeface="+mn-ea"/>
                         </a:rPr>
-                        <a:t>类型</a:t>
+                        <a:t>定义</a:t>
                       </a:r>
                       <a:endParaRPr lang="zh-CN" sz="2400" b="1" kern="100">
                         <a:solidFill>
@@ -22294,7 +21579,7 @@
                     <a:p>
                       <a:pPr algn="ctr"/>
                       <a:r>
-                        <a:rPr lang="en-US" sz="2400" b="1" kern="100">
+                        <a:rPr sz="2400" b="1" kern="100">
                           <a:solidFill>
                             <a:schemeClr val="tx1">
                               <a:lumMod val="65000"/>
@@ -22306,69 +21591,9 @@
                           <a:ea typeface="微软雅黑" panose="020B0503020204020204" pitchFamily="34" charset="-122"/>
                           <a:cs typeface="黑体" panose="02010609060101010101" pitchFamily="49" charset="-122"/>
                         </a:rPr>
-                        <a:t>[(int</a:t>
+                        <a:t>[0,1,2]、{1{字母}+0.0..0.9999}</a:t>
                       </a:r>
-                      <a:r>
-                        <a:rPr lang="zh-CN" sz="2400" b="1" kern="100">
-                          <a:solidFill>
-                            <a:schemeClr val="tx1">
-                              <a:lumMod val="65000"/>
-                              <a:lumOff val="35000"/>
-                            </a:schemeClr>
-                          </a:solidFill>
-                          <a:effectLst/>
-                          <a:latin typeface="微软雅黑" panose="020B0503020204020204" pitchFamily="34" charset="-122"/>
-                          <a:ea typeface="微软雅黑" panose="020B0503020204020204" pitchFamily="34" charset="-122"/>
-                          <a:cs typeface="黑体" panose="02010609060101010101" pitchFamily="49" charset="-122"/>
-                        </a:rPr>
-                        <a:t>，</a:t>
-                      </a:r>
-                      <a:r>
-                        <a:rPr lang="en-US" sz="2400" b="1" kern="100">
-                          <a:solidFill>
-                            <a:schemeClr val="tx1">
-                              <a:lumMod val="65000"/>
-                              <a:lumOff val="35000"/>
-                            </a:schemeClr>
-                          </a:solidFill>
-                          <a:effectLst/>
-                          <a:latin typeface="微软雅黑" panose="020B0503020204020204" pitchFamily="34" charset="-122"/>
-                          <a:ea typeface="微软雅黑" panose="020B0503020204020204" pitchFamily="34" charset="-122"/>
-                          <a:cs typeface="黑体" panose="02010609060101010101" pitchFamily="49" charset="-122"/>
-                        </a:rPr>
-                        <a:t>[(varchar</a:t>
-                      </a:r>
-                      <a:r>
-                        <a:rPr lang="zh-CN" sz="2400" b="1" kern="100">
-                          <a:solidFill>
-                            <a:schemeClr val="tx1">
-                              <a:lumMod val="65000"/>
-                              <a:lumOff val="35000"/>
-                            </a:schemeClr>
-                          </a:solidFill>
-                          <a:effectLst/>
-                          <a:latin typeface="微软雅黑" panose="020B0503020204020204" pitchFamily="34" charset="-122"/>
-                          <a:ea typeface="微软雅黑" panose="020B0503020204020204" pitchFamily="34" charset="-122"/>
-                          <a:cs typeface="黑体" panose="02010609060101010101" pitchFamily="49" charset="-122"/>
-                        </a:rPr>
-                        <a:t>，</a:t>
-                      </a:r>
-                      <a:r>
-                        <a:rPr lang="en-US" sz="2400" b="1" kern="100">
-                          <a:solidFill>
-                            <a:schemeClr val="tx1">
-                              <a:lumMod val="65000"/>
-                              <a:lumOff val="35000"/>
-                            </a:schemeClr>
-                          </a:solidFill>
-                          <a:effectLst/>
-                          <a:latin typeface="微软雅黑" panose="020B0503020204020204" pitchFamily="34" charset="-122"/>
-                          <a:ea typeface="微软雅黑" panose="020B0503020204020204" pitchFamily="34" charset="-122"/>
-                          <a:cs typeface="黑体" panose="02010609060101010101" pitchFamily="49" charset="-122"/>
-                        </a:rPr>
-                        <a:t>double)])]</a:t>
-                      </a:r>
-                      <a:endParaRPr lang="zh-CN" sz="2400" b="1" kern="100">
+                      <a:endParaRPr sz="2400" b="1" kern="100">
                         <a:solidFill>
                           <a:schemeClr val="tx1">
                             <a:lumMod val="65000"/>
@@ -22378,7 +21603,7 @@
                         <a:effectLst/>
                         <a:latin typeface="微软雅黑" panose="020B0503020204020204" pitchFamily="34" charset="-122"/>
                         <a:ea typeface="微软雅黑" panose="020B0503020204020204" pitchFamily="34" charset="-122"/>
-                        <a:cs typeface="Times New Roman" panose="02020603050405020304" pitchFamily="18" charset="0"/>
+                        <a:cs typeface="黑体" panose="02010609060101010101" pitchFamily="49" charset="-122"/>
                       </a:endParaRPr>
                     </a:p>
                   </a:txBody>
@@ -22391,7 +21616,7 @@
                   </a:tcPr>
                 </a:tc>
               </a:tr>
-              <a:tr h="365760">
+              <a:tr h="367665">
                 <a:tc>
                   <a:txBody>
                     <a:bodyPr/>
@@ -22492,7 +21717,7 @@
                   </a:tcPr>
                 </a:tc>
               </a:tr>
-              <a:tr h="386080">
+              <a:tr h="387985">
                 <a:tc>
                   <a:txBody>
                     <a:bodyPr/>
@@ -23275,7 +22500,7 @@
                           <a:ea typeface="微软雅黑" panose="020B0503020204020204" pitchFamily="34" charset="-122"/>
                           <a:cs typeface="黑体" panose="02010609060101010101" pitchFamily="49" charset="-122"/>
                         </a:rPr>
-                        <a:t>类型</a:t>
+                        <a:t>定义</a:t>
                       </a:r>
                       <a:endParaRPr lang="zh-CN" sz="2400" b="1" kern="100">
                         <a:solidFill>
@@ -23287,7 +22512,7 @@
                         <a:effectLst/>
                         <a:latin typeface="微软雅黑" panose="020B0503020204020204" pitchFamily="34" charset="-122"/>
                         <a:ea typeface="微软雅黑" panose="020B0503020204020204" pitchFamily="34" charset="-122"/>
-                        <a:cs typeface="Times New Roman" panose="02020603050405020304" pitchFamily="18" charset="0"/>
+                        <a:cs typeface="黑体" panose="02010609060101010101" pitchFamily="49" charset="-122"/>
                       </a:endParaRPr>
                     </a:p>
                   </a:txBody>
@@ -23305,7 +22530,7 @@
                     <a:p>
                       <a:pPr algn="ctr"/>
                       <a:r>
-                        <a:rPr lang="en-US" sz="2400" b="1" kern="100">
+                        <a:rPr sz="2400" b="1" kern="100">
                           <a:solidFill>
                             <a:schemeClr val="tx1">
                               <a:lumMod val="65000"/>
@@ -23317,69 +22542,9 @@
                           <a:ea typeface="微软雅黑" panose="020B0503020204020204" pitchFamily="34" charset="-122"/>
                           <a:cs typeface="黑体" panose="02010609060101010101" pitchFamily="49" charset="-122"/>
                         </a:rPr>
-                        <a:t>&lt;int</a:t>
+                        <a:t>1..20000、1{字母}500、{1{字母}}</a:t>
                       </a:r>
-                      <a:r>
-                        <a:rPr lang="zh-CN" sz="2400" b="1" kern="100">
-                          <a:solidFill>
-                            <a:schemeClr val="tx1">
-                              <a:lumMod val="65000"/>
-                              <a:lumOff val="35000"/>
-                            </a:schemeClr>
-                          </a:solidFill>
-                          <a:effectLst/>
-                          <a:latin typeface="微软雅黑" panose="020B0503020204020204" pitchFamily="34" charset="-122"/>
-                          <a:ea typeface="微软雅黑" panose="020B0503020204020204" pitchFamily="34" charset="-122"/>
-                          <a:cs typeface="黑体" panose="02010609060101010101" pitchFamily="49" charset="-122"/>
-                        </a:rPr>
-                        <a:t>，</a:t>
-                      </a:r>
-                      <a:r>
-                        <a:rPr lang="en-US" sz="2400" b="1" kern="100">
-                          <a:solidFill>
-                            <a:schemeClr val="tx1">
-                              <a:lumMod val="65000"/>
-                              <a:lumOff val="35000"/>
-                            </a:schemeClr>
-                          </a:solidFill>
-                          <a:effectLst/>
-                          <a:latin typeface="微软雅黑" panose="020B0503020204020204" pitchFamily="34" charset="-122"/>
-                          <a:ea typeface="微软雅黑" panose="020B0503020204020204" pitchFamily="34" charset="-122"/>
-                          <a:cs typeface="黑体" panose="02010609060101010101" pitchFamily="49" charset="-122"/>
-                        </a:rPr>
-                        <a:t>varchar</a:t>
-                      </a:r>
-                      <a:r>
-                        <a:rPr lang="zh-CN" sz="2400" b="1" kern="100">
-                          <a:solidFill>
-                            <a:schemeClr val="tx1">
-                              <a:lumMod val="65000"/>
-                              <a:lumOff val="35000"/>
-                            </a:schemeClr>
-                          </a:solidFill>
-                          <a:effectLst/>
-                          <a:latin typeface="微软雅黑" panose="020B0503020204020204" pitchFamily="34" charset="-122"/>
-                          <a:ea typeface="微软雅黑" panose="020B0503020204020204" pitchFamily="34" charset="-122"/>
-                          <a:cs typeface="黑体" panose="02010609060101010101" pitchFamily="49" charset="-122"/>
-                        </a:rPr>
-                        <a:t>，</a:t>
-                      </a:r>
-                      <a:r>
-                        <a:rPr lang="en-US" sz="2400" b="1" kern="100">
-                          <a:solidFill>
-                            <a:schemeClr val="tx1">
-                              <a:lumMod val="65000"/>
-                              <a:lumOff val="35000"/>
-                            </a:schemeClr>
-                          </a:solidFill>
-                          <a:effectLst/>
-                          <a:latin typeface="微软雅黑" panose="020B0503020204020204" pitchFamily="34" charset="-122"/>
-                          <a:ea typeface="微软雅黑" panose="020B0503020204020204" pitchFamily="34" charset="-122"/>
-                          <a:cs typeface="黑体" panose="02010609060101010101" pitchFamily="49" charset="-122"/>
-                        </a:rPr>
-                        <a:t>[varchar]&gt;</a:t>
-                      </a:r>
-                      <a:endParaRPr lang="zh-CN" sz="2400" b="1" kern="100">
+                      <a:endParaRPr sz="2400" b="1" kern="100">
                         <a:solidFill>
                           <a:schemeClr val="tx1">
                             <a:lumMod val="65000"/>
@@ -23389,7 +22554,7 @@
                         <a:effectLst/>
                         <a:latin typeface="微软雅黑" panose="020B0503020204020204" pitchFamily="34" charset="-122"/>
                         <a:ea typeface="微软雅黑" panose="020B0503020204020204" pitchFamily="34" charset="-122"/>
-                        <a:cs typeface="Times New Roman" panose="02020603050405020304" pitchFamily="18" charset="0"/>
+                        <a:cs typeface="黑体" panose="02010609060101010101" pitchFamily="49" charset="-122"/>
                       </a:endParaRPr>
                     </a:p>
                   </a:txBody>
@@ -24065,7 +23230,7 @@
                           <a:latin typeface="微软雅黑" panose="020B0503020204020204" pitchFamily="34" charset="-122"/>
                           <a:ea typeface="微软雅黑" panose="020B0503020204020204" pitchFamily="34" charset="-122"/>
                         </a:rPr>
-                        <a:t>ID+用户名+密码+</a:t>
+                        <a:t>ID+用户名+密码+年龄+用户身份+</a:t>
                       </a:r>
                       <a:endParaRPr sz="2800" b="1" kern="100" dirty="0">
                         <a:solidFill>
@@ -24093,7 +23258,7 @@
                           <a:latin typeface="微软雅黑" panose="020B0503020204020204" pitchFamily="34" charset="-122"/>
                           <a:ea typeface="微软雅黑" panose="020B0503020204020204" pitchFamily="34" charset="-122"/>
                         </a:rPr>
-                        <a:t>年龄+用户身份</a:t>
+                        <a:t>个人简介+注册时间</a:t>
                       </a:r>
                       <a:endParaRPr sz="2800" b="1" kern="100" dirty="0">
                         <a:solidFill>
@@ -24180,7 +23345,7 @@
                         <a:t>以</a:t>
                       </a:r>
                       <a:r>
-                        <a:rPr lang="zh-CN" altLang="en-US" sz="2800" b="1" kern="100" dirty="0">
+                        <a:rPr lang="en-US" altLang="zh-CN" sz="2800" b="1" kern="100" dirty="0">
                           <a:solidFill>
                             <a:schemeClr val="tx1">
                               <a:lumMod val="65000"/>
@@ -24191,7 +23356,7 @@
                           <a:latin typeface="微软雅黑" panose="020B0503020204020204" pitchFamily="34" charset="-122"/>
                           <a:ea typeface="微软雅黑" panose="020B0503020204020204" pitchFamily="34" charset="-122"/>
                         </a:rPr>
-                        <a:t>用户名</a:t>
+                        <a:t>ID</a:t>
                       </a:r>
                       <a:r>
                         <a:rPr lang="zh-CN" sz="2800" b="1" kern="100" dirty="0">
@@ -24982,7 +24147,7 @@
                     <a:p>
                       <a:pPr algn="ctr"/>
                       <a:r>
-                        <a:rPr lang="zh-CN" altLang="en-US" sz="2800" b="1" kern="100" dirty="0">
+                        <a:rPr sz="2800" b="1" kern="100" dirty="0">
                           <a:solidFill>
                             <a:schemeClr val="tx1">
                               <a:lumMod val="65000"/>
@@ -24993,149 +24158,9 @@
                           <a:latin typeface="微软雅黑" panose="020B0503020204020204" pitchFamily="34" charset="-122"/>
                           <a:ea typeface="微软雅黑" panose="020B0503020204020204" pitchFamily="34" charset="-122"/>
                         </a:rPr>
-                        <a:t>结果</a:t>
+                        <a:t>结果ID+评论ID+评论属性-极性对集合+更新时间</a:t>
                       </a:r>
-                      <a:r>
-                        <a:rPr lang="en-US" altLang="zh-CN" sz="2800" b="1" kern="100" dirty="0">
-                          <a:solidFill>
-                            <a:schemeClr val="tx1">
-                              <a:lumMod val="65000"/>
-                              <a:lumOff val="35000"/>
-                            </a:schemeClr>
-                          </a:solidFill>
-                          <a:effectLst/>
-                          <a:latin typeface="微软雅黑" panose="020B0503020204020204" pitchFamily="34" charset="-122"/>
-                          <a:ea typeface="微软雅黑" panose="020B0503020204020204" pitchFamily="34" charset="-122"/>
-                        </a:rPr>
-                        <a:t>ID</a:t>
-                      </a:r>
-                      <a:r>
-                        <a:rPr lang="en-US" sz="2800" b="1" kern="100" dirty="0">
-                          <a:solidFill>
-                            <a:schemeClr val="tx1">
-                              <a:lumMod val="65000"/>
-                              <a:lumOff val="35000"/>
-                            </a:schemeClr>
-                          </a:solidFill>
-                          <a:effectLst/>
-                          <a:latin typeface="微软雅黑" panose="020B0503020204020204" pitchFamily="34" charset="-122"/>
-                          <a:ea typeface="微软雅黑" panose="020B0503020204020204" pitchFamily="34" charset="-122"/>
-                        </a:rPr>
-                        <a:t>+</a:t>
-                      </a:r>
-                      <a:r>
-                        <a:rPr lang="zh-CN" sz="2800" b="1" kern="100" dirty="0">
-                          <a:solidFill>
-                            <a:schemeClr val="tx1">
-                              <a:lumMod val="65000"/>
-                              <a:lumOff val="35000"/>
-                            </a:schemeClr>
-                          </a:solidFill>
-                          <a:effectLst/>
-                          <a:latin typeface="微软雅黑" panose="020B0503020204020204" pitchFamily="34" charset="-122"/>
-                          <a:ea typeface="微软雅黑" panose="020B0503020204020204" pitchFamily="34" charset="-122"/>
-                        </a:rPr>
-                        <a:t>评论</a:t>
-                      </a:r>
-                      <a:r>
-                        <a:rPr lang="en-US" altLang="zh-CN" sz="2800" b="1" kern="100" dirty="0">
-                          <a:solidFill>
-                            <a:schemeClr val="tx1">
-                              <a:lumMod val="65000"/>
-                              <a:lumOff val="35000"/>
-                            </a:schemeClr>
-                          </a:solidFill>
-                          <a:effectLst/>
-                          <a:latin typeface="微软雅黑" panose="020B0503020204020204" pitchFamily="34" charset="-122"/>
-                          <a:ea typeface="微软雅黑" panose="020B0503020204020204" pitchFamily="34" charset="-122"/>
-                        </a:rPr>
-                        <a:t>ID</a:t>
-                      </a:r>
-                      <a:r>
-                        <a:rPr lang="en-US" sz="2800" b="1" kern="100" dirty="0">
-                          <a:solidFill>
-                            <a:schemeClr val="tx1">
-                              <a:lumMod val="65000"/>
-                              <a:lumOff val="35000"/>
-                            </a:schemeClr>
-                          </a:solidFill>
-                          <a:effectLst/>
-                          <a:latin typeface="微软雅黑" panose="020B0503020204020204" pitchFamily="34" charset="-122"/>
-                          <a:ea typeface="微软雅黑" panose="020B0503020204020204" pitchFamily="34" charset="-122"/>
-                        </a:rPr>
-                        <a:t>+</a:t>
-                      </a:r>
-                      <a:r>
-                        <a:rPr lang="zh-CN" sz="2800" b="1" kern="100" dirty="0">
-                          <a:solidFill>
-                            <a:schemeClr val="tx1">
-                              <a:lumMod val="65000"/>
-                              <a:lumOff val="35000"/>
-                            </a:schemeClr>
-                          </a:solidFill>
-                          <a:effectLst/>
-                          <a:latin typeface="微软雅黑" panose="020B0503020204020204" pitchFamily="34" charset="-122"/>
-                          <a:ea typeface="微软雅黑" panose="020B0503020204020204" pitchFamily="34" charset="-122"/>
-                        </a:rPr>
-                        <a:t>评论属性</a:t>
-                      </a:r>
-                      <a:r>
-                        <a:rPr lang="en-US" sz="2800" b="1" kern="100" dirty="0">
-                          <a:solidFill>
-                            <a:schemeClr val="tx1">
-                              <a:lumMod val="65000"/>
-                              <a:lumOff val="35000"/>
-                            </a:schemeClr>
-                          </a:solidFill>
-                          <a:effectLst/>
-                          <a:latin typeface="微软雅黑" panose="020B0503020204020204" pitchFamily="34" charset="-122"/>
-                          <a:ea typeface="微软雅黑" panose="020B0503020204020204" pitchFamily="34" charset="-122"/>
-                        </a:rPr>
-                        <a:t>-</a:t>
-                      </a:r>
-                      <a:r>
-                        <a:rPr lang="zh-CN" sz="2800" b="1" kern="100" dirty="0">
-                          <a:solidFill>
-                            <a:schemeClr val="tx1">
-                              <a:lumMod val="65000"/>
-                              <a:lumOff val="35000"/>
-                            </a:schemeClr>
-                          </a:solidFill>
-                          <a:effectLst/>
-                          <a:latin typeface="微软雅黑" panose="020B0503020204020204" pitchFamily="34" charset="-122"/>
-                          <a:ea typeface="微软雅黑" panose="020B0503020204020204" pitchFamily="34" charset="-122"/>
-                        </a:rPr>
-                        <a:t>极性</a:t>
-                      </a:r>
-                      <a:r>
-                        <a:rPr lang="zh-CN" altLang="en-US" sz="2800" b="1" kern="100" dirty="0">
-                          <a:solidFill>
-                            <a:schemeClr val="tx1">
-                              <a:lumMod val="65000"/>
-                              <a:lumOff val="35000"/>
-                            </a:schemeClr>
-                          </a:solidFill>
-                          <a:effectLst/>
-                          <a:latin typeface="微软雅黑" panose="020B0503020204020204" pitchFamily="34" charset="-122"/>
-                          <a:ea typeface="微软雅黑" panose="020B0503020204020204" pitchFamily="34" charset="-122"/>
-                        </a:rPr>
-                        <a:t>对</a:t>
-                      </a:r>
-                      <a:r>
-                        <a:rPr lang="zh-CN" sz="2800" b="1" kern="100" dirty="0">
-                          <a:solidFill>
-                            <a:schemeClr val="tx1">
-                              <a:lumMod val="65000"/>
-                              <a:lumOff val="35000"/>
-                            </a:schemeClr>
-                          </a:solidFill>
-                          <a:effectLst/>
-                          <a:latin typeface="微软雅黑" panose="020B0503020204020204" pitchFamily="34" charset="-122"/>
-                          <a:ea typeface="微软雅黑" panose="020B0503020204020204" pitchFamily="34" charset="-122"/>
-                        </a:rPr>
-                        <a:t>集合</a:t>
-                      </a:r>
-                      <a:endParaRPr lang="zh-CN" sz="2800" b="1" kern="100" dirty="0">
+                      <a:endParaRPr sz="2800" b="1" kern="100" dirty="0">
                         <a:solidFill>
                           <a:schemeClr val="tx1">
                             <a:lumMod val="65000"/>
@@ -25217,7 +24242,7 @@
                           <a:latin typeface="微软雅黑" panose="020B0503020204020204" pitchFamily="34" charset="-122"/>
                           <a:ea typeface="微软雅黑" panose="020B0503020204020204" pitchFamily="34" charset="-122"/>
                         </a:rPr>
-                        <a:t>以评论</a:t>
+                        <a:t>以结果</a:t>
                       </a:r>
                       <a:r>
                         <a:rPr lang="en-US" altLang="zh-CN" sz="2800" b="1" kern="100" dirty="0">
@@ -25840,7 +24865,7 @@
       </p:sp>
       <p:pic>
         <p:nvPicPr>
-          <p:cNvPr id="11" name="图片 10" descr="ER图"/>
+          <p:cNvPr id="6" name="图片 5" descr="ER图"/>
           <p:cNvPicPr>
             <a:picLocks noChangeAspect="1"/>
           </p:cNvPicPr>
@@ -25854,8 +24879,8 @@
         </p:blipFill>
         <p:spPr>
           <a:xfrm>
-            <a:off x="1189990" y="1618615"/>
-            <a:ext cx="15396210" cy="8056880"/>
+            <a:off x="2092960" y="1748155"/>
+            <a:ext cx="13766165" cy="7850505"/>
           </a:xfrm>
           <a:prstGeom prst="rect">
             <a:avLst/>
@@ -26338,7 +25363,7 @@
                 <a:ea typeface="微软雅黑" panose="020B0503020204020204" pitchFamily="34" charset="-122"/>
                 <a:cs typeface="微软雅黑" panose="020B0503020204020204" pitchFamily="34" charset="-122"/>
               </a:rPr>
-              <a:t>20</a:t>
+              <a:t>1</a:t>
             </a:r>
             <a:r>
               <a:rPr lang="zh-CN" altLang="en-US" sz="2800" b="1" dirty="0">
@@ -26349,7 +25374,7 @@
                 <a:ea typeface="微软雅黑" panose="020B0503020204020204" pitchFamily="34" charset="-122"/>
                 <a:cs typeface="微软雅黑" panose="020B0503020204020204" pitchFamily="34" charset="-122"/>
               </a:rPr>
-              <a:t>秒</a:t>
+              <a:t>分钟</a:t>
             </a:r>
             <a:r>
               <a:rPr lang="zh-CN" altLang="en-US" sz="2800" b="1" dirty="0">
@@ -29669,7 +28694,7 @@
                 <a:ea typeface="微软雅黑" panose="020B0503020204020204" pitchFamily="34" charset="-122"/>
                 <a:cs typeface="微软雅黑" panose="020B0503020204020204" pitchFamily="34" charset="-120"/>
               </a:rPr>
-              <a:t>日期：2022.04.24</a:t>
+              <a:t>日期：2022.05.10</a:t>
             </a:r>
             <a:endParaRPr lang="en-US" sz="4000" dirty="0">
               <a:solidFill>
@@ -29745,6 +28770,31 @@
           </p:spPr>
         </p:pic>
       </p:grpSp>
+      <p:sp>
+        <p:nvSpPr>
+          <p:cNvPr id="23" name="文本框 22"/>
+          <p:cNvSpPr txBox="1"/>
+          <p:nvPr/>
+        </p:nvSpPr>
+        <p:spPr>
+          <a:xfrm>
+            <a:off x="13434060" y="7085965"/>
+            <a:ext cx="309880" cy="368300"/>
+          </a:xfrm>
+          <a:prstGeom prst="rect">
+            <a:avLst/>
+          </a:prstGeom>
+          <a:noFill/>
+        </p:spPr>
+        <p:txBody>
+          <a:bodyPr wrap="none" rtlCol="0">
+            <a:spAutoFit/>
+          </a:bodyPr>
+          <a:p>
+            <a:endParaRPr lang="zh-CN" altLang="en-US"/>
+          </a:p>
+        </p:txBody>
+      </p:sp>
     </p:spTree>
   </p:cSld>
   <p:clrMapOvr>
@@ -34275,44 +33325,6 @@
           </p:txBody>
         </p:sp>
       </p:grpSp>
-      <p:sp>
-        <p:nvSpPr>
-          <p:cNvPr id="13" name="文本框 12"/>
-          <p:cNvSpPr txBox="1"/>
-          <p:nvPr/>
-        </p:nvSpPr>
-        <p:spPr>
-          <a:xfrm>
-            <a:off x="14603096" y="6231255"/>
-            <a:ext cx="1853565" cy="829945"/>
-          </a:xfrm>
-          <a:prstGeom prst="rect">
-            <a:avLst/>
-          </a:prstGeom>
-          <a:noFill/>
-        </p:spPr>
-        <p:txBody>
-          <a:bodyPr wrap="square" rtlCol="0" anchor="t">
-            <a:spAutoFit/>
-          </a:bodyPr>
-          <a:lstStyle/>
-          <a:p>
-            <a:r>
-              <a:rPr lang="zh-CN" altLang="en-US" sz="4800" b="1" dirty="0">
-                <a:solidFill>
-                  <a:srgbClr val="FF0000"/>
-                </a:solidFill>
-                <a:latin typeface="微软雅黑 Light" panose="020B0502040204020203" charset="-122"/>
-                <a:ea typeface="微软雅黑 Light" panose="020B0502040204020203" charset="-122"/>
-                <a:cs typeface="Noto Sans S Chinese Regular" pitchFamily="34" charset="-120"/>
-                <a:sym typeface="+mn-ea"/>
-              </a:rPr>
-              <a:t>成本</a:t>
-            </a:r>
-            <a:endParaRPr lang="zh-CN" altLang="en-US" sz="4800"/>
-          </a:p>
-        </p:txBody>
-      </p:sp>
     </p:spTree>
   </p:cSld>
   <p:clrMapOvr>
@@ -34331,13 +33343,27 @@
 
 <file path=ppt/tags/tag10.xml><?xml version="1.0" encoding="utf-8"?>
 <p:tagLst xmlns:p="http://schemas.openxmlformats.org/presentationml/2006/main">
-  <p:tag name="KSO_WM_UNIT_TABLE_BEAUTIFY" val="smartTable{0963a951-c0d1-44fc-aeba-b104ed462ae0}"/>
-  <p:tag name="TABLE_ENDDRAG_ORIGIN_RECT" val="614*226"/>
-  <p:tag name="TABLE_ENDDRAG_RECT" val="631*179*614*226"/>
+  <p:tag name="KSO_WM_UNIT_TABLE_BEAUTIFY" val="smartTable{8377fd2e-fea6-4aa0-9e74-0bdb80263026}"/>
+  <p:tag name="TABLE_ENDDRAG_ORIGIN_RECT" val="524*198"/>
+  <p:tag name="TABLE_ENDDRAG_RECT" val="827*357*525*198"/>
 </p:tagLst>
 </file>
 
 <file path=ppt/tags/tag11.xml><?xml version="1.0" encoding="utf-8"?>
+<p:tagLst xmlns:p="http://schemas.openxmlformats.org/presentationml/2006/main">
+  <p:tag name="KSO_WM_UNIT_TABLE_BEAUTIFY" val="smartTable{1642782c-a85d-422d-a706-6627c2358a28}"/>
+</p:tagLst>
+</file>
+
+<file path=ppt/tags/tag12.xml><?xml version="1.0" encoding="utf-8"?>
+<p:tagLst xmlns:p="http://schemas.openxmlformats.org/presentationml/2006/main">
+  <p:tag name="KSO_WM_UNIT_TABLE_BEAUTIFY" val="smartTable{0963a951-c0d1-44fc-aeba-b104ed462ae0}"/>
+  <p:tag name="TABLE_ENDDRAG_ORIGIN_RECT" val="725*227"/>
+  <p:tag name="TABLE_ENDDRAG_RECT" val="631*179*725*227"/>
+</p:tagLst>
+</file>
+
+<file path=ppt/tags/tag13.xml><?xml version="1.0" encoding="utf-8"?>
 <p:tagLst xmlns:p="http://schemas.openxmlformats.org/presentationml/2006/main">
   <p:tag name="KSO_WM_UNIT_TABLE_BEAUTIFY" val="smartTable{6b44787b-01ce-43da-96fd-92394888c16e}"/>
   <p:tag name="TABLE_ENDDRAG_ORIGIN_RECT" val="960*373"/>
@@ -34345,21 +33371,27 @@
 </p:tagLst>
 </file>
 
-<file path=ppt/tags/tag12.xml><?xml version="1.0" encoding="utf-8"?>
+<file path=ppt/tags/tag14.xml><?xml version="1.0" encoding="utf-8"?>
 <p:tagLst xmlns:p="http://schemas.openxmlformats.org/presentationml/2006/main">
   <p:tag name="KSO_WM_UNIT_TABLE_BEAUTIFY" val="smartTable{35c31678-44a3-46f1-9991-dbf8130b97fa}"/>
 </p:tagLst>
 </file>
 
-<file path=ppt/tags/tag13.xml><?xml version="1.0" encoding="utf-8"?>
+<file path=ppt/tags/tag15.xml><?xml version="1.0" encoding="utf-8"?>
 <p:tagLst xmlns:p="http://schemas.openxmlformats.org/presentationml/2006/main">
   <p:tag name="KSO_WM_UNIT_TABLE_BEAUTIFY" val="smartTable{a160c7d8-d092-4111-a319-c8482ebf3587}"/>
 </p:tagLst>
 </file>
 
-<file path=ppt/tags/tag14.xml><?xml version="1.0" encoding="utf-8"?>
+<file path=ppt/tags/tag16.xml><?xml version="1.0" encoding="utf-8"?>
 <p:tagLst xmlns:p="http://schemas.openxmlformats.org/presentationml/2006/main">
   <p:tag name="KSO_WM_UNIT_TABLE_BEAUTIFY" val="smartTable{998db102-c1d4-4d44-b07b-b0974eb822b5}"/>
+</p:tagLst>
+</file>
+
+<file path=ppt/tags/tag17.xml><?xml version="1.0" encoding="utf-8"?>
+<p:tagLst xmlns:p="http://schemas.openxmlformats.org/presentationml/2006/main">
+  <p:tag name="COMMONDATA" val="eyJoZGlkIjoiNWY1NTk2ZDg0MjFhYzcyYzY4ZWJiZmJlOGZmOThlM2MifQ=="/>
 </p:tagLst>
 </file>
 
@@ -34387,7 +33419,7 @@
 
 <file path=ppt/tags/tag5.xml><?xml version="1.0" encoding="utf-8"?>
 <p:tagLst xmlns:p="http://schemas.openxmlformats.org/presentationml/2006/main">
-  <p:tag name="KSO_WM_UNIT_TABLE_BEAUTIFY" val="smartTable{d4045565-5f85-4ef3-a2b9-54712ccb8708}"/>
+  <p:tag name="KSO_WM_UNIT_TABLE_BEAUTIFY" val="smartTable{b271a684-e61d-4c6f-843d-2aa40c947759}"/>
   <p:tag name="TABLE_ENDDRAG_ORIGIN_RECT" val="509*179"/>
   <p:tag name="TABLE_ENDDRAG_RECT" val="179*356*509*179"/>
 </p:tagLst>
@@ -34403,25 +33435,25 @@
 
 <file path=ppt/tags/tag7.xml><?xml version="1.0" encoding="utf-8"?>
 <p:tagLst xmlns:p="http://schemas.openxmlformats.org/presentationml/2006/main">
-  <p:tag name="KSO_WM_UNIT_TABLE_BEAUTIFY" val="smartTable{d4045565-5f85-4ef3-a2b9-54712ccb8708}"/>
-  <p:tag name="TABLE_ENDDRAG_ORIGIN_RECT" val="509*179"/>
-  <p:tag name="TABLE_ENDDRAG_RECT" val="179*356*509*179"/>
+  <p:tag name="KSO_WM_UNIT_TABLE_BEAUTIFY" val="smartTable{7ef060f4-30da-4b8b-b3fc-6acc8f04214c}"/>
+  <p:tag name="TABLE_ENDDRAG_ORIGIN_RECT" val="510*291"/>
+  <p:tag name="TABLE_ENDDRAG_RECT" val="49*184*510*291"/>
 </p:tagLst>
 </file>
 
 <file path=ppt/tags/tag8.xml><?xml version="1.0" encoding="utf-8"?>
 <p:tagLst xmlns:p="http://schemas.openxmlformats.org/presentationml/2006/main">
   <p:tag name="KSO_WM_UNIT_TABLE_BEAUTIFY" val="smartTable{d4045565-5f85-4ef3-a2b9-54712ccb8708}"/>
-  <p:tag name="TABLE_ENDDRAG_ORIGIN_RECT" val="509*179"/>
-  <p:tag name="TABLE_ENDDRAG_RECT" val="179*356*509*179"/>
+  <p:tag name="TABLE_ENDDRAG_ORIGIN_RECT" val="738*262"/>
+  <p:tag name="TABLE_ENDDRAG_RECT" val="607*184*738*262"/>
 </p:tagLst>
 </file>
 
 <file path=ppt/tags/tag9.xml><?xml version="1.0" encoding="utf-8"?>
 <p:tagLst xmlns:p="http://schemas.openxmlformats.org/presentationml/2006/main">
-  <p:tag name="KSO_WM_UNIT_TABLE_BEAUTIFY" val="smartTable{8377fd2e-fea6-4aa0-9e74-0bdb80263026}"/>
-  <p:tag name="TABLE_ENDDRAG_ORIGIN_RECT" val="524*198"/>
-  <p:tag name="TABLE_ENDDRAG_RECT" val="827*357*525*198"/>
+  <p:tag name="KSO_WM_UNIT_TABLE_BEAUTIFY" val="smartTable{d4045565-5f85-4ef3-a2b9-54712ccb8708}"/>
+  <p:tag name="TABLE_ENDDRAG_ORIGIN_RECT" val="509*179"/>
+  <p:tag name="TABLE_ENDDRAG_RECT" val="179*356*509*179"/>
 </p:tagLst>
 </file>
 

--- a/文档/PPT.pptx
+++ b/文档/PPT.pptx
@@ -22542,7 +22542,37 @@
                           <a:ea typeface="微软雅黑" panose="020B0503020204020204" pitchFamily="34" charset="-122"/>
                           <a:cs typeface="黑体" panose="02010609060101010101" pitchFamily="49" charset="-122"/>
                         </a:rPr>
-                        <a:t>1..20000、1{字母}500、{1{字母}}</a:t>
+                        <a:t>1..20000、</a:t>
+                      </a:r>
+                      <a:r>
+                        <a:rPr lang="en-US" sz="2400" b="1" kern="100">
+                          <a:solidFill>
+                            <a:schemeClr val="tx1">
+                              <a:lumMod val="65000"/>
+                              <a:lumOff val="35000"/>
+                            </a:schemeClr>
+                          </a:solidFill>
+                          <a:effectLst/>
+                          <a:latin typeface="微软雅黑" panose="020B0503020204020204" pitchFamily="34" charset="-122"/>
+                          <a:ea typeface="微软雅黑" panose="020B0503020204020204" pitchFamily="34" charset="-122"/>
+                          <a:cs typeface="黑体" panose="02010609060101010101" pitchFamily="49" charset="-122"/>
+                        </a:rPr>
+                        <a:t>{</a:t>
+                      </a:r>
+                      <a:r>
+                        <a:rPr sz="2400" b="1" kern="100">
+                          <a:solidFill>
+                            <a:schemeClr val="tx1">
+                              <a:lumMod val="65000"/>
+                              <a:lumOff val="35000"/>
+                            </a:schemeClr>
+                          </a:solidFill>
+                          <a:effectLst/>
+                          <a:latin typeface="微软雅黑" panose="020B0503020204020204" pitchFamily="34" charset="-122"/>
+                          <a:ea typeface="微软雅黑" panose="020B0503020204020204" pitchFamily="34" charset="-122"/>
+                          <a:cs typeface="黑体" panose="02010609060101010101" pitchFamily="49" charset="-122"/>
+                        </a:rPr>
+                        <a:t>1{字母}500、{1{字母}}</a:t>
                       </a:r>
                       <a:endParaRPr sz="2400" b="1" kern="100">
                         <a:solidFill>
